--- a/DOM-DI_short.pptx
+++ b/DOM-DI_short.pptx
@@ -5,10 +5,10 @@
     <p:sldMasterId id="2147483660" r:id="rId2"/>
   </p:sldMasterIdLst>
   <p:notesMasterIdLst>
-    <p:notesMasterId r:id="rId29"/>
+    <p:notesMasterId r:id="rId30"/>
   </p:notesMasterIdLst>
   <p:handoutMasterIdLst>
-    <p:handoutMasterId r:id="rId30"/>
+    <p:handoutMasterId r:id="rId31"/>
   </p:handoutMasterIdLst>
   <p:sldIdLst>
     <p:sldId id="257" r:id="rId3"/>
@@ -16,27 +16,28 @@
     <p:sldId id="280" r:id="rId5"/>
     <p:sldId id="281" r:id="rId6"/>
     <p:sldId id="260" r:id="rId7"/>
-    <p:sldId id="258" r:id="rId8"/>
-    <p:sldId id="259" r:id="rId9"/>
-    <p:sldId id="261" r:id="rId10"/>
-    <p:sldId id="262" r:id="rId11"/>
-    <p:sldId id="263" r:id="rId12"/>
-    <p:sldId id="265" r:id="rId13"/>
-    <p:sldId id="264" r:id="rId14"/>
-    <p:sldId id="267" r:id="rId15"/>
-    <p:sldId id="271" r:id="rId16"/>
-    <p:sldId id="266" r:id="rId17"/>
-    <p:sldId id="268" r:id="rId18"/>
-    <p:sldId id="270" r:id="rId19"/>
-    <p:sldId id="272" r:id="rId20"/>
-    <p:sldId id="269" r:id="rId21"/>
-    <p:sldId id="273" r:id="rId22"/>
-    <p:sldId id="274" r:id="rId23"/>
-    <p:sldId id="278" r:id="rId24"/>
-    <p:sldId id="275" r:id="rId25"/>
-    <p:sldId id="276" r:id="rId26"/>
-    <p:sldId id="277" r:id="rId27"/>
-    <p:sldId id="279" r:id="rId28"/>
+    <p:sldId id="283" r:id="rId8"/>
+    <p:sldId id="258" r:id="rId9"/>
+    <p:sldId id="259" r:id="rId10"/>
+    <p:sldId id="261" r:id="rId11"/>
+    <p:sldId id="262" r:id="rId12"/>
+    <p:sldId id="263" r:id="rId13"/>
+    <p:sldId id="265" r:id="rId14"/>
+    <p:sldId id="264" r:id="rId15"/>
+    <p:sldId id="266" r:id="rId16"/>
+    <p:sldId id="267" r:id="rId17"/>
+    <p:sldId id="271" r:id="rId18"/>
+    <p:sldId id="268" r:id="rId19"/>
+    <p:sldId id="270" r:id="rId20"/>
+    <p:sldId id="272" r:id="rId21"/>
+    <p:sldId id="269" r:id="rId22"/>
+    <p:sldId id="273" r:id="rId23"/>
+    <p:sldId id="274" r:id="rId24"/>
+    <p:sldId id="278" r:id="rId25"/>
+    <p:sldId id="275" r:id="rId26"/>
+    <p:sldId id="276" r:id="rId27"/>
+    <p:sldId id="277" r:id="rId28"/>
+    <p:sldId id="279" r:id="rId29"/>
   </p:sldIdLst>
   <p:sldSz cx="12192000" cy="6858000"/>
   <p:notesSz cx="6858000" cy="9144000"/>
@@ -791,10 +792,7 @@
           <a:bodyPr/>
           <a:lstStyle/>
           <a:p>
-            <a:r>
-              <a:rPr lang="en-GB" dirty="0"/>
-              <a:t>&lt;Demo 07&gt;</a:t>
-            </a:r>
+            <a:endParaRPr lang="en-GB" dirty="0"/>
           </a:p>
         </p:txBody>
       </p:sp>
@@ -824,7 +822,7 @@
     </p:spTree>
     <p:extLst>
       <p:ext uri="{BB962C8B-B14F-4D97-AF65-F5344CB8AC3E}">
-        <p14:creationId xmlns:p14="http://schemas.microsoft.com/office/powerpoint/2010/main" val="63316946"/>
+        <p14:creationId xmlns:p14="http://schemas.microsoft.com/office/powerpoint/2010/main" val="1456649604"/>
       </p:ext>
     </p:extLst>
   </p:cSld>
@@ -880,7 +878,7 @@
           <a:p>
             <a:r>
               <a:rPr lang="en-GB" dirty="0"/>
-              <a:t>&lt;Demo 08, 09&gt;</a:t>
+              <a:t>&lt;Demo 07&gt;</a:t>
             </a:r>
           </a:p>
         </p:txBody>
@@ -902,7 +900,7 @@
           <a:p>
             <a:fld id="{9C003A2D-F27E-469C-ADB1-04668A9E28C3}" type="slidenum">
               <a:rPr lang="ru-RU" smtClean="0"/>
-              <a:t>17</a:t>
+              <a:t>15</a:t>
             </a:fld>
             <a:endParaRPr lang="ru-RU"/>
           </a:p>
@@ -911,7 +909,7 @@
     </p:spTree>
     <p:extLst>
       <p:ext uri="{BB962C8B-B14F-4D97-AF65-F5344CB8AC3E}">
-        <p14:creationId xmlns:p14="http://schemas.microsoft.com/office/powerpoint/2010/main" val="2297538313"/>
+        <p14:creationId xmlns:p14="http://schemas.microsoft.com/office/powerpoint/2010/main" val="2174681559"/>
       </p:ext>
     </p:extLst>
   </p:cSld>
@@ -965,7 +963,10 @@
           <a:bodyPr/>
           <a:lstStyle/>
           <a:p>
-            <a:endParaRPr lang="en-GB" dirty="0"/>
+            <a:r>
+              <a:rPr lang="en-GB" dirty="0"/>
+              <a:t>&lt;Demo 07&gt;</a:t>
+            </a:r>
           </a:p>
         </p:txBody>
       </p:sp>
@@ -986,7 +987,7 @@
           <a:p>
             <a:fld id="{9C003A2D-F27E-469C-ADB1-04668A9E28C3}" type="slidenum">
               <a:rPr lang="ru-RU" smtClean="0"/>
-              <a:t>18</a:t>
+              <a:t>16</a:t>
             </a:fld>
             <a:endParaRPr lang="ru-RU"/>
           </a:p>
@@ -995,7 +996,7 @@
     </p:spTree>
     <p:extLst>
       <p:ext uri="{BB962C8B-B14F-4D97-AF65-F5344CB8AC3E}">
-        <p14:creationId xmlns:p14="http://schemas.microsoft.com/office/powerpoint/2010/main" val="624077281"/>
+        <p14:creationId xmlns:p14="http://schemas.microsoft.com/office/powerpoint/2010/main" val="63316946"/>
       </p:ext>
     </p:extLst>
   </p:cSld>
@@ -1051,7 +1052,7 @@
           <a:p>
             <a:r>
               <a:rPr lang="en-GB" dirty="0"/>
-              <a:t>&lt;Demo 10&gt;</a:t>
+              <a:t>&lt;Demo 08, 09&gt;</a:t>
             </a:r>
           </a:p>
         </p:txBody>
@@ -1073,7 +1074,7 @@
           <a:p>
             <a:fld id="{9C003A2D-F27E-469C-ADB1-04668A9E28C3}" type="slidenum">
               <a:rPr lang="ru-RU" smtClean="0"/>
-              <a:t>19</a:t>
+              <a:t>18</a:t>
             </a:fld>
             <a:endParaRPr lang="ru-RU"/>
           </a:p>
@@ -1082,7 +1083,7 @@
     </p:spTree>
     <p:extLst>
       <p:ext uri="{BB962C8B-B14F-4D97-AF65-F5344CB8AC3E}">
-        <p14:creationId xmlns:p14="http://schemas.microsoft.com/office/powerpoint/2010/main" val="1540514529"/>
+        <p14:creationId xmlns:p14="http://schemas.microsoft.com/office/powerpoint/2010/main" val="2297538313"/>
       </p:ext>
     </p:extLst>
   </p:cSld>
@@ -1157,7 +1158,7 @@
           <a:p>
             <a:fld id="{9C003A2D-F27E-469C-ADB1-04668A9E28C3}" type="slidenum">
               <a:rPr lang="ru-RU" smtClean="0"/>
-              <a:t>20</a:t>
+              <a:t>19</a:t>
             </a:fld>
             <a:endParaRPr lang="ru-RU"/>
           </a:p>
@@ -1166,7 +1167,7 @@
     </p:spTree>
     <p:extLst>
       <p:ext uri="{BB962C8B-B14F-4D97-AF65-F5344CB8AC3E}">
-        <p14:creationId xmlns:p14="http://schemas.microsoft.com/office/powerpoint/2010/main" val="3711672832"/>
+        <p14:creationId xmlns:p14="http://schemas.microsoft.com/office/powerpoint/2010/main" val="624077281"/>
       </p:ext>
     </p:extLst>
   </p:cSld>
@@ -1222,7 +1223,7 @@
           <a:p>
             <a:r>
               <a:rPr lang="en-GB" dirty="0"/>
-              <a:t>&lt;Demo 11&gt;</a:t>
+              <a:t>&lt;Demo 10&gt;</a:t>
             </a:r>
           </a:p>
         </p:txBody>
@@ -1244,7 +1245,7 @@
           <a:p>
             <a:fld id="{9C003A2D-F27E-469C-ADB1-04668A9E28C3}" type="slidenum">
               <a:rPr lang="ru-RU" smtClean="0"/>
-              <a:t>21</a:t>
+              <a:t>20</a:t>
             </a:fld>
             <a:endParaRPr lang="ru-RU"/>
           </a:p>
@@ -1253,7 +1254,7 @@
     </p:spTree>
     <p:extLst>
       <p:ext uri="{BB962C8B-B14F-4D97-AF65-F5344CB8AC3E}">
-        <p14:creationId xmlns:p14="http://schemas.microsoft.com/office/powerpoint/2010/main" val="4146405238"/>
+        <p14:creationId xmlns:p14="http://schemas.microsoft.com/office/powerpoint/2010/main" val="1540514529"/>
       </p:ext>
     </p:extLst>
   </p:cSld>
@@ -1307,16 +1308,7 @@
           <a:bodyPr/>
           <a:lstStyle/>
           <a:p>
-            <a:r>
-              <a:rPr lang="en-GB" dirty="0"/>
-              <a:t>&lt;Demo 12&gt;</a:t>
-            </a:r>
-          </a:p>
-          <a:p>
-            <a:r>
-              <a:rPr lang="en-GB" dirty="0"/>
-              <a:t>ASAP-WFA</a:t>
-            </a:r>
+            <a:endParaRPr lang="en-GB" dirty="0"/>
           </a:p>
         </p:txBody>
       </p:sp>
@@ -1337,7 +1329,7 @@
           <a:p>
             <a:fld id="{9C003A2D-F27E-469C-ADB1-04668A9E28C3}" type="slidenum">
               <a:rPr lang="ru-RU" smtClean="0"/>
-              <a:t>22</a:t>
+              <a:t>21</a:t>
             </a:fld>
             <a:endParaRPr lang="ru-RU"/>
           </a:p>
@@ -1346,7 +1338,7 @@
     </p:spTree>
     <p:extLst>
       <p:ext uri="{BB962C8B-B14F-4D97-AF65-F5344CB8AC3E}">
-        <p14:creationId xmlns:p14="http://schemas.microsoft.com/office/powerpoint/2010/main" val="1473038767"/>
+        <p14:creationId xmlns:p14="http://schemas.microsoft.com/office/powerpoint/2010/main" val="3711672832"/>
       </p:ext>
     </p:extLst>
   </p:cSld>
@@ -1402,17 +1394,8 @@
           <a:p>
             <a:r>
               <a:rPr lang="en-GB" dirty="0"/>
-              <a:t>&lt;Demo 13&gt;</a:t>
-            </a:r>
-          </a:p>
-          <a:p>
-            <a:r>
-              <a:rPr lang="en-GB" dirty="0"/>
-              <a:t>ASAP-WFA</a:t>
-            </a:r>
-          </a:p>
-          <a:p>
-            <a:endParaRPr lang="en-GB" dirty="0"/>
+              <a:t>&lt;Demo 11&gt;</a:t>
+            </a:r>
           </a:p>
         </p:txBody>
       </p:sp>
@@ -1433,7 +1416,7 @@
           <a:p>
             <a:fld id="{9C003A2D-F27E-469C-ADB1-04668A9E28C3}" type="slidenum">
               <a:rPr lang="ru-RU" smtClean="0"/>
-              <a:t>23</a:t>
+              <a:t>22</a:t>
             </a:fld>
             <a:endParaRPr lang="ru-RU"/>
           </a:p>
@@ -1442,7 +1425,7 @@
     </p:spTree>
     <p:extLst>
       <p:ext uri="{BB962C8B-B14F-4D97-AF65-F5344CB8AC3E}">
-        <p14:creationId xmlns:p14="http://schemas.microsoft.com/office/powerpoint/2010/main" val="4220660472"/>
+        <p14:creationId xmlns:p14="http://schemas.microsoft.com/office/powerpoint/2010/main" val="4146405238"/>
       </p:ext>
     </p:extLst>
   </p:cSld>
@@ -1496,7 +1479,16 @@
           <a:bodyPr/>
           <a:lstStyle/>
           <a:p>
-            <a:endParaRPr lang="en-GB" dirty="0"/>
+            <a:r>
+              <a:rPr lang="en-GB" dirty="0"/>
+              <a:t>&lt;Demo 12&gt;</a:t>
+            </a:r>
+          </a:p>
+          <a:p>
+            <a:r>
+              <a:rPr lang="en-GB" dirty="0"/>
+              <a:t>ASAP-WFA</a:t>
+            </a:r>
           </a:p>
         </p:txBody>
       </p:sp>
@@ -1517,7 +1509,7 @@
           <a:p>
             <a:fld id="{9C003A2D-F27E-469C-ADB1-04668A9E28C3}" type="slidenum">
               <a:rPr lang="ru-RU" smtClean="0"/>
-              <a:t>24</a:t>
+              <a:t>23</a:t>
             </a:fld>
             <a:endParaRPr lang="ru-RU"/>
           </a:p>
@@ -1526,7 +1518,7 @@
     </p:spTree>
     <p:extLst>
       <p:ext uri="{BB962C8B-B14F-4D97-AF65-F5344CB8AC3E}">
-        <p14:creationId xmlns:p14="http://schemas.microsoft.com/office/powerpoint/2010/main" val="2996293815"/>
+        <p14:creationId xmlns:p14="http://schemas.microsoft.com/office/powerpoint/2010/main" val="1473038767"/>
       </p:ext>
     </p:extLst>
   </p:cSld>
@@ -1582,12 +1574,16 @@
           <a:p>
             <a:r>
               <a:rPr lang="en-GB" dirty="0"/>
-              <a:t>&lt;Demo</a:t>
-            </a:r>
-            <a:r>
-              <a:rPr lang="en-GB" baseline="0" dirty="0"/>
-              <a:t> 14&gt;</a:t>
-            </a:r>
+              <a:t>&lt;Demo 13&gt;</a:t>
+            </a:r>
+          </a:p>
+          <a:p>
+            <a:r>
+              <a:rPr lang="en-GB" dirty="0"/>
+              <a:t>ASAP-WFA</a:t>
+            </a:r>
+          </a:p>
+          <a:p>
             <a:endParaRPr lang="en-GB" dirty="0"/>
           </a:p>
         </p:txBody>
@@ -1609,7 +1605,7 @@
           <a:p>
             <a:fld id="{9C003A2D-F27E-469C-ADB1-04668A9E28C3}" type="slidenum">
               <a:rPr lang="ru-RU" smtClean="0"/>
-              <a:t>25</a:t>
+              <a:t>24</a:t>
             </a:fld>
             <a:endParaRPr lang="ru-RU"/>
           </a:p>
@@ -1618,7 +1614,7 @@
     </p:spTree>
     <p:extLst>
       <p:ext uri="{BB962C8B-B14F-4D97-AF65-F5344CB8AC3E}">
-        <p14:creationId xmlns:p14="http://schemas.microsoft.com/office/powerpoint/2010/main" val="2394469228"/>
+        <p14:creationId xmlns:p14="http://schemas.microsoft.com/office/powerpoint/2010/main" val="4220660472"/>
       </p:ext>
     </p:extLst>
   </p:cSld>
@@ -1759,6 +1755,90 @@
           <a:bodyPr/>
           <a:lstStyle/>
           <a:p>
+            <a:endParaRPr lang="en-GB" dirty="0"/>
+          </a:p>
+        </p:txBody>
+      </p:sp>
+      <p:sp>
+        <p:nvSpPr>
+          <p:cNvPr id="4" name="Slide Number Placeholder 3"/>
+          <p:cNvSpPr>
+            <a:spLocks noGrp="1"/>
+          </p:cNvSpPr>
+          <p:nvPr>
+            <p:ph type="sldNum" sz="quarter" idx="10"/>
+          </p:nvPr>
+        </p:nvSpPr>
+        <p:spPr/>
+        <p:txBody>
+          <a:bodyPr/>
+          <a:lstStyle/>
+          <a:p>
+            <a:fld id="{9C003A2D-F27E-469C-ADB1-04668A9E28C3}" type="slidenum">
+              <a:rPr lang="ru-RU" smtClean="0"/>
+              <a:t>25</a:t>
+            </a:fld>
+            <a:endParaRPr lang="ru-RU"/>
+          </a:p>
+        </p:txBody>
+      </p:sp>
+    </p:spTree>
+    <p:extLst>
+      <p:ext uri="{BB962C8B-B14F-4D97-AF65-F5344CB8AC3E}">
+        <p14:creationId xmlns:p14="http://schemas.microsoft.com/office/powerpoint/2010/main" val="2996293815"/>
+      </p:ext>
+    </p:extLst>
+  </p:cSld>
+  <p:clrMapOvr>
+    <a:masterClrMapping/>
+  </p:clrMapOvr>
+</p:notes>
+</file>
+
+<file path=ppt/notesSlides/notesSlide21.xml><?xml version="1.0" encoding="utf-8"?>
+<p:notes xmlns:a="http://schemas.openxmlformats.org/drawingml/2006/main" xmlns:r="http://schemas.openxmlformats.org/officeDocument/2006/relationships" xmlns:p="http://schemas.openxmlformats.org/presentationml/2006/main">
+  <p:cSld>
+    <p:spTree>
+      <p:nvGrpSpPr>
+        <p:cNvPr id="1" name=""/>
+        <p:cNvGrpSpPr/>
+        <p:nvPr/>
+      </p:nvGrpSpPr>
+      <p:grpSpPr>
+        <a:xfrm>
+          <a:off x="0" y="0"/>
+          <a:ext cx="0" cy="0"/>
+          <a:chOff x="0" y="0"/>
+          <a:chExt cx="0" cy="0"/>
+        </a:xfrm>
+      </p:grpSpPr>
+      <p:sp>
+        <p:nvSpPr>
+          <p:cNvPr id="2" name="Slide Image Placeholder 1"/>
+          <p:cNvSpPr>
+            <a:spLocks noGrp="1" noRot="1" noChangeAspect="1"/>
+          </p:cNvSpPr>
+          <p:nvPr>
+            <p:ph type="sldImg"/>
+          </p:nvPr>
+        </p:nvSpPr>
+        <p:spPr/>
+      </p:sp>
+      <p:sp>
+        <p:nvSpPr>
+          <p:cNvPr id="3" name="Notes Placeholder 2"/>
+          <p:cNvSpPr>
+            <a:spLocks noGrp="1"/>
+          </p:cNvSpPr>
+          <p:nvPr>
+            <p:ph type="body" idx="1"/>
+          </p:nvPr>
+        </p:nvSpPr>
+        <p:spPr/>
+        <p:txBody>
+          <a:bodyPr/>
+          <a:lstStyle/>
+          <a:p>
             <a:r>
               <a:rPr lang="en-GB" dirty="0"/>
               <a:t>&lt;Demo</a:t>
@@ -1789,6 +1869,98 @@
             <a:fld id="{9C003A2D-F27E-469C-ADB1-04668A9E28C3}" type="slidenum">
               <a:rPr lang="ru-RU" smtClean="0"/>
               <a:t>26</a:t>
+            </a:fld>
+            <a:endParaRPr lang="ru-RU"/>
+          </a:p>
+        </p:txBody>
+      </p:sp>
+    </p:spTree>
+    <p:extLst>
+      <p:ext uri="{BB962C8B-B14F-4D97-AF65-F5344CB8AC3E}">
+        <p14:creationId xmlns:p14="http://schemas.microsoft.com/office/powerpoint/2010/main" val="2394469228"/>
+      </p:ext>
+    </p:extLst>
+  </p:cSld>
+  <p:clrMapOvr>
+    <a:masterClrMapping/>
+  </p:clrMapOvr>
+</p:notes>
+</file>
+
+<file path=ppt/notesSlides/notesSlide22.xml><?xml version="1.0" encoding="utf-8"?>
+<p:notes xmlns:a="http://schemas.openxmlformats.org/drawingml/2006/main" xmlns:r="http://schemas.openxmlformats.org/officeDocument/2006/relationships" xmlns:p="http://schemas.openxmlformats.org/presentationml/2006/main">
+  <p:cSld>
+    <p:spTree>
+      <p:nvGrpSpPr>
+        <p:cNvPr id="1" name=""/>
+        <p:cNvGrpSpPr/>
+        <p:nvPr/>
+      </p:nvGrpSpPr>
+      <p:grpSpPr>
+        <a:xfrm>
+          <a:off x="0" y="0"/>
+          <a:ext cx="0" cy="0"/>
+          <a:chOff x="0" y="0"/>
+          <a:chExt cx="0" cy="0"/>
+        </a:xfrm>
+      </p:grpSpPr>
+      <p:sp>
+        <p:nvSpPr>
+          <p:cNvPr id="2" name="Slide Image Placeholder 1"/>
+          <p:cNvSpPr>
+            <a:spLocks noGrp="1" noRot="1" noChangeAspect="1"/>
+          </p:cNvSpPr>
+          <p:nvPr>
+            <p:ph type="sldImg"/>
+          </p:nvPr>
+        </p:nvSpPr>
+        <p:spPr/>
+      </p:sp>
+      <p:sp>
+        <p:nvSpPr>
+          <p:cNvPr id="3" name="Notes Placeholder 2"/>
+          <p:cNvSpPr>
+            <a:spLocks noGrp="1"/>
+          </p:cNvSpPr>
+          <p:nvPr>
+            <p:ph type="body" idx="1"/>
+          </p:nvPr>
+        </p:nvSpPr>
+        <p:spPr/>
+        <p:txBody>
+          <a:bodyPr/>
+          <a:lstStyle/>
+          <a:p>
+            <a:r>
+              <a:rPr lang="en-GB" dirty="0"/>
+              <a:t>&lt;Demo</a:t>
+            </a:r>
+            <a:r>
+              <a:rPr lang="en-GB" baseline="0" dirty="0"/>
+              <a:t> 14&gt;</a:t>
+            </a:r>
+            <a:endParaRPr lang="en-GB" dirty="0"/>
+          </a:p>
+        </p:txBody>
+      </p:sp>
+      <p:sp>
+        <p:nvSpPr>
+          <p:cNvPr id="4" name="Slide Number Placeholder 3"/>
+          <p:cNvSpPr>
+            <a:spLocks noGrp="1"/>
+          </p:cNvSpPr>
+          <p:nvPr>
+            <p:ph type="sldNum" sz="quarter" idx="10"/>
+          </p:nvPr>
+        </p:nvSpPr>
+        <p:spPr/>
+        <p:txBody>
+          <a:bodyPr/>
+          <a:lstStyle/>
+          <a:p>
+            <a:fld id="{9C003A2D-F27E-469C-ADB1-04668A9E28C3}" type="slidenum">
+              <a:rPr lang="ru-RU" smtClean="0"/>
+              <a:t>27</a:t>
             </a:fld>
             <a:endParaRPr lang="ru-RU"/>
           </a:p>
@@ -2132,16 +2304,117 @@
           <a:bodyPr/>
           <a:lstStyle/>
           <a:p>
+            <a:pPr marL="0" marR="0" lvl="0" indent="0" algn="l" defTabSz="914400" rtl="0" eaLnBrk="1" fontAlgn="auto" latinLnBrk="0" hangingPunct="1">
+              <a:lnSpc>
+                <a:spcPct val="100000"/>
+              </a:lnSpc>
+              <a:spcBef>
+                <a:spcPts val="0"/>
+              </a:spcBef>
+              <a:spcAft>
+                <a:spcPts val="0"/>
+              </a:spcAft>
+              <a:buClrTx/>
+              <a:buSzTx/>
+              <a:buFontTx/>
+              <a:buNone/>
+              <a:tabLst/>
+              <a:defRPr/>
+            </a:pPr>
             <a:r>
               <a:rPr lang="en-GB" sz="1200" dirty="0"/>
-              <a:t>How data comes to WC</a:t>
-            </a:r>
-          </a:p>
-          <a:p>
+              <a:t>Services like</a:t>
+            </a:r>
+          </a:p>
+          <a:p>
+            <a:pPr marL="0" marR="0" lvl="0" indent="0" algn="l" defTabSz="914400" rtl="0" eaLnBrk="1" fontAlgn="auto" latinLnBrk="0" hangingPunct="1">
+              <a:lnSpc>
+                <a:spcPct val="100000"/>
+              </a:lnSpc>
+              <a:spcBef>
+                <a:spcPts val="0"/>
+              </a:spcBef>
+              <a:spcAft>
+                <a:spcPts val="0"/>
+              </a:spcAft>
+              <a:buClrTx/>
+              <a:buSzTx/>
+              <a:buFontTx/>
+              <a:buNone/>
+              <a:tabLst/>
+              <a:defRPr/>
+            </a:pPr>
             <a:r>
               <a:rPr lang="en-GB" sz="1200" dirty="0"/>
-              <a:t>How programmatically send data to WC</a:t>
-            </a:r>
+              <a:t>1.Common</a:t>
+            </a:r>
+            <a:r>
+              <a:rPr lang="en-GB" sz="1200" baseline="0" dirty="0"/>
+              <a:t> way (</a:t>
+            </a:r>
+            <a:r>
+              <a:rPr lang="en-GB" sz="1200" baseline="0" dirty="0" err="1"/>
+              <a:t>js</a:t>
+            </a:r>
+            <a:r>
+              <a:rPr lang="en-GB" sz="1200" baseline="0" dirty="0"/>
+              <a:t> classes)</a:t>
+            </a:r>
+          </a:p>
+          <a:p>
+            <a:pPr marL="0" marR="0" lvl="0" indent="0" algn="l" defTabSz="914400" rtl="0" eaLnBrk="1" fontAlgn="auto" latinLnBrk="0" hangingPunct="1">
+              <a:lnSpc>
+                <a:spcPct val="100000"/>
+              </a:lnSpc>
+              <a:spcBef>
+                <a:spcPts val="0"/>
+              </a:spcBef>
+              <a:spcAft>
+                <a:spcPts val="0"/>
+              </a:spcAft>
+              <a:buClrTx/>
+              <a:buSzTx/>
+              <a:buFontTx/>
+              <a:buNone/>
+              <a:tabLst/>
+              <a:defRPr/>
+            </a:pPr>
+            <a:r>
+              <a:rPr lang="en-GB" sz="1200" baseline="0" dirty="0"/>
+              <a:t>2.WC</a:t>
+            </a:r>
+            <a:endParaRPr lang="en-GB" sz="1200" dirty="0"/>
+          </a:p>
+          <a:p>
+            <a:pPr marL="0" marR="0" lvl="0" indent="0" algn="l" defTabSz="914400" rtl="0" eaLnBrk="1" fontAlgn="auto" latinLnBrk="0" hangingPunct="1">
+              <a:lnSpc>
+                <a:spcPct val="100000"/>
+              </a:lnSpc>
+              <a:spcBef>
+                <a:spcPts val="0"/>
+              </a:spcBef>
+              <a:spcAft>
+                <a:spcPts val="0"/>
+              </a:spcAft>
+              <a:buClrTx/>
+              <a:buSzTx/>
+              <a:buFontTx/>
+              <a:buNone/>
+              <a:tabLst/>
+              <a:defRPr/>
+            </a:pPr>
+            <a:r>
+              <a:rPr lang="en-GB" sz="1200" dirty="0"/>
+              <a:t> - problem that code is</a:t>
+            </a:r>
+            <a:r>
+              <a:rPr lang="en-GB" sz="1200" baseline="0" dirty="0"/>
+              <a:t> needed to send data</a:t>
+            </a:r>
+            <a:endParaRPr lang="en-GB" sz="1200" dirty="0"/>
+          </a:p>
+          <a:p>
+            <a:endParaRPr lang="en-GB" sz="1200" dirty="0"/>
           </a:p>
         </p:txBody>
       </p:sp>
@@ -2171,7 +2444,7 @@
     </p:spTree>
     <p:extLst>
       <p:ext uri="{BB962C8B-B14F-4D97-AF65-F5344CB8AC3E}">
-        <p14:creationId xmlns:p14="http://schemas.microsoft.com/office/powerpoint/2010/main" val="3380267347"/>
+        <p14:creationId xmlns:p14="http://schemas.microsoft.com/office/powerpoint/2010/main" val="3914427102"/>
       </p:ext>
     </p:extLst>
   </p:cSld>
@@ -2227,7 +2500,13 @@
           <a:p>
             <a:r>
               <a:rPr lang="en-GB" sz="1200" dirty="0"/>
-              <a:t>&lt;demo 01&gt;</a:t>
+              <a:t>How data comes to WC</a:t>
+            </a:r>
+          </a:p>
+          <a:p>
+            <a:r>
+              <a:rPr lang="en-GB" sz="1200" dirty="0"/>
+              <a:t>How programmatically send data to WC</a:t>
             </a:r>
           </a:p>
         </p:txBody>
@@ -2258,7 +2537,7 @@
     </p:spTree>
     <p:extLst>
       <p:ext uri="{BB962C8B-B14F-4D97-AF65-F5344CB8AC3E}">
-        <p14:creationId xmlns:p14="http://schemas.microsoft.com/office/powerpoint/2010/main" val="1577782166"/>
+        <p14:creationId xmlns:p14="http://schemas.microsoft.com/office/powerpoint/2010/main" val="3380267347"/>
       </p:ext>
     </p:extLst>
   </p:cSld>
@@ -2313,8 +2592,8 @@
           <a:lstStyle/>
           <a:p>
             <a:r>
-              <a:rPr lang="en-GB" dirty="0"/>
-              <a:t>&lt;demo 2-5&gt;</a:t>
+              <a:rPr lang="en-GB" sz="1200" dirty="0"/>
+              <a:t>&lt;demo 01&gt;</a:t>
             </a:r>
           </a:p>
         </p:txBody>
@@ -2345,7 +2624,7 @@
     </p:spTree>
     <p:extLst>
       <p:ext uri="{BB962C8B-B14F-4D97-AF65-F5344CB8AC3E}">
-        <p14:creationId xmlns:p14="http://schemas.microsoft.com/office/powerpoint/2010/main" val="3717469349"/>
+        <p14:creationId xmlns:p14="http://schemas.microsoft.com/office/powerpoint/2010/main" val="1577782166"/>
       </p:ext>
     </p:extLst>
   </p:cSld>
@@ -2401,7 +2680,7 @@
           <a:p>
             <a:r>
               <a:rPr lang="en-GB" dirty="0"/>
-              <a:t>&lt;demo 6&gt;</a:t>
+              <a:t>&lt;demo 2-5&gt;</a:t>
             </a:r>
           </a:p>
         </p:txBody>
@@ -2432,7 +2711,7 @@
     </p:spTree>
     <p:extLst>
       <p:ext uri="{BB962C8B-B14F-4D97-AF65-F5344CB8AC3E}">
-        <p14:creationId xmlns:p14="http://schemas.microsoft.com/office/powerpoint/2010/main" val="4284760887"/>
+        <p14:creationId xmlns:p14="http://schemas.microsoft.com/office/powerpoint/2010/main" val="3717469349"/>
       </p:ext>
     </p:extLst>
   </p:cSld>
@@ -2488,7 +2767,7 @@
           <a:p>
             <a:r>
               <a:rPr lang="en-GB" dirty="0"/>
-              <a:t>&lt;Demo 07&gt;</a:t>
+              <a:t>&lt;demo 6&gt;</a:t>
             </a:r>
           </a:p>
         </p:txBody>
@@ -2510,7 +2789,7 @@
           <a:p>
             <a:fld id="{9C003A2D-F27E-469C-ADB1-04668A9E28C3}" type="slidenum">
               <a:rPr lang="ru-RU" smtClean="0"/>
-              <a:t>13</a:t>
+              <a:t>10</a:t>
             </a:fld>
             <a:endParaRPr lang="ru-RU"/>
           </a:p>
@@ -2519,7 +2798,7 @@
     </p:spTree>
     <p:extLst>
       <p:ext uri="{BB962C8B-B14F-4D97-AF65-F5344CB8AC3E}">
-        <p14:creationId xmlns:p14="http://schemas.microsoft.com/office/powerpoint/2010/main" val="2174681559"/>
+        <p14:creationId xmlns:p14="http://schemas.microsoft.com/office/powerpoint/2010/main" val="4284760887"/>
       </p:ext>
     </p:extLst>
   </p:cSld>
@@ -18395,42 +18674,11 @@
           <a:p>
             <a:r>
               <a:rPr lang="en-GB" dirty="0"/>
-              <a:t>IOC containers</a:t>
-            </a:r>
-          </a:p>
-        </p:txBody>
-      </p:sp>
-      <p:pic>
-        <p:nvPicPr>
-          <p:cNvPr id="3" name="Picture 2"/>
-          <p:cNvPicPr>
-            <a:picLocks noChangeAspect="1"/>
-          </p:cNvPicPr>
-          <p:nvPr/>
-        </p:nvPicPr>
-        <p:blipFill>
-          <a:blip r:embed="rId2"/>
-          <a:stretch>
-            <a:fillRect/>
-          </a:stretch>
-        </p:blipFill>
-        <p:spPr>
-          <a:xfrm>
-            <a:off x="738190" y="3080958"/>
-            <a:ext cx="5738810" cy="657864"/>
-          </a:xfrm>
-          <a:prstGeom prst="rect">
-            <a:avLst/>
-          </a:prstGeom>
-          <a:effectLst>
-            <a:outerShdw blurRad="63500" sx="102000" sy="102000" algn="ctr" rotWithShape="0">
-              <a:prstClr val="black">
-                <a:alpha val="40000"/>
-              </a:prstClr>
-            </a:outerShdw>
-          </a:effectLst>
-        </p:spPr>
-      </p:pic>
+              <a:t>Container</a:t>
+            </a:r>
+          </a:p>
+        </p:txBody>
+      </p:sp>
       <p:pic>
         <p:nvPicPr>
           <p:cNvPr id="4" name="Picture 3"/>
@@ -18447,19 +18695,12 @@
         </p:blipFill>
         <p:spPr>
           <a:xfrm>
-            <a:off x="738190" y="1311817"/>
-            <a:ext cx="4704667" cy="1182812"/>
+            <a:off x="3350420" y="2615973"/>
+            <a:ext cx="3590925" cy="1495425"/>
           </a:xfrm>
           <a:prstGeom prst="rect">
             <a:avLst/>
           </a:prstGeom>
-          <a:effectLst>
-            <a:outerShdw blurRad="63500" sx="102000" sy="102000" algn="ctr" rotWithShape="0">
-              <a:prstClr val="black">
-                <a:alpha val="40000"/>
-              </a:prstClr>
-            </a:outerShdw>
-          </a:effectLst>
         </p:spPr>
       </p:pic>
       <p:pic>
@@ -18478,112 +18719,170 @@
         </p:blipFill>
         <p:spPr>
           <a:xfrm>
-            <a:off x="738190" y="4325151"/>
-            <a:ext cx="5738811" cy="383534"/>
+            <a:off x="864053" y="1339396"/>
+            <a:ext cx="3228975" cy="514350"/>
           </a:xfrm>
           <a:prstGeom prst="rect">
             <a:avLst/>
           </a:prstGeom>
-          <a:effectLst>
-            <a:outerShdw blurRad="63500" sx="102000" sy="102000" algn="ctr" rotWithShape="0">
-              <a:prstClr val="black">
-                <a:alpha val="40000"/>
-              </a:prstClr>
-            </a:outerShdw>
-          </a:effectLst>
         </p:spPr>
       </p:pic>
-      <p:sp>
-        <p:nvSpPr>
-          <p:cNvPr id="6" name="TextBox 5"/>
-          <p:cNvSpPr txBox="1"/>
+      <p:pic>
+        <p:nvPicPr>
+          <p:cNvPr id="6" name="Picture 5"/>
+          <p:cNvPicPr>
+            <a:picLocks noChangeAspect="1"/>
+          </p:cNvPicPr>
           <p:nvPr/>
-        </p:nvSpPr>
-        <p:spPr>
-          <a:xfrm>
-            <a:off x="7696200" y="1718557"/>
-            <a:ext cx="3383875" cy="369332"/>
+        </p:nvPicPr>
+        <p:blipFill>
+          <a:blip r:embed="rId5"/>
+          <a:stretch>
+            <a:fillRect/>
+          </a:stretch>
+        </p:blipFill>
+        <p:spPr>
+          <a:xfrm>
+            <a:off x="6092598" y="1329871"/>
+            <a:ext cx="3048000" cy="523875"/>
           </a:xfrm>
           <a:prstGeom prst="rect">
             <a:avLst/>
           </a:prstGeom>
-          <a:noFill/>
-        </p:spPr>
-        <p:txBody>
-          <a:bodyPr wrap="none" rtlCol="0">
-            <a:spAutoFit/>
-          </a:bodyPr>
+        </p:spPr>
+      </p:pic>
+      <p:sp>
+        <p:nvSpPr>
+          <p:cNvPr id="7" name="Arrow: Down 6"/>
+          <p:cNvSpPr/>
+          <p:nvPr/>
+        </p:nvSpPr>
+        <p:spPr>
+          <a:xfrm rot="19659441">
+            <a:off x="3177950" y="2072480"/>
+            <a:ext cx="344940" cy="324758"/>
+          </a:xfrm>
+          <a:prstGeom prst="downArrow">
+            <a:avLst/>
+          </a:prstGeom>
+        </p:spPr>
+        <p:style>
+          <a:lnRef idx="2">
+            <a:schemeClr val="accent1">
+              <a:shade val="50000"/>
+            </a:schemeClr>
+          </a:lnRef>
+          <a:fillRef idx="1">
+            <a:schemeClr val="accent1"/>
+          </a:fillRef>
+          <a:effectRef idx="0">
+            <a:schemeClr val="accent1"/>
+          </a:effectRef>
+          <a:fontRef idx="minor">
+            <a:schemeClr val="lt1"/>
+          </a:fontRef>
+        </p:style>
+        <p:txBody>
+          <a:bodyPr rtlCol="0" anchor="ctr"/>
           <a:lstStyle/>
           <a:p>
-            <a:r>
-              <a:rPr lang="en-GB" dirty="0"/>
-              <a:t>Constructors without parameters</a:t>
-            </a:r>
-          </a:p>
-        </p:txBody>
-      </p:sp>
-      <p:sp>
-        <p:nvSpPr>
-          <p:cNvPr id="7" name="TextBox 6"/>
-          <p:cNvSpPr txBox="1"/>
+            <a:pPr algn="ctr"/>
+            <a:endParaRPr lang="en-GB"/>
+          </a:p>
+        </p:txBody>
+      </p:sp>
+      <p:sp>
+        <p:nvSpPr>
+          <p:cNvPr id="8" name="Arrow: Down 7"/>
+          <p:cNvSpPr/>
           <p:nvPr/>
         </p:nvSpPr>
         <p:spPr>
-          <a:xfrm>
-            <a:off x="7696200" y="3225224"/>
-            <a:ext cx="1430713" cy="369332"/>
+          <a:xfrm rot="1668275">
+            <a:off x="6768875" y="2072480"/>
+            <a:ext cx="344940" cy="324758"/>
+          </a:xfrm>
+          <a:prstGeom prst="downArrow">
+            <a:avLst/>
+          </a:prstGeom>
+        </p:spPr>
+        <p:style>
+          <a:lnRef idx="2">
+            <a:schemeClr val="accent1">
+              <a:shade val="50000"/>
+            </a:schemeClr>
+          </a:lnRef>
+          <a:fillRef idx="1">
+            <a:schemeClr val="accent1"/>
+          </a:fillRef>
+          <a:effectRef idx="0">
+            <a:schemeClr val="accent1"/>
+          </a:effectRef>
+          <a:fontRef idx="minor">
+            <a:schemeClr val="lt1"/>
+          </a:fontRef>
+        </p:style>
+        <p:txBody>
+          <a:bodyPr rtlCol="0" anchor="ctr"/>
+          <a:lstStyle/>
+          <a:p>
+            <a:pPr algn="ctr"/>
+            <a:endParaRPr lang="en-GB"/>
+          </a:p>
+        </p:txBody>
+      </p:sp>
+      <p:pic>
+        <p:nvPicPr>
+          <p:cNvPr id="9" name="Picture 8"/>
+          <p:cNvPicPr>
+            <a:picLocks noChangeAspect="1"/>
+          </p:cNvPicPr>
+          <p:nvPr/>
+        </p:nvPicPr>
+        <p:blipFill>
+          <a:blip r:embed="rId6"/>
+          <a:stretch>
+            <a:fillRect/>
+          </a:stretch>
+        </p:blipFill>
+        <p:spPr>
+          <a:xfrm>
+            <a:off x="2521744" y="4349426"/>
+            <a:ext cx="5248275" cy="695325"/>
           </a:xfrm>
           <a:prstGeom prst="rect">
             <a:avLst/>
           </a:prstGeom>
-          <a:noFill/>
-        </p:spPr>
-        <p:txBody>
-          <a:bodyPr wrap="none" rtlCol="0">
-            <a:spAutoFit/>
-          </a:bodyPr>
-          <a:lstStyle/>
-          <a:p>
-            <a:r>
-              <a:rPr lang="en-GB" dirty="0"/>
-              <a:t>No interfaces</a:t>
-            </a:r>
-          </a:p>
-        </p:txBody>
-      </p:sp>
-      <p:sp>
-        <p:nvSpPr>
-          <p:cNvPr id="8" name="TextBox 7"/>
-          <p:cNvSpPr txBox="1"/>
+        </p:spPr>
+      </p:pic>
+      <p:pic>
+        <p:nvPicPr>
+          <p:cNvPr id="11" name="Picture 10"/>
+          <p:cNvPicPr>
+            <a:picLocks noChangeAspect="1"/>
+          </p:cNvPicPr>
           <p:nvPr/>
-        </p:nvSpPr>
-        <p:spPr>
-          <a:xfrm>
-            <a:off x="7696200" y="4332252"/>
-            <a:ext cx="2555123" cy="369332"/>
+        </p:nvPicPr>
+        <p:blipFill>
+          <a:blip r:embed="rId7"/>
+          <a:stretch>
+            <a:fillRect/>
+          </a:stretch>
+        </p:blipFill>
+        <p:spPr>
+          <a:xfrm>
+            <a:off x="2478540" y="5282779"/>
+            <a:ext cx="5991225" cy="714375"/>
           </a:xfrm>
           <a:prstGeom prst="rect">
             <a:avLst/>
           </a:prstGeom>
-          <a:noFill/>
-        </p:spPr>
-        <p:txBody>
-          <a:bodyPr wrap="none" rtlCol="0">
-            <a:spAutoFit/>
-          </a:bodyPr>
-          <a:lstStyle/>
-          <a:p>
-            <a:r>
-              <a:rPr lang="en-GB" dirty="0"/>
-              <a:t>Instances are not needed</a:t>
-            </a:r>
-          </a:p>
-        </p:txBody>
-      </p:sp>
+        </p:spPr>
+      </p:pic>
     </p:spTree>
     <p:extLst>
       <p:ext uri="{BB962C8B-B14F-4D97-AF65-F5344CB8AC3E}">
-        <p14:creationId xmlns:p14="http://schemas.microsoft.com/office/powerpoint/2010/main" val="478962689"/>
+        <p14:creationId xmlns:p14="http://schemas.microsoft.com/office/powerpoint/2010/main" val="3509235657"/>
       </p:ext>
     </p:extLst>
   </p:cSld>
@@ -18627,14 +18926,14 @@
           <a:p>
             <a:r>
               <a:rPr lang="en-GB" dirty="0"/>
-              <a:t>Interfaces</a:t>
+              <a:t>IOC containers</a:t>
             </a:r>
           </a:p>
         </p:txBody>
       </p:sp>
       <p:pic>
         <p:nvPicPr>
-          <p:cNvPr id="4" name="Picture 3"/>
+          <p:cNvPr id="3" name="Picture 2"/>
           <p:cNvPicPr>
             <a:picLocks noChangeAspect="1"/>
           </p:cNvPicPr>
@@ -18648,8 +18947,8 @@
         </p:blipFill>
         <p:spPr>
           <a:xfrm>
-            <a:off x="912362" y="1968953"/>
-            <a:ext cx="2990850" cy="438150"/>
+            <a:off x="738190" y="3080958"/>
+            <a:ext cx="5738810" cy="657864"/>
           </a:xfrm>
           <a:prstGeom prst="rect">
             <a:avLst/>
@@ -18663,49 +18962,9 @@
           </a:effectLst>
         </p:spPr>
       </p:pic>
-      <p:sp>
-        <p:nvSpPr>
-          <p:cNvPr id="5" name="Arrow: Down 4"/>
-          <p:cNvSpPr/>
-          <p:nvPr/>
-        </p:nvSpPr>
-        <p:spPr>
-          <a:xfrm rot="16200000">
-            <a:off x="4973413" y="3122725"/>
-            <a:ext cx="344940" cy="324758"/>
-          </a:xfrm>
-          <a:prstGeom prst="downArrow">
-            <a:avLst/>
-          </a:prstGeom>
-        </p:spPr>
-        <p:style>
-          <a:lnRef idx="2">
-            <a:schemeClr val="accent1">
-              <a:shade val="50000"/>
-            </a:schemeClr>
-          </a:lnRef>
-          <a:fillRef idx="1">
-            <a:schemeClr val="accent1"/>
-          </a:fillRef>
-          <a:effectRef idx="0">
-            <a:schemeClr val="accent1"/>
-          </a:effectRef>
-          <a:fontRef idx="minor">
-            <a:schemeClr val="lt1"/>
-          </a:fontRef>
-        </p:style>
-        <p:txBody>
-          <a:bodyPr rtlCol="0" anchor="ctr"/>
-          <a:lstStyle/>
-          <a:p>
-            <a:pPr algn="ctr"/>
-            <a:endParaRPr lang="en-GB"/>
-          </a:p>
-        </p:txBody>
-      </p:sp>
       <p:pic>
         <p:nvPicPr>
-          <p:cNvPr id="6" name="Picture 5"/>
+          <p:cNvPr id="4" name="Picture 3"/>
           <p:cNvPicPr>
             <a:picLocks noChangeAspect="1"/>
           </p:cNvPicPr>
@@ -18719,17 +18978,24 @@
         </p:blipFill>
         <p:spPr>
           <a:xfrm>
-            <a:off x="6221866" y="1787978"/>
-            <a:ext cx="4886325" cy="800100"/>
+            <a:off x="738190" y="1311817"/>
+            <a:ext cx="4704667" cy="1182812"/>
           </a:xfrm>
           <a:prstGeom prst="rect">
             <a:avLst/>
           </a:prstGeom>
+          <a:effectLst>
+            <a:outerShdw blurRad="63500" sx="102000" sy="102000" algn="ctr" rotWithShape="0">
+              <a:prstClr val="black">
+                <a:alpha val="40000"/>
+              </a:prstClr>
+            </a:outerShdw>
+          </a:effectLst>
         </p:spPr>
       </p:pic>
       <p:pic>
         <p:nvPicPr>
-          <p:cNvPr id="7" name="Picture 6"/>
+          <p:cNvPr id="5" name="Picture 4"/>
           <p:cNvPicPr>
             <a:picLocks noChangeAspect="1"/>
           </p:cNvPicPr>
@@ -18743,32 +19009,8 @@
         </p:blipFill>
         <p:spPr>
           <a:xfrm>
-            <a:off x="5688465" y="2765652"/>
-            <a:ext cx="5953125" cy="238125"/>
-          </a:xfrm>
-          <a:prstGeom prst="rect">
-            <a:avLst/>
-          </a:prstGeom>
-        </p:spPr>
-      </p:pic>
-      <p:pic>
-        <p:nvPicPr>
-          <p:cNvPr id="8" name="Picture 7"/>
-          <p:cNvPicPr>
-            <a:picLocks noChangeAspect="1"/>
-          </p:cNvPicPr>
-          <p:nvPr/>
-        </p:nvPicPr>
-        <p:blipFill>
-          <a:blip r:embed="rId5"/>
-          <a:stretch>
-            <a:fillRect/>
-          </a:stretch>
-        </p:blipFill>
-        <p:spPr>
-          <a:xfrm>
-            <a:off x="1150487" y="4132489"/>
-            <a:ext cx="2514600" cy="247650"/>
+            <a:off x="738190" y="4325151"/>
+            <a:ext cx="5738811" cy="383534"/>
           </a:xfrm>
           <a:prstGeom prst="rect">
             <a:avLst/>
@@ -18782,34 +19024,97 @@
           </a:effectLst>
         </p:spPr>
       </p:pic>
-      <p:pic>
-        <p:nvPicPr>
-          <p:cNvPr id="9" name="Picture 8"/>
-          <p:cNvPicPr>
-            <a:picLocks noChangeAspect="1"/>
-          </p:cNvPicPr>
+      <p:sp>
+        <p:nvSpPr>
+          <p:cNvPr id="6" name="TextBox 5"/>
+          <p:cNvSpPr txBox="1"/>
           <p:nvPr/>
-        </p:nvPicPr>
-        <p:blipFill>
-          <a:blip r:embed="rId6"/>
-          <a:stretch>
-            <a:fillRect/>
-          </a:stretch>
-        </p:blipFill>
-        <p:spPr>
-          <a:xfrm>
-            <a:off x="6998152" y="4122964"/>
-            <a:ext cx="3333750" cy="257175"/>
+        </p:nvSpPr>
+        <p:spPr>
+          <a:xfrm>
+            <a:off x="7696200" y="1718557"/>
+            <a:ext cx="3383875" cy="369332"/>
           </a:xfrm>
           <a:prstGeom prst="rect">
             <a:avLst/>
           </a:prstGeom>
-        </p:spPr>
-      </p:pic>
+          <a:noFill/>
+        </p:spPr>
+        <p:txBody>
+          <a:bodyPr wrap="none" rtlCol="0">
+            <a:spAutoFit/>
+          </a:bodyPr>
+          <a:lstStyle/>
+          <a:p>
+            <a:r>
+              <a:rPr lang="en-GB" dirty="0"/>
+              <a:t>Constructors without parameters</a:t>
+            </a:r>
+          </a:p>
+        </p:txBody>
+      </p:sp>
+      <p:sp>
+        <p:nvSpPr>
+          <p:cNvPr id="7" name="TextBox 6"/>
+          <p:cNvSpPr txBox="1"/>
+          <p:nvPr/>
+        </p:nvSpPr>
+        <p:spPr>
+          <a:xfrm>
+            <a:off x="7696200" y="3225224"/>
+            <a:ext cx="1430713" cy="369332"/>
+          </a:xfrm>
+          <a:prstGeom prst="rect">
+            <a:avLst/>
+          </a:prstGeom>
+          <a:noFill/>
+        </p:spPr>
+        <p:txBody>
+          <a:bodyPr wrap="none" rtlCol="0">
+            <a:spAutoFit/>
+          </a:bodyPr>
+          <a:lstStyle/>
+          <a:p>
+            <a:r>
+              <a:rPr lang="en-GB" dirty="0"/>
+              <a:t>No interfaces</a:t>
+            </a:r>
+          </a:p>
+        </p:txBody>
+      </p:sp>
+      <p:sp>
+        <p:nvSpPr>
+          <p:cNvPr id="8" name="TextBox 7"/>
+          <p:cNvSpPr txBox="1"/>
+          <p:nvPr/>
+        </p:nvSpPr>
+        <p:spPr>
+          <a:xfrm>
+            <a:off x="7696200" y="4332252"/>
+            <a:ext cx="2555123" cy="369332"/>
+          </a:xfrm>
+          <a:prstGeom prst="rect">
+            <a:avLst/>
+          </a:prstGeom>
+          <a:noFill/>
+        </p:spPr>
+        <p:txBody>
+          <a:bodyPr wrap="none" rtlCol="0">
+            <a:spAutoFit/>
+          </a:bodyPr>
+          <a:lstStyle/>
+          <a:p>
+            <a:r>
+              <a:rPr lang="en-GB" dirty="0"/>
+              <a:t>Instances are not needed</a:t>
+            </a:r>
+          </a:p>
+        </p:txBody>
+      </p:sp>
     </p:spTree>
     <p:extLst>
       <p:ext uri="{BB962C8B-B14F-4D97-AF65-F5344CB8AC3E}">
-        <p14:creationId xmlns:p14="http://schemas.microsoft.com/office/powerpoint/2010/main" val="641487110"/>
+        <p14:creationId xmlns:p14="http://schemas.microsoft.com/office/powerpoint/2010/main" val="478962689"/>
       </p:ext>
     </p:extLst>
   </p:cSld>
@@ -18853,17 +19158,14 @@
           <a:p>
             <a:r>
               <a:rPr lang="en-GB" dirty="0"/>
-              <a:t>Constructors and Instances</a:t>
-            </a:r>
-          </a:p>
-          <a:p>
-            <a:endParaRPr lang="en-GB" dirty="0"/>
+              <a:t>Interfaces</a:t>
+            </a:r>
           </a:p>
         </p:txBody>
       </p:sp>
       <p:pic>
         <p:nvPicPr>
-          <p:cNvPr id="3" name="Picture 2"/>
+          <p:cNvPr id="4" name="Picture 3"/>
           <p:cNvPicPr>
             <a:picLocks noChangeAspect="1"/>
           </p:cNvPicPr>
@@ -18877,8 +19179,8 @@
         </p:blipFill>
         <p:spPr>
           <a:xfrm>
-            <a:off x="1000128" y="1904319"/>
-            <a:ext cx="3333750" cy="819150"/>
+            <a:off x="912362" y="1968953"/>
+            <a:ext cx="2990850" cy="438150"/>
           </a:xfrm>
           <a:prstGeom prst="rect">
             <a:avLst/>
@@ -18894,13 +19196,13 @@
       </p:pic>
       <p:sp>
         <p:nvSpPr>
-          <p:cNvPr id="4" name="Arrow: Down 3"/>
+          <p:cNvPr id="5" name="Arrow: Down 4"/>
           <p:cNvSpPr/>
           <p:nvPr/>
         </p:nvSpPr>
         <p:spPr>
           <a:xfrm rot="16200000">
-            <a:off x="5135792" y="2151515"/>
+            <a:off x="4973413" y="3122725"/>
             <a:ext cx="344940" cy="324758"/>
           </a:xfrm>
           <a:prstGeom prst="downArrow">
@@ -18948,8 +19250,8 @@
         </p:blipFill>
         <p:spPr>
           <a:xfrm>
-            <a:off x="6544582" y="1200830"/>
-            <a:ext cx="4391025" cy="1685925"/>
+            <a:off x="6221866" y="1787978"/>
+            <a:ext cx="4886325" cy="800100"/>
           </a:xfrm>
           <a:prstGeom prst="rect">
             <a:avLst/>
@@ -18972,57 +19274,17 @@
         </p:blipFill>
         <p:spPr>
           <a:xfrm>
-            <a:off x="5844495" y="3035525"/>
-            <a:ext cx="5791200" cy="285750"/>
+            <a:off x="5688465" y="2765652"/>
+            <a:ext cx="5953125" cy="238125"/>
           </a:xfrm>
           <a:prstGeom prst="rect">
             <a:avLst/>
           </a:prstGeom>
         </p:spPr>
       </p:pic>
-      <p:sp>
-        <p:nvSpPr>
-          <p:cNvPr id="8" name="Arrow: Down 7"/>
-          <p:cNvSpPr/>
-          <p:nvPr/>
-        </p:nvSpPr>
-        <p:spPr>
-          <a:xfrm rot="16200000">
-            <a:off x="5135792" y="4535486"/>
-            <a:ext cx="344940" cy="324758"/>
-          </a:xfrm>
-          <a:prstGeom prst="downArrow">
-            <a:avLst/>
-          </a:prstGeom>
-        </p:spPr>
-        <p:style>
-          <a:lnRef idx="2">
-            <a:schemeClr val="accent1">
-              <a:shade val="50000"/>
-            </a:schemeClr>
-          </a:lnRef>
-          <a:fillRef idx="1">
-            <a:schemeClr val="accent1"/>
-          </a:fillRef>
-          <a:effectRef idx="0">
-            <a:schemeClr val="accent1"/>
-          </a:effectRef>
-          <a:fontRef idx="minor">
-            <a:schemeClr val="lt1"/>
-          </a:fontRef>
-        </p:style>
-        <p:txBody>
-          <a:bodyPr rtlCol="0" anchor="ctr"/>
-          <a:lstStyle/>
-          <a:p>
-            <a:pPr algn="ctr"/>
-            <a:endParaRPr lang="en-GB"/>
-          </a:p>
-        </p:txBody>
-      </p:sp>
       <p:pic>
         <p:nvPicPr>
-          <p:cNvPr id="11" name="Picture 10"/>
+          <p:cNvPr id="8" name="Picture 7"/>
           <p:cNvPicPr>
             <a:picLocks noChangeAspect="1"/>
           </p:cNvPicPr>
@@ -19036,8 +19298,8 @@
         </p:blipFill>
         <p:spPr>
           <a:xfrm>
-            <a:off x="738191" y="4269238"/>
-            <a:ext cx="3857625" cy="857250"/>
+            <a:off x="1150487" y="4132489"/>
+            <a:ext cx="2514600" cy="247650"/>
           </a:xfrm>
           <a:prstGeom prst="rect">
             <a:avLst/>
@@ -19053,7 +19315,7 @@
       </p:pic>
       <p:pic>
         <p:nvPicPr>
-          <p:cNvPr id="12" name="Picture 11"/>
+          <p:cNvPr id="9" name="Picture 8"/>
           <p:cNvPicPr>
             <a:picLocks noChangeAspect="1"/>
           </p:cNvPicPr>
@@ -19067,8 +19329,8 @@
         </p:blipFill>
         <p:spPr>
           <a:xfrm>
-            <a:off x="6968444" y="4235900"/>
-            <a:ext cx="3543300" cy="923925"/>
+            <a:off x="6998152" y="4122964"/>
+            <a:ext cx="3333750" cy="257175"/>
           </a:xfrm>
           <a:prstGeom prst="rect">
             <a:avLst/>
@@ -19078,7 +19340,7 @@
     </p:spTree>
     <p:extLst>
       <p:ext uri="{BB962C8B-B14F-4D97-AF65-F5344CB8AC3E}">
-        <p14:creationId xmlns:p14="http://schemas.microsoft.com/office/powerpoint/2010/main" val="3331047043"/>
+        <p14:creationId xmlns:p14="http://schemas.microsoft.com/office/powerpoint/2010/main" val="641487110"/>
       </p:ext>
     </p:extLst>
   </p:cSld>
@@ -19122,31 +19384,36 @@
           <a:p>
             <a:r>
               <a:rPr lang="en-GB" dirty="0"/>
-              <a:t>Self-injection</a:t>
-            </a:r>
-          </a:p>
-        </p:txBody>
-      </p:sp>
-      <p:sp>
-        <p:nvSpPr>
-          <p:cNvPr id="5" name="TextBox 4"/>
-          <p:cNvSpPr txBox="1"/>
+              <a:t>Constructors and Instances</a:t>
+            </a:r>
+          </a:p>
+          <a:p>
+            <a:endParaRPr lang="en-GB" dirty="0"/>
+          </a:p>
+        </p:txBody>
+      </p:sp>
+      <p:pic>
+        <p:nvPicPr>
+          <p:cNvPr id="3" name="Picture 2"/>
+          <p:cNvPicPr>
+            <a:picLocks noChangeAspect="1"/>
+          </p:cNvPicPr>
           <p:nvPr/>
-        </p:nvSpPr>
-        <p:spPr>
-          <a:xfrm>
-            <a:off x="6627355" y="1073766"/>
-            <a:ext cx="3673698" cy="369332"/>
+        </p:nvPicPr>
+        <p:blipFill>
+          <a:blip r:embed="rId2"/>
+          <a:stretch>
+            <a:fillRect/>
+          </a:stretch>
+        </p:blipFill>
+        <p:spPr>
+          <a:xfrm>
+            <a:off x="1000128" y="1904319"/>
+            <a:ext cx="3333750" cy="819150"/>
           </a:xfrm>
           <a:prstGeom prst="rect">
             <a:avLst/>
           </a:prstGeom>
-          <a:noFill/>
-          <a:ln>
-            <a:solidFill>
-              <a:schemeClr val="accent1"/>
-            </a:solidFill>
-          </a:ln>
           <a:effectLst>
             <a:outerShdw blurRad="63500" sx="102000" sy="102000" algn="ctr" rotWithShape="0">
               <a:prstClr val="black">
@@ -19155,93 +19422,50 @@
             </a:outerShdw>
           </a:effectLst>
         </p:spPr>
-        <p:txBody>
-          <a:bodyPr wrap="none" rtlCol="0">
-            <a:spAutoFit/>
-          </a:bodyPr>
-          <a:lstStyle/>
-          <a:p>
-            <a:r>
-              <a:rPr lang="en-GB" dirty="0"/>
-              <a:t>Registry ‘Alex’ as ‘</a:t>
-            </a:r>
-            <a:r>
-              <a:rPr lang="en-GB" dirty="0" err="1"/>
-              <a:t>FirstNameProperty</a:t>
-            </a:r>
-            <a:r>
-              <a:rPr lang="en-GB" dirty="0"/>
-              <a:t>’</a:t>
-            </a:r>
-          </a:p>
-        </p:txBody>
-      </p:sp>
-      <p:sp>
-        <p:nvSpPr>
-          <p:cNvPr id="8" name="TextBox 7"/>
-          <p:cNvSpPr txBox="1"/>
+      </p:pic>
+      <p:sp>
+        <p:nvSpPr>
+          <p:cNvPr id="4" name="Arrow: Down 3"/>
+          <p:cNvSpPr/>
           <p:nvPr/>
         </p:nvSpPr>
         <p:spPr>
-          <a:xfrm>
-            <a:off x="7003387" y="5243004"/>
-            <a:ext cx="2921634" cy="646331"/>
-          </a:xfrm>
-          <a:prstGeom prst="rect">
+          <a:xfrm rot="16200000">
+            <a:off x="5135792" y="2151515"/>
+            <a:ext cx="344940" cy="324758"/>
+          </a:xfrm>
+          <a:prstGeom prst="downArrow">
             <a:avLst/>
           </a:prstGeom>
-          <a:noFill/>
-          <a:ln>
-            <a:solidFill>
-              <a:schemeClr val="accent1"/>
-            </a:solidFill>
-          </a:ln>
-          <a:effectLst>
-            <a:outerShdw blurRad="63500" sx="102000" sy="102000" algn="ctr" rotWithShape="0">
-              <a:prstClr val="black">
-                <a:alpha val="40000"/>
-              </a:prstClr>
-            </a:outerShdw>
-          </a:effectLst>
-        </p:spPr>
-        <p:txBody>
-          <a:bodyPr wrap="none" rtlCol="0">
-            <a:spAutoFit/>
-          </a:bodyPr>
+        </p:spPr>
+        <p:style>
+          <a:lnRef idx="2">
+            <a:schemeClr val="accent1">
+              <a:shade val="50000"/>
+            </a:schemeClr>
+          </a:lnRef>
+          <a:fillRef idx="1">
+            <a:schemeClr val="accent1"/>
+          </a:fillRef>
+          <a:effectRef idx="0">
+            <a:schemeClr val="accent1"/>
+          </a:effectRef>
+          <a:fontRef idx="minor">
+            <a:schemeClr val="lt1"/>
+          </a:fontRef>
+        </p:style>
+        <p:txBody>
+          <a:bodyPr rtlCol="0" anchor="ctr"/>
           <a:lstStyle/>
           <a:p>
-            <a:r>
-              <a:rPr lang="en-GB" dirty="0"/>
-              <a:t>Registry request for ‘</a:t>
-            </a:r>
-            <a:r>
-              <a:rPr lang="en-GB" dirty="0" err="1"/>
-              <a:t>IService</a:t>
-            </a:r>
-            <a:r>
-              <a:rPr lang="en-GB" dirty="0"/>
-              <a:t>’</a:t>
-            </a:r>
-          </a:p>
-          <a:p>
-            <a:r>
-              <a:rPr lang="en-GB" dirty="0"/>
-              <a:t>Execute ‘</a:t>
-            </a:r>
-            <a:r>
-              <a:rPr lang="en-GB" dirty="0" err="1"/>
-              <a:t>sayHello</a:t>
-            </a:r>
-            <a:r>
-              <a:rPr lang="en-GB" dirty="0"/>
-              <a:t>’</a:t>
-            </a:r>
+            <a:pPr algn="ctr"/>
+            <a:endParaRPr lang="en-GB"/>
           </a:p>
         </p:txBody>
       </p:sp>
       <p:pic>
         <p:nvPicPr>
-          <p:cNvPr id="11" name="Picture 10"/>
+          <p:cNvPr id="6" name="Picture 5"/>
           <p:cNvPicPr>
             <a:picLocks noChangeAspect="1"/>
           </p:cNvPicPr>
@@ -19255,8 +19479,8 @@
         </p:blipFill>
         <p:spPr>
           <a:xfrm>
-            <a:off x="738191" y="2433414"/>
-            <a:ext cx="4019550" cy="1819275"/>
+            <a:off x="6544582" y="1200830"/>
+            <a:ext cx="4391025" cy="1685925"/>
           </a:xfrm>
           <a:prstGeom prst="rect">
             <a:avLst/>
@@ -19265,7 +19489,7 @@
       </p:pic>
       <p:pic>
         <p:nvPicPr>
-          <p:cNvPr id="12" name="Picture 11"/>
+          <p:cNvPr id="7" name="Picture 6"/>
           <p:cNvPicPr>
             <a:picLocks noChangeAspect="1"/>
           </p:cNvPicPr>
@@ -19279,8 +19503,103 @@
         </p:blipFill>
         <p:spPr>
           <a:xfrm>
-            <a:off x="5587654" y="1742851"/>
-            <a:ext cx="5753100" cy="3200400"/>
+            <a:off x="5844495" y="3035525"/>
+            <a:ext cx="5791200" cy="285750"/>
+          </a:xfrm>
+          <a:prstGeom prst="rect">
+            <a:avLst/>
+          </a:prstGeom>
+        </p:spPr>
+      </p:pic>
+      <p:sp>
+        <p:nvSpPr>
+          <p:cNvPr id="8" name="Arrow: Down 7"/>
+          <p:cNvSpPr/>
+          <p:nvPr/>
+        </p:nvSpPr>
+        <p:spPr>
+          <a:xfrm rot="16200000">
+            <a:off x="5135792" y="4535486"/>
+            <a:ext cx="344940" cy="324758"/>
+          </a:xfrm>
+          <a:prstGeom prst="downArrow">
+            <a:avLst/>
+          </a:prstGeom>
+        </p:spPr>
+        <p:style>
+          <a:lnRef idx="2">
+            <a:schemeClr val="accent1">
+              <a:shade val="50000"/>
+            </a:schemeClr>
+          </a:lnRef>
+          <a:fillRef idx="1">
+            <a:schemeClr val="accent1"/>
+          </a:fillRef>
+          <a:effectRef idx="0">
+            <a:schemeClr val="accent1"/>
+          </a:effectRef>
+          <a:fontRef idx="minor">
+            <a:schemeClr val="lt1"/>
+          </a:fontRef>
+        </p:style>
+        <p:txBody>
+          <a:bodyPr rtlCol="0" anchor="ctr"/>
+          <a:lstStyle/>
+          <a:p>
+            <a:pPr algn="ctr"/>
+            <a:endParaRPr lang="en-GB"/>
+          </a:p>
+        </p:txBody>
+      </p:sp>
+      <p:pic>
+        <p:nvPicPr>
+          <p:cNvPr id="11" name="Picture 10"/>
+          <p:cNvPicPr>
+            <a:picLocks noChangeAspect="1"/>
+          </p:cNvPicPr>
+          <p:nvPr/>
+        </p:nvPicPr>
+        <p:blipFill>
+          <a:blip r:embed="rId5"/>
+          <a:stretch>
+            <a:fillRect/>
+          </a:stretch>
+        </p:blipFill>
+        <p:spPr>
+          <a:xfrm>
+            <a:off x="738191" y="4269238"/>
+            <a:ext cx="3857625" cy="857250"/>
+          </a:xfrm>
+          <a:prstGeom prst="rect">
+            <a:avLst/>
+          </a:prstGeom>
+          <a:effectLst>
+            <a:outerShdw blurRad="63500" sx="102000" sy="102000" algn="ctr" rotWithShape="0">
+              <a:prstClr val="black">
+                <a:alpha val="40000"/>
+              </a:prstClr>
+            </a:outerShdw>
+          </a:effectLst>
+        </p:spPr>
+      </p:pic>
+      <p:pic>
+        <p:nvPicPr>
+          <p:cNvPr id="12" name="Picture 11"/>
+          <p:cNvPicPr>
+            <a:picLocks noChangeAspect="1"/>
+          </p:cNvPicPr>
+          <p:nvPr/>
+        </p:nvPicPr>
+        <p:blipFill>
+          <a:blip r:embed="rId6"/>
+          <a:stretch>
+            <a:fillRect/>
+          </a:stretch>
+        </p:blipFill>
+        <p:spPr>
+          <a:xfrm>
+            <a:off x="6968444" y="4235900"/>
+            <a:ext cx="3543300" cy="923925"/>
           </a:xfrm>
           <a:prstGeom prst="rect">
             <a:avLst/>
@@ -19290,7 +19609,7 @@
     </p:spTree>
     <p:extLst>
       <p:ext uri="{BB962C8B-B14F-4D97-AF65-F5344CB8AC3E}">
-        <p14:creationId xmlns:p14="http://schemas.microsoft.com/office/powerpoint/2010/main" val="2823291117"/>
+        <p14:creationId xmlns:p14="http://schemas.microsoft.com/office/powerpoint/2010/main" val="3331047043"/>
       </p:ext>
     </p:extLst>
   </p:cSld>
@@ -19317,6 +19636,47 @@
           <a:chExt cx="0" cy="0"/>
         </a:xfrm>
       </p:grpSpPr>
+      <p:pic>
+        <p:nvPicPr>
+          <p:cNvPr id="2052" name="Picture 4" descr="ÐÐ°ÑÑÐ¸Ð½ÐºÐ¸ Ð¿Ð¾ Ð·Ð°Ð¿ÑÐ¾ÑÑ github"/>
+          <p:cNvPicPr>
+            <a:picLocks noChangeAspect="1" noChangeArrowheads="1"/>
+          </p:cNvPicPr>
+          <p:nvPr/>
+        </p:nvPicPr>
+        <p:blipFill>
+          <a:blip r:embed="rId3" cstate="print">
+            <a:extLst>
+              <a:ext uri="{28A0092B-C50C-407E-A947-70E740481C1C}">
+                <a14:useLocalDpi xmlns:a14="http://schemas.microsoft.com/office/drawing/2010/main" val="0"/>
+              </a:ext>
+            </a:extLst>
+          </a:blip>
+          <a:srcRect/>
+          <a:stretch>
+            <a:fillRect/>
+          </a:stretch>
+        </p:blipFill>
+        <p:spPr bwMode="auto">
+          <a:xfrm>
+            <a:off x="5060738" y="3425887"/>
+            <a:ext cx="1857338" cy="1857338"/>
+          </a:xfrm>
+          <a:prstGeom prst="rect">
+            <a:avLst/>
+          </a:prstGeom>
+          <a:noFill/>
+          <a:extLst>
+            <a:ext uri="{909E8E84-426E-40DD-AFC4-6F175D3DCCD1}">
+              <a14:hiddenFill xmlns:a14="http://schemas.microsoft.com/office/drawing/2010/main">
+                <a:solidFill>
+                  <a:srgbClr val="FFFFFF"/>
+                </a:solidFill>
+              </a14:hiddenFill>
+            </a:ext>
+          </a:extLst>
+        </p:spPr>
+      </p:pic>
       <p:sp>
         <p:nvSpPr>
           <p:cNvPr id="2" name="Text Placeholder 1"/>
@@ -19334,155 +19694,118 @@
           <a:p>
             <a:r>
               <a:rPr lang="en-GB" dirty="0"/>
-              <a:t>Self-injection</a:t>
-            </a:r>
-          </a:p>
-        </p:txBody>
-      </p:sp>
-      <p:sp>
-        <p:nvSpPr>
-          <p:cNvPr id="3" name="Text Placeholder 2"/>
-          <p:cNvSpPr>
-            <a:spLocks noGrp="1"/>
-          </p:cNvSpPr>
-          <p:nvPr>
-            <p:ph type="body" sz="quarter" idx="34"/>
-          </p:nvPr>
-        </p:nvSpPr>
-        <p:spPr>
-          <a:xfrm>
-            <a:off x="738190" y="1339548"/>
-            <a:ext cx="5048247" cy="413051"/>
-          </a:xfrm>
-        </p:spPr>
-        <p:txBody>
-          <a:bodyPr/>
-          <a:lstStyle/>
-          <a:p>
-            <a:r>
-              <a:rPr lang="en-GB" dirty="0"/>
-              <a:t>Advantage</a:t>
-            </a:r>
-          </a:p>
-        </p:txBody>
-      </p:sp>
-      <p:sp>
-        <p:nvSpPr>
-          <p:cNvPr id="4" name="Text Placeholder 3"/>
-          <p:cNvSpPr>
-            <a:spLocks noGrp="1"/>
-          </p:cNvSpPr>
-          <p:nvPr>
-            <p:ph type="body" sz="quarter" idx="35"/>
-          </p:nvPr>
-        </p:nvSpPr>
-        <p:spPr>
-          <a:xfrm>
-            <a:off x="738190" y="2612571"/>
-            <a:ext cx="5048247" cy="3362779"/>
-          </a:xfrm>
-        </p:spPr>
-        <p:txBody>
-          <a:bodyPr>
-            <a:normAutofit/>
+              <a:t>DOM-DI</a:t>
+            </a:r>
+          </a:p>
+        </p:txBody>
+      </p:sp>
+      <p:sp>
+        <p:nvSpPr>
+          <p:cNvPr id="3" name="Rectangle 2"/>
+          <p:cNvSpPr/>
+          <p:nvPr/>
+        </p:nvSpPr>
+        <p:spPr>
+          <a:xfrm>
+            <a:off x="4039533" y="2725085"/>
+            <a:ext cx="4095929" cy="369332"/>
+          </a:xfrm>
+          <a:prstGeom prst="rect">
+            <a:avLst/>
+          </a:prstGeom>
+        </p:spPr>
+        <p:txBody>
+          <a:bodyPr wrap="none">
+            <a:spAutoFit/>
           </a:bodyPr>
           <a:lstStyle/>
           <a:p>
-            <a:pPr marL="285750" indent="-285750">
-              <a:buFont typeface="Arial" panose="020B0604020202020204" pitchFamily="34" charset="0"/>
-              <a:buChar char="•"/>
-            </a:pPr>
-            <a:r>
-              <a:rPr lang="en-GB" sz="2400" dirty="0"/>
-              <a:t>Common behaviour</a:t>
-            </a:r>
-          </a:p>
-          <a:p>
-            <a:pPr marL="285750" indent="-285750">
-              <a:buFont typeface="Arial" panose="020B0604020202020204" pitchFamily="34" charset="0"/>
-              <a:buChar char="•"/>
-            </a:pPr>
-            <a:r>
-              <a:rPr lang="en-GB" sz="2400" dirty="0"/>
-              <a:t>Predicted life-time of objects</a:t>
-            </a:r>
-          </a:p>
-          <a:p>
-            <a:pPr marL="285750" indent="-285750">
-              <a:buFont typeface="Arial" panose="020B0604020202020204" pitchFamily="34" charset="0"/>
-              <a:buChar char="•"/>
-            </a:pPr>
-            <a:r>
-              <a:rPr lang="en-GB" sz="2400" dirty="0"/>
-              <a:t>Can use common object throw wrapper</a:t>
-            </a:r>
-          </a:p>
-        </p:txBody>
-      </p:sp>
-      <p:sp>
-        <p:nvSpPr>
-          <p:cNvPr id="5" name="Text Placeholder 4"/>
-          <p:cNvSpPr>
-            <a:spLocks noGrp="1"/>
-          </p:cNvSpPr>
-          <p:nvPr>
-            <p:ph type="body" sz="quarter" idx="36"/>
-          </p:nvPr>
-        </p:nvSpPr>
-        <p:spPr>
-          <a:xfrm>
-            <a:off x="6396039" y="2612571"/>
-            <a:ext cx="5048247" cy="3362779"/>
-          </a:xfrm>
-        </p:spPr>
-        <p:txBody>
-          <a:bodyPr>
-            <a:normAutofit/>
+            <a:r>
+              <a:rPr lang="en-GB" dirty="0">
+                <a:hlinkClick r:id="rId4"/>
+              </a:rPr>
+              <a:t>https://www.npmjs.com/package/dom-di</a:t>
+            </a:r>
+            <a:endParaRPr lang="en-GB" dirty="0"/>
+          </a:p>
+        </p:txBody>
+      </p:sp>
+      <p:pic>
+        <p:nvPicPr>
+          <p:cNvPr id="2050" name="Picture 2" descr="ÐÐ°ÑÑÐ¸Ð½ÐºÐ¸ Ð¿Ð¾ Ð·Ð°Ð¿ÑÐ¾ÑÑ npm image"/>
+          <p:cNvPicPr>
+            <a:picLocks noChangeAspect="1" noChangeArrowheads="1"/>
+          </p:cNvPicPr>
+          <p:nvPr/>
+        </p:nvPicPr>
+        <p:blipFill>
+          <a:blip r:embed="rId5" cstate="print">
+            <a:extLst>
+              <a:ext uri="{28A0092B-C50C-407E-A947-70E740481C1C}">
+                <a14:useLocalDpi xmlns:a14="http://schemas.microsoft.com/office/drawing/2010/main" val="0"/>
+              </a:ext>
+            </a:extLst>
+          </a:blip>
+          <a:srcRect/>
+          <a:stretch>
+            <a:fillRect/>
+          </a:stretch>
+        </p:blipFill>
+        <p:spPr bwMode="auto">
+          <a:xfrm>
+            <a:off x="5145883" y="1849180"/>
+            <a:ext cx="1687051" cy="656544"/>
+          </a:xfrm>
+          <a:prstGeom prst="rect">
+            <a:avLst/>
+          </a:prstGeom>
+          <a:noFill/>
+          <a:extLst>
+            <a:ext uri="{909E8E84-426E-40DD-AFC4-6F175D3DCCD1}">
+              <a14:hiddenFill xmlns:a14="http://schemas.microsoft.com/office/drawing/2010/main">
+                <a:solidFill>
+                  <a:srgbClr val="FFFFFF"/>
+                </a:solidFill>
+              </a14:hiddenFill>
+            </a:ext>
+          </a:extLst>
+        </p:spPr>
+      </p:pic>
+      <p:sp>
+        <p:nvSpPr>
+          <p:cNvPr id="5" name="Rectangle 4"/>
+          <p:cNvSpPr/>
+          <p:nvPr/>
+        </p:nvSpPr>
+        <p:spPr>
+          <a:xfrm>
+            <a:off x="4209497" y="4724682"/>
+            <a:ext cx="3559821" cy="369332"/>
+          </a:xfrm>
+          <a:prstGeom prst="rect">
+            <a:avLst/>
+          </a:prstGeom>
+        </p:spPr>
+        <p:txBody>
+          <a:bodyPr wrap="none">
+            <a:spAutoFit/>
           </a:bodyPr>
           <a:lstStyle/>
           <a:p>
-            <a:pPr marL="285750" indent="-285750">
-              <a:buFont typeface="Arial" panose="020B0604020202020204" pitchFamily="34" charset="0"/>
-              <a:buChar char="•"/>
-            </a:pPr>
-            <a:r>
-              <a:rPr lang="en-GB" sz="2400" dirty="0"/>
-              <a:t>DI is part of objects</a:t>
-            </a:r>
-          </a:p>
-        </p:txBody>
-      </p:sp>
-      <p:sp>
-        <p:nvSpPr>
-          <p:cNvPr id="6" name="Text Placeholder 5"/>
-          <p:cNvSpPr>
-            <a:spLocks noGrp="1"/>
-          </p:cNvSpPr>
-          <p:nvPr>
-            <p:ph type="body" sz="quarter" idx="37"/>
-          </p:nvPr>
-        </p:nvSpPr>
-        <p:spPr>
-          <a:xfrm>
-            <a:off x="6396038" y="1339549"/>
-            <a:ext cx="5048247" cy="413051"/>
-          </a:xfrm>
-        </p:spPr>
-        <p:txBody>
-          <a:bodyPr/>
-          <a:lstStyle/>
-          <a:p>
-            <a:r>
-              <a:rPr lang="en-GB" dirty="0"/>
-              <a:t>Disadvantage</a:t>
-            </a:r>
+            <a:r>
+              <a:rPr lang="en-GB" dirty="0">
+                <a:hlinkClick r:id="rId6"/>
+              </a:rPr>
+              <a:t>https://github.com/wolf-off/dom-di</a:t>
+            </a:r>
+            <a:endParaRPr lang="en-GB" dirty="0"/>
           </a:p>
         </p:txBody>
       </p:sp>
     </p:spTree>
     <p:extLst>
       <p:ext uri="{BB962C8B-B14F-4D97-AF65-F5344CB8AC3E}">
-        <p14:creationId xmlns:p14="http://schemas.microsoft.com/office/powerpoint/2010/main" val="3504521391"/>
+        <p14:creationId xmlns:p14="http://schemas.microsoft.com/office/powerpoint/2010/main" val="189376306"/>
       </p:ext>
     </p:extLst>
   </p:cSld>
@@ -19509,176 +19832,192 @@
           <a:chExt cx="0" cy="0"/>
         </a:xfrm>
       </p:grpSpPr>
+      <p:sp>
+        <p:nvSpPr>
+          <p:cNvPr id="2" name="Text Placeholder 1"/>
+          <p:cNvSpPr>
+            <a:spLocks noGrp="1"/>
+          </p:cNvSpPr>
+          <p:nvPr>
+            <p:ph type="body" sz="quarter" idx="33"/>
+          </p:nvPr>
+        </p:nvSpPr>
+        <p:spPr/>
+        <p:txBody>
+          <a:bodyPr/>
+          <a:lstStyle/>
+          <a:p>
+            <a:r>
+              <a:rPr lang="en-GB" dirty="0"/>
+              <a:t>Self-injection</a:t>
+            </a:r>
+          </a:p>
+        </p:txBody>
+      </p:sp>
+      <p:sp>
+        <p:nvSpPr>
+          <p:cNvPr id="5" name="TextBox 4"/>
+          <p:cNvSpPr txBox="1"/>
+          <p:nvPr/>
+        </p:nvSpPr>
+        <p:spPr>
+          <a:xfrm>
+            <a:off x="6627355" y="1073766"/>
+            <a:ext cx="3673698" cy="369332"/>
+          </a:xfrm>
+          <a:prstGeom prst="rect">
+            <a:avLst/>
+          </a:prstGeom>
+          <a:noFill/>
+          <a:ln>
+            <a:solidFill>
+              <a:schemeClr val="accent1"/>
+            </a:solidFill>
+          </a:ln>
+          <a:effectLst>
+            <a:outerShdw blurRad="63500" sx="102000" sy="102000" algn="ctr" rotWithShape="0">
+              <a:prstClr val="black">
+                <a:alpha val="40000"/>
+              </a:prstClr>
+            </a:outerShdw>
+          </a:effectLst>
+        </p:spPr>
+        <p:txBody>
+          <a:bodyPr wrap="none" rtlCol="0">
+            <a:spAutoFit/>
+          </a:bodyPr>
+          <a:lstStyle/>
+          <a:p>
+            <a:r>
+              <a:rPr lang="en-GB" dirty="0"/>
+              <a:t>Registry ‘Alex’ as ‘</a:t>
+            </a:r>
+            <a:r>
+              <a:rPr lang="en-GB" dirty="0" err="1"/>
+              <a:t>FirstNameProperty</a:t>
+            </a:r>
+            <a:r>
+              <a:rPr lang="en-GB" dirty="0"/>
+              <a:t>’</a:t>
+            </a:r>
+          </a:p>
+        </p:txBody>
+      </p:sp>
+      <p:sp>
+        <p:nvSpPr>
+          <p:cNvPr id="8" name="TextBox 7"/>
+          <p:cNvSpPr txBox="1"/>
+          <p:nvPr/>
+        </p:nvSpPr>
+        <p:spPr>
+          <a:xfrm>
+            <a:off x="7003387" y="5243004"/>
+            <a:ext cx="2921634" cy="646331"/>
+          </a:xfrm>
+          <a:prstGeom prst="rect">
+            <a:avLst/>
+          </a:prstGeom>
+          <a:noFill/>
+          <a:ln>
+            <a:solidFill>
+              <a:schemeClr val="accent1"/>
+            </a:solidFill>
+          </a:ln>
+          <a:effectLst>
+            <a:outerShdw blurRad="63500" sx="102000" sy="102000" algn="ctr" rotWithShape="0">
+              <a:prstClr val="black">
+                <a:alpha val="40000"/>
+              </a:prstClr>
+            </a:outerShdw>
+          </a:effectLst>
+        </p:spPr>
+        <p:txBody>
+          <a:bodyPr wrap="none" rtlCol="0">
+            <a:spAutoFit/>
+          </a:bodyPr>
+          <a:lstStyle/>
+          <a:p>
+            <a:r>
+              <a:rPr lang="en-GB" dirty="0"/>
+              <a:t>Registry request for ‘</a:t>
+            </a:r>
+            <a:r>
+              <a:rPr lang="en-GB" dirty="0" err="1"/>
+              <a:t>IService</a:t>
+            </a:r>
+            <a:r>
+              <a:rPr lang="en-GB" dirty="0"/>
+              <a:t>’</a:t>
+            </a:r>
+          </a:p>
+          <a:p>
+            <a:r>
+              <a:rPr lang="en-GB" dirty="0"/>
+              <a:t>Execute ‘</a:t>
+            </a:r>
+            <a:r>
+              <a:rPr lang="en-GB" dirty="0" err="1"/>
+              <a:t>sayHello</a:t>
+            </a:r>
+            <a:r>
+              <a:rPr lang="en-GB" dirty="0"/>
+              <a:t>’</a:t>
+            </a:r>
+          </a:p>
+        </p:txBody>
+      </p:sp>
       <p:pic>
         <p:nvPicPr>
-          <p:cNvPr id="2052" name="Picture 4" descr="ÐÐ°ÑÑÐ¸Ð½ÐºÐ¸ Ð¿Ð¾ Ð·Ð°Ð¿ÑÐ¾ÑÑ github"/>
+          <p:cNvPr id="11" name="Picture 10"/>
           <p:cNvPicPr>
-            <a:picLocks noChangeAspect="1" noChangeArrowheads="1"/>
+            <a:picLocks noChangeAspect="1"/>
           </p:cNvPicPr>
           <p:nvPr/>
         </p:nvPicPr>
         <p:blipFill>
-          <a:blip r:embed="rId2" cstate="print">
-            <a:extLst>
-              <a:ext uri="{28A0092B-C50C-407E-A947-70E740481C1C}">
-                <a14:useLocalDpi xmlns:a14="http://schemas.microsoft.com/office/drawing/2010/main" val="0"/>
-              </a:ext>
-            </a:extLst>
-          </a:blip>
-          <a:srcRect/>
+          <a:blip r:embed="rId3"/>
           <a:stretch>
             <a:fillRect/>
           </a:stretch>
         </p:blipFill>
-        <p:spPr bwMode="auto">
-          <a:xfrm>
-            <a:off x="5060738" y="3425887"/>
-            <a:ext cx="1857338" cy="1857338"/>
+        <p:spPr>
+          <a:xfrm>
+            <a:off x="738191" y="2433414"/>
+            <a:ext cx="4019550" cy="1819275"/>
           </a:xfrm>
           <a:prstGeom prst="rect">
             <a:avLst/>
           </a:prstGeom>
-          <a:noFill/>
-          <a:extLst>
-            <a:ext uri="{909E8E84-426E-40DD-AFC4-6F175D3DCCD1}">
-              <a14:hiddenFill xmlns:a14="http://schemas.microsoft.com/office/drawing/2010/main">
-                <a:solidFill>
-                  <a:srgbClr val="FFFFFF"/>
-                </a:solidFill>
-              </a14:hiddenFill>
-            </a:ext>
-          </a:extLst>
         </p:spPr>
       </p:pic>
-      <p:sp>
-        <p:nvSpPr>
-          <p:cNvPr id="2" name="Text Placeholder 1"/>
-          <p:cNvSpPr>
-            <a:spLocks noGrp="1"/>
-          </p:cNvSpPr>
-          <p:nvPr>
-            <p:ph type="body" sz="quarter" idx="33"/>
-          </p:nvPr>
-        </p:nvSpPr>
-        <p:spPr/>
-        <p:txBody>
-          <a:bodyPr/>
-          <a:lstStyle/>
-          <a:p>
-            <a:r>
-              <a:rPr lang="en-GB" dirty="0"/>
-              <a:t>DOM-DI</a:t>
-            </a:r>
-          </a:p>
-        </p:txBody>
-      </p:sp>
-      <p:sp>
-        <p:nvSpPr>
-          <p:cNvPr id="3" name="Rectangle 2"/>
-          <p:cNvSpPr/>
-          <p:nvPr/>
-        </p:nvSpPr>
-        <p:spPr>
-          <a:xfrm>
-            <a:off x="4039533" y="2725085"/>
-            <a:ext cx="4095929" cy="369332"/>
-          </a:xfrm>
-          <a:prstGeom prst="rect">
-            <a:avLst/>
-          </a:prstGeom>
-        </p:spPr>
-        <p:txBody>
-          <a:bodyPr wrap="none">
-            <a:spAutoFit/>
-          </a:bodyPr>
-          <a:lstStyle/>
-          <a:p>
-            <a:r>
-              <a:rPr lang="en-GB" dirty="0">
-                <a:hlinkClick r:id="rId3"/>
-              </a:rPr>
-              <a:t>https://www.npmjs.com/package/dom-di</a:t>
-            </a:r>
-            <a:endParaRPr lang="en-GB" dirty="0"/>
-          </a:p>
-        </p:txBody>
-      </p:sp>
       <p:pic>
         <p:nvPicPr>
-          <p:cNvPr id="2050" name="Picture 2" descr="ÐÐ°ÑÑÐ¸Ð½ÐºÐ¸ Ð¿Ð¾ Ð·Ð°Ð¿ÑÐ¾ÑÑ npm image"/>
+          <p:cNvPr id="12" name="Picture 11"/>
           <p:cNvPicPr>
-            <a:picLocks noChangeAspect="1" noChangeArrowheads="1"/>
+            <a:picLocks noChangeAspect="1"/>
           </p:cNvPicPr>
           <p:nvPr/>
         </p:nvPicPr>
         <p:blipFill>
-          <a:blip r:embed="rId4" cstate="print">
-            <a:extLst>
-              <a:ext uri="{28A0092B-C50C-407E-A947-70E740481C1C}">
-                <a14:useLocalDpi xmlns:a14="http://schemas.microsoft.com/office/drawing/2010/main" val="0"/>
-              </a:ext>
-            </a:extLst>
-          </a:blip>
-          <a:srcRect/>
+          <a:blip r:embed="rId4"/>
           <a:stretch>
             <a:fillRect/>
           </a:stretch>
         </p:blipFill>
-        <p:spPr bwMode="auto">
-          <a:xfrm>
-            <a:off x="5145883" y="1849180"/>
-            <a:ext cx="1687051" cy="656544"/>
+        <p:spPr>
+          <a:xfrm>
+            <a:off x="5587654" y="1742851"/>
+            <a:ext cx="5753100" cy="3200400"/>
           </a:xfrm>
           <a:prstGeom prst="rect">
             <a:avLst/>
           </a:prstGeom>
-          <a:noFill/>
-          <a:extLst>
-            <a:ext uri="{909E8E84-426E-40DD-AFC4-6F175D3DCCD1}">
-              <a14:hiddenFill xmlns:a14="http://schemas.microsoft.com/office/drawing/2010/main">
-                <a:solidFill>
-                  <a:srgbClr val="FFFFFF"/>
-                </a:solidFill>
-              </a14:hiddenFill>
-            </a:ext>
-          </a:extLst>
         </p:spPr>
       </p:pic>
-      <p:sp>
-        <p:nvSpPr>
-          <p:cNvPr id="5" name="Rectangle 4"/>
-          <p:cNvSpPr/>
-          <p:nvPr/>
-        </p:nvSpPr>
-        <p:spPr>
-          <a:xfrm>
-            <a:off x="4209497" y="4724682"/>
-            <a:ext cx="3559821" cy="369332"/>
-          </a:xfrm>
-          <a:prstGeom prst="rect">
-            <a:avLst/>
-          </a:prstGeom>
-        </p:spPr>
-        <p:txBody>
-          <a:bodyPr wrap="none">
-            <a:spAutoFit/>
-          </a:bodyPr>
-          <a:lstStyle/>
-          <a:p>
-            <a:r>
-              <a:rPr lang="en-GB" dirty="0">
-                <a:hlinkClick r:id="rId5"/>
-              </a:rPr>
-              <a:t>https://github.com/wolf-off/dom-di</a:t>
-            </a:r>
-            <a:endParaRPr lang="en-GB" dirty="0"/>
-          </a:p>
-        </p:txBody>
-      </p:sp>
     </p:spTree>
     <p:extLst>
       <p:ext uri="{BB962C8B-B14F-4D97-AF65-F5344CB8AC3E}">
-        <p14:creationId xmlns:p14="http://schemas.microsoft.com/office/powerpoint/2010/main" val="189376306"/>
+        <p14:creationId xmlns:p14="http://schemas.microsoft.com/office/powerpoint/2010/main" val="2823291117"/>
       </p:ext>
     </p:extLst>
   </p:cSld>
@@ -19722,30 +20061,57 @@
           <a:p>
             <a:r>
               <a:rPr lang="en-GB" dirty="0"/>
-              <a:t>Type of DOM dependency injection</a:t>
-            </a:r>
-          </a:p>
-        </p:txBody>
-      </p:sp>
-      <p:sp>
-        <p:nvSpPr>
-          <p:cNvPr id="3" name="TextBox 2"/>
-          <p:cNvSpPr txBox="1"/>
-          <p:nvPr/>
-        </p:nvSpPr>
-        <p:spPr>
-          <a:xfrm>
-            <a:off x="4223657" y="2144486"/>
-            <a:ext cx="2529860" cy="1938992"/>
-          </a:xfrm>
-          <a:prstGeom prst="rect">
-            <a:avLst/>
-          </a:prstGeom>
-          <a:noFill/>
-        </p:spPr>
-        <p:txBody>
-          <a:bodyPr wrap="none" rtlCol="0">
-            <a:spAutoFit/>
+              <a:t>Self-injection</a:t>
+            </a:r>
+          </a:p>
+        </p:txBody>
+      </p:sp>
+      <p:sp>
+        <p:nvSpPr>
+          <p:cNvPr id="3" name="Text Placeholder 2"/>
+          <p:cNvSpPr>
+            <a:spLocks noGrp="1"/>
+          </p:cNvSpPr>
+          <p:nvPr>
+            <p:ph type="body" sz="quarter" idx="34"/>
+          </p:nvPr>
+        </p:nvSpPr>
+        <p:spPr>
+          <a:xfrm>
+            <a:off x="738190" y="1339548"/>
+            <a:ext cx="5048247" cy="413051"/>
+          </a:xfrm>
+        </p:spPr>
+        <p:txBody>
+          <a:bodyPr/>
+          <a:lstStyle/>
+          <a:p>
+            <a:r>
+              <a:rPr lang="en-GB" dirty="0"/>
+              <a:t>Advantage</a:t>
+            </a:r>
+          </a:p>
+        </p:txBody>
+      </p:sp>
+      <p:sp>
+        <p:nvSpPr>
+          <p:cNvPr id="4" name="Text Placeholder 3"/>
+          <p:cNvSpPr>
+            <a:spLocks noGrp="1"/>
+          </p:cNvSpPr>
+          <p:nvPr>
+            <p:ph type="body" sz="quarter" idx="35"/>
+          </p:nvPr>
+        </p:nvSpPr>
+        <p:spPr>
+          <a:xfrm>
+            <a:off x="738190" y="2612571"/>
+            <a:ext cx="5048247" cy="3362779"/>
+          </a:xfrm>
+        </p:spPr>
+        <p:txBody>
+          <a:bodyPr>
+            <a:normAutofit/>
           </a:bodyPr>
           <a:lstStyle/>
           <a:p>
@@ -19755,7 +20121,7 @@
             </a:pPr>
             <a:r>
               <a:rPr lang="en-GB" sz="2400" dirty="0"/>
-              <a:t>Self-injection</a:t>
+              <a:t>Common behaviour</a:t>
             </a:r>
           </a:p>
           <a:p>
@@ -19763,7 +20129,10 @@
               <a:buFont typeface="Arial" panose="020B0604020202020204" pitchFamily="34" charset="0"/>
               <a:buChar char="•"/>
             </a:pPr>
-            <a:endParaRPr lang="en-GB" sz="2400" dirty="0"/>
+            <a:r>
+              <a:rPr lang="en-GB" sz="2400" dirty="0"/>
+              <a:t>Predicted life-time of objects</a:t>
+            </a:r>
           </a:p>
           <a:p>
             <a:pPr marL="285750" indent="-285750">
@@ -19772,24 +20141,67 @@
             </a:pPr>
             <a:r>
               <a:rPr lang="en-GB" sz="2400" dirty="0"/>
-              <a:t>Force injection</a:t>
-            </a:r>
-          </a:p>
+              <a:t>Can use common object throw wrapper</a:t>
+            </a:r>
+          </a:p>
+        </p:txBody>
+      </p:sp>
+      <p:sp>
+        <p:nvSpPr>
+          <p:cNvPr id="5" name="Text Placeholder 4"/>
+          <p:cNvSpPr>
+            <a:spLocks noGrp="1"/>
+          </p:cNvSpPr>
+          <p:nvPr>
+            <p:ph type="body" sz="quarter" idx="36"/>
+          </p:nvPr>
+        </p:nvSpPr>
+        <p:spPr>
+          <a:xfrm>
+            <a:off x="6396039" y="2612571"/>
+            <a:ext cx="5048247" cy="3362779"/>
+          </a:xfrm>
+        </p:spPr>
+        <p:txBody>
+          <a:bodyPr>
+            <a:normAutofit/>
+          </a:bodyPr>
+          <a:lstStyle/>
           <a:p>
             <a:pPr marL="285750" indent="-285750">
               <a:buFont typeface="Arial" panose="020B0604020202020204" pitchFamily="34" charset="0"/>
               <a:buChar char="•"/>
             </a:pPr>
-            <a:endParaRPr lang="en-GB" sz="2400" dirty="0"/>
-          </a:p>
-          <a:p>
-            <a:pPr marL="285750" indent="-285750">
-              <a:buFont typeface="Arial" panose="020B0604020202020204" pitchFamily="34" charset="0"/>
-              <a:buChar char="•"/>
-            </a:pPr>
             <a:r>
               <a:rPr lang="en-GB" sz="2400" dirty="0"/>
-              <a:t>Passive injection</a:t>
+              <a:t>DI is part of objects</a:t>
+            </a:r>
+          </a:p>
+        </p:txBody>
+      </p:sp>
+      <p:sp>
+        <p:nvSpPr>
+          <p:cNvPr id="6" name="Text Placeholder 5"/>
+          <p:cNvSpPr>
+            <a:spLocks noGrp="1"/>
+          </p:cNvSpPr>
+          <p:nvPr>
+            <p:ph type="body" sz="quarter" idx="37"/>
+          </p:nvPr>
+        </p:nvSpPr>
+        <p:spPr>
+          <a:xfrm>
+            <a:off x="6396038" y="1339549"/>
+            <a:ext cx="5048247" cy="413051"/>
+          </a:xfrm>
+        </p:spPr>
+        <p:txBody>
+          <a:bodyPr/>
+          <a:lstStyle/>
+          <a:p>
+            <a:r>
+              <a:rPr lang="en-GB" dirty="0"/>
+              <a:t>Disadvantage</a:t>
             </a:r>
           </a:p>
         </p:txBody>
@@ -19797,7 +20209,7 @@
     </p:spTree>
     <p:extLst>
       <p:ext uri="{BB962C8B-B14F-4D97-AF65-F5344CB8AC3E}">
-        <p14:creationId xmlns:p14="http://schemas.microsoft.com/office/powerpoint/2010/main" val="1299149130"/>
+        <p14:creationId xmlns:p14="http://schemas.microsoft.com/office/powerpoint/2010/main" val="3504521391"/>
       </p:ext>
     </p:extLst>
   </p:cSld>
@@ -19841,87 +20253,82 @@
           <a:p>
             <a:r>
               <a:rPr lang="en-GB" dirty="0"/>
-              <a:t>Force injection</a:t>
-            </a:r>
-          </a:p>
-        </p:txBody>
-      </p:sp>
-      <p:pic>
-        <p:nvPicPr>
-          <p:cNvPr id="4" name="Picture 3"/>
-          <p:cNvPicPr>
-            <a:picLocks noChangeAspect="1"/>
-          </p:cNvPicPr>
+              <a:t>Type of DOM dependency injection</a:t>
+            </a:r>
+          </a:p>
+        </p:txBody>
+      </p:sp>
+      <p:sp>
+        <p:nvSpPr>
+          <p:cNvPr id="3" name="TextBox 2"/>
+          <p:cNvSpPr txBox="1"/>
           <p:nvPr/>
-        </p:nvPicPr>
-        <p:blipFill>
-          <a:blip r:embed="rId3"/>
-          <a:stretch>
-            <a:fillRect/>
-          </a:stretch>
-        </p:blipFill>
-        <p:spPr>
-          <a:xfrm>
-            <a:off x="2933700" y="1149123"/>
-            <a:ext cx="6019800" cy="2295525"/>
+        </p:nvSpPr>
+        <p:spPr>
+          <a:xfrm>
+            <a:off x="4223657" y="2144486"/>
+            <a:ext cx="2529860" cy="1938992"/>
           </a:xfrm>
           <a:prstGeom prst="rect">
             <a:avLst/>
           </a:prstGeom>
-        </p:spPr>
-      </p:pic>
-      <p:pic>
-        <p:nvPicPr>
-          <p:cNvPr id="5" name="Picture 4"/>
-          <p:cNvPicPr>
-            <a:picLocks noChangeAspect="1"/>
-          </p:cNvPicPr>
-          <p:nvPr/>
-        </p:nvPicPr>
-        <p:blipFill>
-          <a:blip r:embed="rId4"/>
-          <a:stretch>
-            <a:fillRect/>
-          </a:stretch>
-        </p:blipFill>
-        <p:spPr>
-          <a:xfrm>
-            <a:off x="6615112" y="3868283"/>
-            <a:ext cx="4676775" cy="1371600"/>
-          </a:xfrm>
-          <a:prstGeom prst="rect">
-            <a:avLst/>
-          </a:prstGeom>
-        </p:spPr>
-      </p:pic>
-      <p:pic>
-        <p:nvPicPr>
-          <p:cNvPr id="8" name="Picture 7"/>
-          <p:cNvPicPr>
-            <a:picLocks noChangeAspect="1"/>
-          </p:cNvPicPr>
-          <p:nvPr/>
-        </p:nvPicPr>
-        <p:blipFill>
-          <a:blip r:embed="rId5"/>
-          <a:stretch>
-            <a:fillRect/>
-          </a:stretch>
-        </p:blipFill>
-        <p:spPr>
-          <a:xfrm>
-            <a:off x="738191" y="3868283"/>
-            <a:ext cx="4857750" cy="1609725"/>
-          </a:xfrm>
-          <a:prstGeom prst="rect">
-            <a:avLst/>
-          </a:prstGeom>
-        </p:spPr>
-      </p:pic>
+          <a:noFill/>
+        </p:spPr>
+        <p:txBody>
+          <a:bodyPr wrap="none" rtlCol="0">
+            <a:spAutoFit/>
+          </a:bodyPr>
+          <a:lstStyle/>
+          <a:p>
+            <a:pPr marL="285750" indent="-285750">
+              <a:buFont typeface="Arial" panose="020B0604020202020204" pitchFamily="34" charset="0"/>
+              <a:buChar char="•"/>
+            </a:pPr>
+            <a:r>
+              <a:rPr lang="en-GB" sz="2400" dirty="0"/>
+              <a:t>Self-injection</a:t>
+            </a:r>
+          </a:p>
+          <a:p>
+            <a:pPr marL="285750" indent="-285750">
+              <a:buFont typeface="Arial" panose="020B0604020202020204" pitchFamily="34" charset="0"/>
+              <a:buChar char="•"/>
+            </a:pPr>
+            <a:endParaRPr lang="en-GB" sz="2400" dirty="0"/>
+          </a:p>
+          <a:p>
+            <a:pPr marL="285750" indent="-285750">
+              <a:buFont typeface="Arial" panose="020B0604020202020204" pitchFamily="34" charset="0"/>
+              <a:buChar char="•"/>
+            </a:pPr>
+            <a:r>
+              <a:rPr lang="en-GB" sz="2400" dirty="0"/>
+              <a:t>Force injection</a:t>
+            </a:r>
+          </a:p>
+          <a:p>
+            <a:pPr marL="285750" indent="-285750">
+              <a:buFont typeface="Arial" panose="020B0604020202020204" pitchFamily="34" charset="0"/>
+              <a:buChar char="•"/>
+            </a:pPr>
+            <a:endParaRPr lang="en-GB" sz="2400" dirty="0"/>
+          </a:p>
+          <a:p>
+            <a:pPr marL="285750" indent="-285750">
+              <a:buFont typeface="Arial" panose="020B0604020202020204" pitchFamily="34" charset="0"/>
+              <a:buChar char="•"/>
+            </a:pPr>
+            <a:r>
+              <a:rPr lang="en-GB" sz="2400" dirty="0"/>
+              <a:t>Passive injection</a:t>
+            </a:r>
+          </a:p>
+        </p:txBody>
+      </p:sp>
     </p:spTree>
     <p:extLst>
       <p:ext uri="{BB962C8B-B14F-4D97-AF65-F5344CB8AC3E}">
-        <p14:creationId xmlns:p14="http://schemas.microsoft.com/office/powerpoint/2010/main" val="666518912"/>
+        <p14:creationId xmlns:p14="http://schemas.microsoft.com/office/powerpoint/2010/main" val="1299149130"/>
       </p:ext>
     </p:extLst>
   </p:cSld>
@@ -19970,146 +20377,82 @@
           </a:p>
         </p:txBody>
       </p:sp>
-      <p:sp>
-        <p:nvSpPr>
-          <p:cNvPr id="3" name="Text Placeholder 2"/>
-          <p:cNvSpPr>
-            <a:spLocks noGrp="1"/>
-          </p:cNvSpPr>
-          <p:nvPr>
-            <p:ph type="body" sz="quarter" idx="34"/>
-          </p:nvPr>
-        </p:nvSpPr>
-        <p:spPr>
-          <a:xfrm>
-            <a:off x="738190" y="1339549"/>
-            <a:ext cx="5048247" cy="434822"/>
-          </a:xfrm>
-        </p:spPr>
-        <p:txBody>
-          <a:bodyPr/>
-          <a:lstStyle/>
-          <a:p>
-            <a:r>
-              <a:rPr lang="en-GB" dirty="0"/>
-              <a:t>Advantage</a:t>
-            </a:r>
-          </a:p>
-        </p:txBody>
-      </p:sp>
-      <p:sp>
-        <p:nvSpPr>
-          <p:cNvPr id="4" name="Text Placeholder 3"/>
-          <p:cNvSpPr>
-            <a:spLocks noGrp="1"/>
-          </p:cNvSpPr>
-          <p:nvPr>
-            <p:ph type="body" sz="quarter" idx="35"/>
-          </p:nvPr>
-        </p:nvSpPr>
-        <p:spPr/>
-        <p:txBody>
-          <a:bodyPr/>
-          <a:lstStyle/>
-          <a:p>
-            <a:pPr marL="285750" indent="-285750">
-              <a:buFont typeface="Arial" panose="020B0604020202020204" pitchFamily="34" charset="0"/>
-              <a:buChar char="•"/>
-            </a:pPr>
-            <a:r>
-              <a:rPr lang="en-GB" dirty="0"/>
-              <a:t>DI is not part of objects</a:t>
-            </a:r>
-          </a:p>
-          <a:p>
-            <a:pPr marL="285750" indent="-285750">
-              <a:buFont typeface="Arial" panose="020B0604020202020204" pitchFamily="34" charset="0"/>
-              <a:buChar char="•"/>
-            </a:pPr>
-            <a:r>
-              <a:rPr lang="en-GB" dirty="0"/>
-              <a:t>Easy to implement for small container</a:t>
-            </a:r>
-          </a:p>
-        </p:txBody>
-      </p:sp>
-      <p:sp>
-        <p:nvSpPr>
-          <p:cNvPr id="5" name="Text Placeholder 4"/>
-          <p:cNvSpPr>
-            <a:spLocks noGrp="1"/>
-          </p:cNvSpPr>
-          <p:nvPr>
-            <p:ph type="body" sz="quarter" idx="36"/>
-          </p:nvPr>
-        </p:nvSpPr>
-        <p:spPr/>
-        <p:txBody>
-          <a:bodyPr/>
-          <a:lstStyle/>
-          <a:p>
-            <a:pPr marL="285750" indent="-285750">
-              <a:buFont typeface="Arial" panose="020B0604020202020204" pitchFamily="34" charset="0"/>
-              <a:buChar char="•"/>
-            </a:pPr>
-            <a:r>
-              <a:rPr lang="en-GB" dirty="0"/>
-              <a:t>Not known life-time</a:t>
-            </a:r>
-          </a:p>
-          <a:p>
-            <a:pPr marL="285750" indent="-285750">
-              <a:buFont typeface="Arial" panose="020B0604020202020204" pitchFamily="34" charset="0"/>
-              <a:buChar char="•"/>
-            </a:pPr>
-            <a:r>
-              <a:rPr lang="en-GB" dirty="0"/>
-              <a:t>Scattered html</a:t>
-            </a:r>
-          </a:p>
-          <a:p>
-            <a:pPr marL="285750" indent="-285750">
-              <a:buFont typeface="Arial" panose="020B0604020202020204" pitchFamily="34" charset="0"/>
-              <a:buChar char="•"/>
-            </a:pPr>
-            <a:r>
-              <a:rPr lang="en-GB" dirty="0"/>
-              <a:t>Too much of html</a:t>
-            </a:r>
-          </a:p>
-        </p:txBody>
-      </p:sp>
-      <p:sp>
-        <p:nvSpPr>
-          <p:cNvPr id="6" name="Text Placeholder 5"/>
-          <p:cNvSpPr>
-            <a:spLocks noGrp="1"/>
-          </p:cNvSpPr>
-          <p:nvPr>
-            <p:ph type="body" sz="quarter" idx="37"/>
-          </p:nvPr>
-        </p:nvSpPr>
-        <p:spPr>
-          <a:xfrm>
-            <a:off x="6396038" y="1339549"/>
-            <a:ext cx="5048247" cy="434822"/>
-          </a:xfrm>
-        </p:spPr>
-        <p:txBody>
-          <a:bodyPr/>
-          <a:lstStyle/>
-          <a:p>
-            <a:r>
-              <a:rPr lang="en-GB" dirty="0"/>
-              <a:t>Disadvantage</a:t>
-            </a:r>
-          </a:p>
-        </p:txBody>
-      </p:sp>
+      <p:pic>
+        <p:nvPicPr>
+          <p:cNvPr id="4" name="Picture 3"/>
+          <p:cNvPicPr>
+            <a:picLocks noChangeAspect="1"/>
+          </p:cNvPicPr>
+          <p:nvPr/>
+        </p:nvPicPr>
+        <p:blipFill>
+          <a:blip r:embed="rId3"/>
+          <a:stretch>
+            <a:fillRect/>
+          </a:stretch>
+        </p:blipFill>
+        <p:spPr>
+          <a:xfrm>
+            <a:off x="2933700" y="1149123"/>
+            <a:ext cx="6019800" cy="2295525"/>
+          </a:xfrm>
+          <a:prstGeom prst="rect">
+            <a:avLst/>
+          </a:prstGeom>
+        </p:spPr>
+      </p:pic>
+      <p:pic>
+        <p:nvPicPr>
+          <p:cNvPr id="5" name="Picture 4"/>
+          <p:cNvPicPr>
+            <a:picLocks noChangeAspect="1"/>
+          </p:cNvPicPr>
+          <p:nvPr/>
+        </p:nvPicPr>
+        <p:blipFill>
+          <a:blip r:embed="rId4"/>
+          <a:stretch>
+            <a:fillRect/>
+          </a:stretch>
+        </p:blipFill>
+        <p:spPr>
+          <a:xfrm>
+            <a:off x="6615112" y="3868283"/>
+            <a:ext cx="4676775" cy="1371600"/>
+          </a:xfrm>
+          <a:prstGeom prst="rect">
+            <a:avLst/>
+          </a:prstGeom>
+        </p:spPr>
+      </p:pic>
+      <p:pic>
+        <p:nvPicPr>
+          <p:cNvPr id="8" name="Picture 7"/>
+          <p:cNvPicPr>
+            <a:picLocks noChangeAspect="1"/>
+          </p:cNvPicPr>
+          <p:nvPr/>
+        </p:nvPicPr>
+        <p:blipFill>
+          <a:blip r:embed="rId5"/>
+          <a:stretch>
+            <a:fillRect/>
+          </a:stretch>
+        </p:blipFill>
+        <p:spPr>
+          <a:xfrm>
+            <a:off x="738191" y="3868283"/>
+            <a:ext cx="4857750" cy="1609725"/>
+          </a:xfrm>
+          <a:prstGeom prst="rect">
+            <a:avLst/>
+          </a:prstGeom>
+        </p:spPr>
+      </p:pic>
     </p:spTree>
     <p:extLst>
       <p:ext uri="{BB962C8B-B14F-4D97-AF65-F5344CB8AC3E}">
-        <p14:creationId xmlns:p14="http://schemas.microsoft.com/office/powerpoint/2010/main" val="3513862358"/>
+        <p14:creationId xmlns:p14="http://schemas.microsoft.com/office/powerpoint/2010/main" val="666518912"/>
       </p:ext>
     </p:extLst>
   </p:cSld>
@@ -20153,6 +20496,359 @@
           <a:p>
             <a:r>
               <a:rPr lang="en-GB" dirty="0"/>
+              <a:t>Force injection</a:t>
+            </a:r>
+          </a:p>
+        </p:txBody>
+      </p:sp>
+      <p:sp>
+        <p:nvSpPr>
+          <p:cNvPr id="3" name="Text Placeholder 2"/>
+          <p:cNvSpPr>
+            <a:spLocks noGrp="1"/>
+          </p:cNvSpPr>
+          <p:nvPr>
+            <p:ph type="body" sz="quarter" idx="34"/>
+          </p:nvPr>
+        </p:nvSpPr>
+        <p:spPr>
+          <a:xfrm>
+            <a:off x="738190" y="1339549"/>
+            <a:ext cx="5048247" cy="434822"/>
+          </a:xfrm>
+        </p:spPr>
+        <p:txBody>
+          <a:bodyPr/>
+          <a:lstStyle/>
+          <a:p>
+            <a:r>
+              <a:rPr lang="en-GB" dirty="0"/>
+              <a:t>Advantage</a:t>
+            </a:r>
+          </a:p>
+        </p:txBody>
+      </p:sp>
+      <p:sp>
+        <p:nvSpPr>
+          <p:cNvPr id="4" name="Text Placeholder 3"/>
+          <p:cNvSpPr>
+            <a:spLocks noGrp="1"/>
+          </p:cNvSpPr>
+          <p:nvPr>
+            <p:ph type="body" sz="quarter" idx="35"/>
+          </p:nvPr>
+        </p:nvSpPr>
+        <p:spPr/>
+        <p:txBody>
+          <a:bodyPr/>
+          <a:lstStyle/>
+          <a:p>
+            <a:pPr marL="285750" indent="-285750">
+              <a:buFont typeface="Arial" panose="020B0604020202020204" pitchFamily="34" charset="0"/>
+              <a:buChar char="•"/>
+            </a:pPr>
+            <a:r>
+              <a:rPr lang="en-GB" dirty="0"/>
+              <a:t>DI is not part of objects</a:t>
+            </a:r>
+          </a:p>
+          <a:p>
+            <a:pPr marL="285750" indent="-285750">
+              <a:buFont typeface="Arial" panose="020B0604020202020204" pitchFamily="34" charset="0"/>
+              <a:buChar char="•"/>
+            </a:pPr>
+            <a:r>
+              <a:rPr lang="en-GB" dirty="0"/>
+              <a:t>Easy to implement for small container</a:t>
+            </a:r>
+          </a:p>
+        </p:txBody>
+      </p:sp>
+      <p:sp>
+        <p:nvSpPr>
+          <p:cNvPr id="5" name="Text Placeholder 4"/>
+          <p:cNvSpPr>
+            <a:spLocks noGrp="1"/>
+          </p:cNvSpPr>
+          <p:nvPr>
+            <p:ph type="body" sz="quarter" idx="36"/>
+          </p:nvPr>
+        </p:nvSpPr>
+        <p:spPr/>
+        <p:txBody>
+          <a:bodyPr/>
+          <a:lstStyle/>
+          <a:p>
+            <a:pPr marL="285750" indent="-285750">
+              <a:buFont typeface="Arial" panose="020B0604020202020204" pitchFamily="34" charset="0"/>
+              <a:buChar char="•"/>
+            </a:pPr>
+            <a:r>
+              <a:rPr lang="en-GB" dirty="0"/>
+              <a:t>Not known life-time</a:t>
+            </a:r>
+          </a:p>
+          <a:p>
+            <a:pPr marL="285750" indent="-285750">
+              <a:buFont typeface="Arial" panose="020B0604020202020204" pitchFamily="34" charset="0"/>
+              <a:buChar char="•"/>
+            </a:pPr>
+            <a:r>
+              <a:rPr lang="en-GB" dirty="0"/>
+              <a:t>Scattered html</a:t>
+            </a:r>
+          </a:p>
+          <a:p>
+            <a:pPr marL="285750" indent="-285750">
+              <a:buFont typeface="Arial" panose="020B0604020202020204" pitchFamily="34" charset="0"/>
+              <a:buChar char="•"/>
+            </a:pPr>
+            <a:r>
+              <a:rPr lang="en-GB" dirty="0"/>
+              <a:t>Too much of html</a:t>
+            </a:r>
+          </a:p>
+        </p:txBody>
+      </p:sp>
+      <p:sp>
+        <p:nvSpPr>
+          <p:cNvPr id="6" name="Text Placeholder 5"/>
+          <p:cNvSpPr>
+            <a:spLocks noGrp="1"/>
+          </p:cNvSpPr>
+          <p:nvPr>
+            <p:ph type="body" sz="quarter" idx="37"/>
+          </p:nvPr>
+        </p:nvSpPr>
+        <p:spPr>
+          <a:xfrm>
+            <a:off x="6396038" y="1339549"/>
+            <a:ext cx="5048247" cy="434822"/>
+          </a:xfrm>
+        </p:spPr>
+        <p:txBody>
+          <a:bodyPr/>
+          <a:lstStyle/>
+          <a:p>
+            <a:r>
+              <a:rPr lang="en-GB" dirty="0"/>
+              <a:t>Disadvantage</a:t>
+            </a:r>
+          </a:p>
+        </p:txBody>
+      </p:sp>
+    </p:spTree>
+    <p:extLst>
+      <p:ext uri="{BB962C8B-B14F-4D97-AF65-F5344CB8AC3E}">
+        <p14:creationId xmlns:p14="http://schemas.microsoft.com/office/powerpoint/2010/main" val="3513862358"/>
+      </p:ext>
+    </p:extLst>
+  </p:cSld>
+  <p:clrMapOvr>
+    <a:masterClrMapping/>
+  </p:clrMapOvr>
+</p:sld>
+</file>
+
+<file path=ppt/slides/slide2.xml><?xml version="1.0" encoding="utf-8"?>
+<p:sld xmlns:a="http://schemas.openxmlformats.org/drawingml/2006/main" xmlns:r="http://schemas.openxmlformats.org/officeDocument/2006/relationships" xmlns:p="http://schemas.openxmlformats.org/presentationml/2006/main">
+  <p:cSld>
+    <p:spTree>
+      <p:nvGrpSpPr>
+        <p:cNvPr id="1" name=""/>
+        <p:cNvGrpSpPr/>
+        <p:nvPr/>
+      </p:nvGrpSpPr>
+      <p:grpSpPr>
+        <a:xfrm>
+          <a:off x="0" y="0"/>
+          <a:ext cx="0" cy="0"/>
+          <a:chOff x="0" y="0"/>
+          <a:chExt cx="0" cy="0"/>
+        </a:xfrm>
+      </p:grpSpPr>
+      <p:sp>
+        <p:nvSpPr>
+          <p:cNvPr id="2" name="Текст 1"/>
+          <p:cNvSpPr>
+            <a:spLocks noGrp="1"/>
+          </p:cNvSpPr>
+          <p:nvPr>
+            <p:ph type="body" sz="quarter" idx="33"/>
+          </p:nvPr>
+        </p:nvSpPr>
+        <p:spPr/>
+        <p:txBody>
+          <a:bodyPr/>
+          <a:lstStyle/>
+          <a:p>
+            <a:r>
+              <a:rPr lang="en-GB" dirty="0"/>
+              <a:t>Kendo components</a:t>
+            </a:r>
+            <a:endParaRPr lang="ru-RU" dirty="0"/>
+          </a:p>
+        </p:txBody>
+      </p:sp>
+      <p:pic>
+        <p:nvPicPr>
+          <p:cNvPr id="16" name="Picture 15"/>
+          <p:cNvPicPr>
+            <a:picLocks noChangeAspect="1"/>
+          </p:cNvPicPr>
+          <p:nvPr/>
+        </p:nvPicPr>
+        <p:blipFill>
+          <a:blip r:embed="rId3"/>
+          <a:stretch>
+            <a:fillRect/>
+          </a:stretch>
+        </p:blipFill>
+        <p:spPr>
+          <a:xfrm>
+            <a:off x="738191" y="2963294"/>
+            <a:ext cx="3228975" cy="1114425"/>
+          </a:xfrm>
+          <a:prstGeom prst="rect">
+            <a:avLst/>
+          </a:prstGeom>
+        </p:spPr>
+      </p:pic>
+      <p:pic>
+        <p:nvPicPr>
+          <p:cNvPr id="18" name="Picture 17"/>
+          <p:cNvPicPr>
+            <a:picLocks noChangeAspect="1"/>
+          </p:cNvPicPr>
+          <p:nvPr/>
+        </p:nvPicPr>
+        <p:blipFill>
+          <a:blip r:embed="rId4"/>
+          <a:stretch>
+            <a:fillRect/>
+          </a:stretch>
+        </p:blipFill>
+        <p:spPr>
+          <a:xfrm>
+            <a:off x="5368701" y="1319325"/>
+            <a:ext cx="6322065" cy="1754641"/>
+          </a:xfrm>
+          <a:prstGeom prst="rect">
+            <a:avLst/>
+          </a:prstGeom>
+        </p:spPr>
+      </p:pic>
+      <p:sp>
+        <p:nvSpPr>
+          <p:cNvPr id="19" name="Arrow: Right 18"/>
+          <p:cNvSpPr/>
+          <p:nvPr/>
+        </p:nvSpPr>
+        <p:spPr>
+          <a:xfrm>
+            <a:off x="4303262" y="3073966"/>
+            <a:ext cx="729343" cy="381000"/>
+          </a:xfrm>
+          <a:prstGeom prst="rightArrow">
+            <a:avLst/>
+          </a:prstGeom>
+        </p:spPr>
+        <p:style>
+          <a:lnRef idx="2">
+            <a:schemeClr val="accent1">
+              <a:shade val="50000"/>
+            </a:schemeClr>
+          </a:lnRef>
+          <a:fillRef idx="1">
+            <a:schemeClr val="accent1"/>
+          </a:fillRef>
+          <a:effectRef idx="0">
+            <a:schemeClr val="accent1"/>
+          </a:effectRef>
+          <a:fontRef idx="minor">
+            <a:schemeClr val="lt1"/>
+          </a:fontRef>
+        </p:style>
+        <p:txBody>
+          <a:bodyPr rtlCol="0" anchor="ctr"/>
+          <a:lstStyle/>
+          <a:p>
+            <a:pPr algn="ctr"/>
+            <a:endParaRPr lang="en-GB"/>
+          </a:p>
+        </p:txBody>
+      </p:sp>
+      <p:pic>
+        <p:nvPicPr>
+          <p:cNvPr id="3" name="Picture 2"/>
+          <p:cNvPicPr>
+            <a:picLocks noChangeAspect="1"/>
+          </p:cNvPicPr>
+          <p:nvPr/>
+        </p:nvPicPr>
+        <p:blipFill>
+          <a:blip r:embed="rId5"/>
+          <a:stretch>
+            <a:fillRect/>
+          </a:stretch>
+        </p:blipFill>
+        <p:spPr>
+          <a:xfrm>
+            <a:off x="7475859" y="3177380"/>
+            <a:ext cx="2107747" cy="2995219"/>
+          </a:xfrm>
+          <a:prstGeom prst="rect">
+            <a:avLst/>
+          </a:prstGeom>
+        </p:spPr>
+      </p:pic>
+    </p:spTree>
+    <p:extLst>
+      <p:ext uri="{BB962C8B-B14F-4D97-AF65-F5344CB8AC3E}">
+        <p14:creationId xmlns:p14="http://schemas.microsoft.com/office/powerpoint/2010/main" val="2081994167"/>
+      </p:ext>
+    </p:extLst>
+  </p:cSld>
+  <p:clrMapOvr>
+    <a:masterClrMapping/>
+  </p:clrMapOvr>
+</p:sld>
+</file>
+
+<file path=ppt/slides/slide20.xml><?xml version="1.0" encoding="utf-8"?>
+<p:sld xmlns:a="http://schemas.openxmlformats.org/drawingml/2006/main" xmlns:r="http://schemas.openxmlformats.org/officeDocument/2006/relationships" xmlns:p="http://schemas.openxmlformats.org/presentationml/2006/main">
+  <p:cSld>
+    <p:spTree>
+      <p:nvGrpSpPr>
+        <p:cNvPr id="1" name=""/>
+        <p:cNvGrpSpPr/>
+        <p:nvPr/>
+      </p:nvGrpSpPr>
+      <p:grpSpPr>
+        <a:xfrm>
+          <a:off x="0" y="0"/>
+          <a:ext cx="0" cy="0"/>
+          <a:chOff x="0" y="0"/>
+          <a:chExt cx="0" cy="0"/>
+        </a:xfrm>
+      </p:grpSpPr>
+      <p:sp>
+        <p:nvSpPr>
+          <p:cNvPr id="2" name="Text Placeholder 1"/>
+          <p:cNvSpPr>
+            <a:spLocks noGrp="1"/>
+          </p:cNvSpPr>
+          <p:nvPr>
+            <p:ph type="body" sz="quarter" idx="33"/>
+          </p:nvPr>
+        </p:nvSpPr>
+        <p:spPr/>
+        <p:txBody>
+          <a:bodyPr/>
+          <a:lstStyle/>
+          <a:p>
+            <a:r>
+              <a:rPr lang="en-GB" dirty="0"/>
               <a:t>Passive injection</a:t>
             </a:r>
           </a:p>
@@ -20180,7 +20876,7 @@
           <a:graphicData uri="http://schemas.openxmlformats.org/presentationml/2006/ole">
             <mc:AlternateContent xmlns:mc="http://schemas.openxmlformats.org/markup-compatibility/2006">
               <mc:Choice xmlns:v="urn:schemas-microsoft-com:vml" Requires="v">
-                <p:oleObj spid="_x0000_s1044" name="Bitmap Image" r:id="rId4" imgW="4823640" imgH="2011680" progId="Paint.Picture">
+                <p:oleObj spid="_x0000_s1047" name="Bitmap Image" r:id="rId4" imgW="4823640" imgH="2011680" progId="Paint.Picture">
                   <p:embed/>
                 </p:oleObj>
               </mc:Choice>
@@ -20228,325 +20924,6 @@
 </p:sld>
 </file>
 
-<file path=ppt/slides/slide2.xml><?xml version="1.0" encoding="utf-8"?>
-<p:sld xmlns:a="http://schemas.openxmlformats.org/drawingml/2006/main" xmlns:r="http://schemas.openxmlformats.org/officeDocument/2006/relationships" xmlns:p="http://schemas.openxmlformats.org/presentationml/2006/main">
-  <p:cSld>
-    <p:spTree>
-      <p:nvGrpSpPr>
-        <p:cNvPr id="1" name=""/>
-        <p:cNvGrpSpPr/>
-        <p:nvPr/>
-      </p:nvGrpSpPr>
-      <p:grpSpPr>
-        <a:xfrm>
-          <a:off x="0" y="0"/>
-          <a:ext cx="0" cy="0"/>
-          <a:chOff x="0" y="0"/>
-          <a:chExt cx="0" cy="0"/>
-        </a:xfrm>
-      </p:grpSpPr>
-      <p:sp>
-        <p:nvSpPr>
-          <p:cNvPr id="2" name="Текст 1"/>
-          <p:cNvSpPr>
-            <a:spLocks noGrp="1"/>
-          </p:cNvSpPr>
-          <p:nvPr>
-            <p:ph type="body" sz="quarter" idx="33"/>
-          </p:nvPr>
-        </p:nvSpPr>
-        <p:spPr/>
-        <p:txBody>
-          <a:bodyPr/>
-          <a:lstStyle/>
-          <a:p>
-            <a:r>
-              <a:rPr lang="en-GB" dirty="0"/>
-              <a:t>Components</a:t>
-            </a:r>
-            <a:endParaRPr lang="ru-RU" dirty="0"/>
-          </a:p>
-        </p:txBody>
-      </p:sp>
-      <p:pic>
-        <p:nvPicPr>
-          <p:cNvPr id="16" name="Picture 15"/>
-          <p:cNvPicPr>
-            <a:picLocks noChangeAspect="1"/>
-          </p:cNvPicPr>
-          <p:nvPr/>
-        </p:nvPicPr>
-        <p:blipFill>
-          <a:blip r:embed="rId3"/>
-          <a:stretch>
-            <a:fillRect/>
-          </a:stretch>
-        </p:blipFill>
-        <p:spPr>
-          <a:xfrm>
-            <a:off x="738191" y="2963294"/>
-            <a:ext cx="3228975" cy="1114425"/>
-          </a:xfrm>
-          <a:prstGeom prst="rect">
-            <a:avLst/>
-          </a:prstGeom>
-        </p:spPr>
-      </p:pic>
-      <p:pic>
-        <p:nvPicPr>
-          <p:cNvPr id="18" name="Picture 17"/>
-          <p:cNvPicPr>
-            <a:picLocks noChangeAspect="1"/>
-          </p:cNvPicPr>
-          <p:nvPr/>
-        </p:nvPicPr>
-        <p:blipFill>
-          <a:blip r:embed="rId4"/>
-          <a:stretch>
-            <a:fillRect/>
-          </a:stretch>
-        </p:blipFill>
-        <p:spPr>
-          <a:xfrm>
-            <a:off x="5368702" y="2643187"/>
-            <a:ext cx="6322065" cy="1754641"/>
-          </a:xfrm>
-          <a:prstGeom prst="rect">
-            <a:avLst/>
-          </a:prstGeom>
-        </p:spPr>
-      </p:pic>
-      <p:sp>
-        <p:nvSpPr>
-          <p:cNvPr id="19" name="Arrow: Right 18"/>
-          <p:cNvSpPr/>
-          <p:nvPr/>
-        </p:nvSpPr>
-        <p:spPr>
-          <a:xfrm>
-            <a:off x="4303262" y="3073966"/>
-            <a:ext cx="729343" cy="381000"/>
-          </a:xfrm>
-          <a:prstGeom prst="rightArrow">
-            <a:avLst/>
-          </a:prstGeom>
-        </p:spPr>
-        <p:style>
-          <a:lnRef idx="2">
-            <a:schemeClr val="accent1">
-              <a:shade val="50000"/>
-            </a:schemeClr>
-          </a:lnRef>
-          <a:fillRef idx="1">
-            <a:schemeClr val="accent1"/>
-          </a:fillRef>
-          <a:effectRef idx="0">
-            <a:schemeClr val="accent1"/>
-          </a:effectRef>
-          <a:fontRef idx="minor">
-            <a:schemeClr val="lt1"/>
-          </a:fontRef>
-        </p:style>
-        <p:txBody>
-          <a:bodyPr rtlCol="0" anchor="ctr"/>
-          <a:lstStyle/>
-          <a:p>
-            <a:pPr algn="ctr"/>
-            <a:endParaRPr lang="en-GB"/>
-          </a:p>
-        </p:txBody>
-      </p:sp>
-    </p:spTree>
-    <p:extLst>
-      <p:ext uri="{BB962C8B-B14F-4D97-AF65-F5344CB8AC3E}">
-        <p14:creationId xmlns:p14="http://schemas.microsoft.com/office/powerpoint/2010/main" val="2081994167"/>
-      </p:ext>
-    </p:extLst>
-  </p:cSld>
-  <p:clrMapOvr>
-    <a:masterClrMapping/>
-  </p:clrMapOvr>
-</p:sld>
-</file>
-
-<file path=ppt/slides/slide20.xml><?xml version="1.0" encoding="utf-8"?>
-<p:sld xmlns:a="http://schemas.openxmlformats.org/drawingml/2006/main" xmlns:r="http://schemas.openxmlformats.org/officeDocument/2006/relationships" xmlns:p="http://schemas.openxmlformats.org/presentationml/2006/main">
-  <p:cSld>
-    <p:spTree>
-      <p:nvGrpSpPr>
-        <p:cNvPr id="1" name=""/>
-        <p:cNvGrpSpPr/>
-        <p:nvPr/>
-      </p:nvGrpSpPr>
-      <p:grpSpPr>
-        <a:xfrm>
-          <a:off x="0" y="0"/>
-          <a:ext cx="0" cy="0"/>
-          <a:chOff x="0" y="0"/>
-          <a:chExt cx="0" cy="0"/>
-        </a:xfrm>
-      </p:grpSpPr>
-      <p:sp>
-        <p:nvSpPr>
-          <p:cNvPr id="2" name="Text Placeholder 1"/>
-          <p:cNvSpPr>
-            <a:spLocks noGrp="1"/>
-          </p:cNvSpPr>
-          <p:nvPr>
-            <p:ph type="body" sz="quarter" idx="33"/>
-          </p:nvPr>
-        </p:nvSpPr>
-        <p:spPr/>
-        <p:txBody>
-          <a:bodyPr/>
-          <a:lstStyle/>
-          <a:p>
-            <a:r>
-              <a:rPr lang="en-GB" dirty="0"/>
-              <a:t>Passive injection</a:t>
-            </a:r>
-          </a:p>
-        </p:txBody>
-      </p:sp>
-      <p:sp>
-        <p:nvSpPr>
-          <p:cNvPr id="3" name="Text Placeholder 2"/>
-          <p:cNvSpPr>
-            <a:spLocks noGrp="1"/>
-          </p:cNvSpPr>
-          <p:nvPr>
-            <p:ph type="body" sz="quarter" idx="34"/>
-          </p:nvPr>
-        </p:nvSpPr>
-        <p:spPr/>
-        <p:txBody>
-          <a:bodyPr/>
-          <a:lstStyle/>
-          <a:p>
-            <a:r>
-              <a:rPr lang="en-GB" dirty="0"/>
-              <a:t>Advantage</a:t>
-            </a:r>
-          </a:p>
-        </p:txBody>
-      </p:sp>
-      <p:sp>
-        <p:nvSpPr>
-          <p:cNvPr id="4" name="Text Placeholder 3"/>
-          <p:cNvSpPr>
-            <a:spLocks noGrp="1"/>
-          </p:cNvSpPr>
-          <p:nvPr>
-            <p:ph type="body" sz="quarter" idx="35"/>
-          </p:nvPr>
-        </p:nvSpPr>
-        <p:spPr/>
-        <p:txBody>
-          <a:bodyPr/>
-          <a:lstStyle/>
-          <a:p>
-            <a:pPr marL="285750" indent="-285750">
-              <a:buFont typeface="Arial" panose="020B0604020202020204" pitchFamily="34" charset="0"/>
-              <a:buChar char="•"/>
-            </a:pPr>
-            <a:r>
-              <a:rPr lang="en-GB" dirty="0"/>
-              <a:t>DI is not part of objects</a:t>
-            </a:r>
-          </a:p>
-          <a:p>
-            <a:pPr marL="285750" indent="-285750">
-              <a:buFont typeface="Arial" panose="020B0604020202020204" pitchFamily="34" charset="0"/>
-              <a:buChar char="•"/>
-            </a:pPr>
-            <a:r>
-              <a:rPr lang="en-GB" dirty="0"/>
-              <a:t>All DI in one place</a:t>
-            </a:r>
-          </a:p>
-        </p:txBody>
-      </p:sp>
-      <p:sp>
-        <p:nvSpPr>
-          <p:cNvPr id="5" name="Text Placeholder 4"/>
-          <p:cNvSpPr>
-            <a:spLocks noGrp="1"/>
-          </p:cNvSpPr>
-          <p:nvPr>
-            <p:ph type="body" sz="quarter" idx="36"/>
-          </p:nvPr>
-        </p:nvSpPr>
-        <p:spPr/>
-        <p:txBody>
-          <a:bodyPr/>
-          <a:lstStyle/>
-          <a:p>
-            <a:pPr marL="285750" indent="-285750">
-              <a:buFont typeface="Arial" panose="020B0604020202020204" pitchFamily="34" charset="0"/>
-              <a:buChar char="•"/>
-            </a:pPr>
-            <a:r>
-              <a:rPr lang="en-GB" dirty="0"/>
-              <a:t>Too complicated for simple containers</a:t>
-            </a:r>
-          </a:p>
-          <a:p>
-            <a:pPr marL="285750" indent="-285750">
-              <a:buFont typeface="Arial" panose="020B0604020202020204" pitchFamily="34" charset="0"/>
-              <a:buChar char="•"/>
-            </a:pPr>
-            <a:r>
-              <a:rPr lang="en-GB" dirty="0"/>
-              <a:t>Not known life-time</a:t>
-            </a:r>
-          </a:p>
-          <a:p>
-            <a:pPr marL="285750" indent="-285750">
-              <a:buFont typeface="Arial" panose="020B0604020202020204" pitchFamily="34" charset="0"/>
-              <a:buChar char="•"/>
-            </a:pPr>
-            <a:r>
-              <a:rPr lang="en-GB" dirty="0"/>
-              <a:t>Too much of html</a:t>
-            </a:r>
-          </a:p>
-        </p:txBody>
-      </p:sp>
-      <p:sp>
-        <p:nvSpPr>
-          <p:cNvPr id="6" name="Text Placeholder 5"/>
-          <p:cNvSpPr>
-            <a:spLocks noGrp="1"/>
-          </p:cNvSpPr>
-          <p:nvPr>
-            <p:ph type="body" sz="quarter" idx="37"/>
-          </p:nvPr>
-        </p:nvSpPr>
-        <p:spPr/>
-        <p:txBody>
-          <a:bodyPr/>
-          <a:lstStyle/>
-          <a:p>
-            <a:r>
-              <a:rPr lang="en-GB" dirty="0"/>
-              <a:t>Disadvantage</a:t>
-            </a:r>
-          </a:p>
-        </p:txBody>
-      </p:sp>
-    </p:spTree>
-    <p:extLst>
-      <p:ext uri="{BB962C8B-B14F-4D97-AF65-F5344CB8AC3E}">
-        <p14:creationId xmlns:p14="http://schemas.microsoft.com/office/powerpoint/2010/main" val="297391957"/>
-      </p:ext>
-    </p:extLst>
-  </p:cSld>
-  <p:clrMapOvr>
-    <a:masterClrMapping/>
-  </p:clrMapOvr>
-</p:sld>
-</file>
-
 <file path=ppt/slides/slide21.xml><?xml version="1.0" encoding="utf-8"?>
 <p:sld xmlns:a="http://schemas.openxmlformats.org/drawingml/2006/main" xmlns:r="http://schemas.openxmlformats.org/officeDocument/2006/relationships" xmlns:p="http://schemas.openxmlformats.org/presentationml/2006/main">
   <p:cSld>
@@ -20581,72 +20958,133 @@
           <a:p>
             <a:r>
               <a:rPr lang="en-GB" dirty="0"/>
-              <a:t>Hierarchical containers</a:t>
-            </a:r>
-          </a:p>
-        </p:txBody>
-      </p:sp>
-      <p:pic>
-        <p:nvPicPr>
-          <p:cNvPr id="4" name="Picture 3"/>
-          <p:cNvPicPr>
-            <a:picLocks noChangeAspect="1"/>
-          </p:cNvPicPr>
-          <p:nvPr/>
-        </p:nvPicPr>
-        <p:blipFill>
-          <a:blip r:embed="rId3"/>
-          <a:stretch>
-            <a:fillRect/>
-          </a:stretch>
-        </p:blipFill>
-        <p:spPr>
-          <a:xfrm>
-            <a:off x="3054123" y="1333500"/>
-            <a:ext cx="5495925" cy="2514600"/>
-          </a:xfrm>
-          <a:prstGeom prst="rect">
-            <a:avLst/>
-          </a:prstGeom>
-        </p:spPr>
-      </p:pic>
-      <p:sp>
-        <p:nvSpPr>
-          <p:cNvPr id="5" name="TextBox 4"/>
-          <p:cNvSpPr txBox="1"/>
-          <p:nvPr/>
-        </p:nvSpPr>
-        <p:spPr>
-          <a:xfrm>
-            <a:off x="3760308" y="4456112"/>
-            <a:ext cx="4083554" cy="369332"/>
-          </a:xfrm>
-          <a:prstGeom prst="rect">
-            <a:avLst/>
-          </a:prstGeom>
-          <a:noFill/>
-          <a:ln>
-            <a:solidFill>
-              <a:schemeClr val="accent1"/>
-            </a:solidFill>
-          </a:ln>
-          <a:effectLst>
-            <a:outerShdw blurRad="63500" sx="102000" sy="102000" algn="ctr" rotWithShape="0">
-              <a:prstClr val="black">
-                <a:alpha val="40000"/>
-              </a:prstClr>
-            </a:outerShdw>
-          </a:effectLst>
-        </p:spPr>
-        <p:txBody>
-          <a:bodyPr wrap="none" rtlCol="0">
-            <a:spAutoFit/>
-          </a:bodyPr>
+              <a:t>Passive injection</a:t>
+            </a:r>
+          </a:p>
+        </p:txBody>
+      </p:sp>
+      <p:sp>
+        <p:nvSpPr>
+          <p:cNvPr id="3" name="Text Placeholder 2"/>
+          <p:cNvSpPr>
+            <a:spLocks noGrp="1"/>
+          </p:cNvSpPr>
+          <p:nvPr>
+            <p:ph type="body" sz="quarter" idx="34"/>
+          </p:nvPr>
+        </p:nvSpPr>
+        <p:spPr/>
+        <p:txBody>
+          <a:bodyPr/>
           <a:lstStyle/>
           <a:p>
             <a:r>
               <a:rPr lang="en-GB" dirty="0"/>
-              <a:t>All not resolved requests should go upper</a:t>
+              <a:t>Advantage</a:t>
+            </a:r>
+          </a:p>
+        </p:txBody>
+      </p:sp>
+      <p:sp>
+        <p:nvSpPr>
+          <p:cNvPr id="4" name="Text Placeholder 3"/>
+          <p:cNvSpPr>
+            <a:spLocks noGrp="1"/>
+          </p:cNvSpPr>
+          <p:nvPr>
+            <p:ph type="body" sz="quarter" idx="35"/>
+          </p:nvPr>
+        </p:nvSpPr>
+        <p:spPr/>
+        <p:txBody>
+          <a:bodyPr/>
+          <a:lstStyle/>
+          <a:p>
+            <a:pPr marL="285750" indent="-285750">
+              <a:buFont typeface="Arial" panose="020B0604020202020204" pitchFamily="34" charset="0"/>
+              <a:buChar char="•"/>
+            </a:pPr>
+            <a:r>
+              <a:rPr lang="en-GB" dirty="0"/>
+              <a:t>DI is not part of objects</a:t>
+            </a:r>
+          </a:p>
+          <a:p>
+            <a:pPr marL="285750" indent="-285750">
+              <a:buFont typeface="Arial" panose="020B0604020202020204" pitchFamily="34" charset="0"/>
+              <a:buChar char="•"/>
+            </a:pPr>
+            <a:r>
+              <a:rPr lang="en-GB" dirty="0"/>
+              <a:t>All DI in one place</a:t>
+            </a:r>
+          </a:p>
+        </p:txBody>
+      </p:sp>
+      <p:sp>
+        <p:nvSpPr>
+          <p:cNvPr id="5" name="Text Placeholder 4"/>
+          <p:cNvSpPr>
+            <a:spLocks noGrp="1"/>
+          </p:cNvSpPr>
+          <p:nvPr>
+            <p:ph type="body" sz="quarter" idx="36"/>
+          </p:nvPr>
+        </p:nvSpPr>
+        <p:spPr/>
+        <p:txBody>
+          <a:bodyPr/>
+          <a:lstStyle/>
+          <a:p>
+            <a:pPr marL="285750" indent="-285750">
+              <a:buFont typeface="Arial" panose="020B0604020202020204" pitchFamily="34" charset="0"/>
+              <a:buChar char="•"/>
+            </a:pPr>
+            <a:r>
+              <a:rPr lang="en-GB" dirty="0"/>
+              <a:t>Too complicated for simple containers</a:t>
+            </a:r>
+          </a:p>
+          <a:p>
+            <a:pPr marL="285750" indent="-285750">
+              <a:buFont typeface="Arial" panose="020B0604020202020204" pitchFamily="34" charset="0"/>
+              <a:buChar char="•"/>
+            </a:pPr>
+            <a:r>
+              <a:rPr lang="en-GB" dirty="0"/>
+              <a:t>Not known life-time</a:t>
+            </a:r>
+          </a:p>
+          <a:p>
+            <a:pPr marL="285750" indent="-285750">
+              <a:buFont typeface="Arial" panose="020B0604020202020204" pitchFamily="34" charset="0"/>
+              <a:buChar char="•"/>
+            </a:pPr>
+            <a:r>
+              <a:rPr lang="en-GB" dirty="0"/>
+              <a:t>Too much of html</a:t>
+            </a:r>
+          </a:p>
+        </p:txBody>
+      </p:sp>
+      <p:sp>
+        <p:nvSpPr>
+          <p:cNvPr id="6" name="Text Placeholder 5"/>
+          <p:cNvSpPr>
+            <a:spLocks noGrp="1"/>
+          </p:cNvSpPr>
+          <p:nvPr>
+            <p:ph type="body" sz="quarter" idx="37"/>
+          </p:nvPr>
+        </p:nvSpPr>
+        <p:spPr/>
+        <p:txBody>
+          <a:bodyPr/>
+          <a:lstStyle/>
+          <a:p>
+            <a:r>
+              <a:rPr lang="en-GB" dirty="0"/>
+              <a:t>Disadvantage</a:t>
             </a:r>
           </a:p>
         </p:txBody>
@@ -20654,7 +21092,7 @@
     </p:spTree>
     <p:extLst>
       <p:ext uri="{BB962C8B-B14F-4D97-AF65-F5344CB8AC3E}">
-        <p14:creationId xmlns:p14="http://schemas.microsoft.com/office/powerpoint/2010/main" val="2533058188"/>
+        <p14:creationId xmlns:p14="http://schemas.microsoft.com/office/powerpoint/2010/main" val="297391957"/>
       </p:ext>
     </p:extLst>
   </p:cSld>
@@ -20703,6 +21141,30 @@
           </a:p>
         </p:txBody>
       </p:sp>
+      <p:pic>
+        <p:nvPicPr>
+          <p:cNvPr id="4" name="Picture 3"/>
+          <p:cNvPicPr>
+            <a:picLocks noChangeAspect="1"/>
+          </p:cNvPicPr>
+          <p:nvPr/>
+        </p:nvPicPr>
+        <p:blipFill>
+          <a:blip r:embed="rId3"/>
+          <a:stretch>
+            <a:fillRect/>
+          </a:stretch>
+        </p:blipFill>
+        <p:spPr>
+          <a:xfrm>
+            <a:off x="3054123" y="1333500"/>
+            <a:ext cx="5495925" cy="2514600"/>
+          </a:xfrm>
+          <a:prstGeom prst="rect">
+            <a:avLst/>
+          </a:prstGeom>
+        </p:spPr>
+      </p:pic>
       <p:sp>
         <p:nvSpPr>
           <p:cNvPr id="5" name="TextBox 4"/>
@@ -20711,8 +21173,8 @@
         </p:nvSpPr>
         <p:spPr>
           <a:xfrm>
-            <a:off x="3301080" y="4456112"/>
-            <a:ext cx="5002010" cy="369332"/>
+            <a:off x="3760308" y="4456112"/>
+            <a:ext cx="4083554" cy="369332"/>
           </a:xfrm>
           <a:prstGeom prst="rect">
             <a:avLst/>
@@ -20739,39 +21201,15 @@
           <a:p>
             <a:r>
               <a:rPr lang="en-GB" dirty="0"/>
-              <a:t>All not resolved requests should go upper not ASAP</a:t>
-            </a:r>
-          </a:p>
-        </p:txBody>
-      </p:sp>
-      <p:pic>
-        <p:nvPicPr>
-          <p:cNvPr id="3" name="Picture 2"/>
-          <p:cNvPicPr>
-            <a:picLocks noChangeAspect="1"/>
-          </p:cNvPicPr>
-          <p:nvPr/>
-        </p:nvPicPr>
-        <p:blipFill>
-          <a:blip r:embed="rId3"/>
-          <a:stretch>
-            <a:fillRect/>
-          </a:stretch>
-        </p:blipFill>
-        <p:spPr>
-          <a:xfrm>
-            <a:off x="2963635" y="1228725"/>
-            <a:ext cx="5676900" cy="2724150"/>
-          </a:xfrm>
-          <a:prstGeom prst="rect">
-            <a:avLst/>
-          </a:prstGeom>
-        </p:spPr>
-      </p:pic>
+              <a:t>All not resolved requests should go upper</a:t>
+            </a:r>
+          </a:p>
+        </p:txBody>
+      </p:sp>
     </p:spTree>
     <p:extLst>
       <p:ext uri="{BB962C8B-B14F-4D97-AF65-F5344CB8AC3E}">
-        <p14:creationId xmlns:p14="http://schemas.microsoft.com/office/powerpoint/2010/main" val="3313016908"/>
+        <p14:creationId xmlns:p14="http://schemas.microsoft.com/office/powerpoint/2010/main" val="2533058188"/>
       </p:ext>
     </p:extLst>
   </p:cSld>
@@ -20815,45 +21253,21 @@
           <a:p>
             <a:r>
               <a:rPr lang="en-GB" dirty="0"/>
-              <a:t>Default injection</a:t>
-            </a:r>
-          </a:p>
-        </p:txBody>
-      </p:sp>
-      <p:pic>
-        <p:nvPicPr>
-          <p:cNvPr id="3" name="Picture 2"/>
-          <p:cNvPicPr>
-            <a:picLocks noChangeAspect="1"/>
-          </p:cNvPicPr>
-          <p:nvPr/>
-        </p:nvPicPr>
-        <p:blipFill>
-          <a:blip r:embed="rId3"/>
-          <a:stretch>
-            <a:fillRect/>
-          </a:stretch>
-        </p:blipFill>
-        <p:spPr>
-          <a:xfrm>
-            <a:off x="2328862" y="1198790"/>
-            <a:ext cx="7534275" cy="2762250"/>
-          </a:xfrm>
-          <a:prstGeom prst="rect">
-            <a:avLst/>
-          </a:prstGeom>
-        </p:spPr>
-      </p:pic>
-      <p:sp>
-        <p:nvSpPr>
-          <p:cNvPr id="4" name="TextBox 3"/>
+              <a:t>Hierarchical containers</a:t>
+            </a:r>
+          </a:p>
+        </p:txBody>
+      </p:sp>
+      <p:sp>
+        <p:nvSpPr>
+          <p:cNvPr id="5" name="TextBox 4"/>
           <p:cNvSpPr txBox="1"/>
           <p:nvPr/>
         </p:nvSpPr>
         <p:spPr>
           <a:xfrm>
-            <a:off x="2252784" y="4521427"/>
-            <a:ext cx="7610353" cy="369332"/>
+            <a:off x="3301080" y="4456112"/>
+            <a:ext cx="5002010" cy="369332"/>
           </a:xfrm>
           <a:prstGeom prst="rect">
             <a:avLst/>
@@ -20880,15 +21294,39 @@
           <a:p>
             <a:r>
               <a:rPr lang="en-GB" dirty="0"/>
-              <a:t>All not resolved or with lowPriority resolver requests should go upper not ASAP</a:t>
-            </a:r>
-          </a:p>
-        </p:txBody>
-      </p:sp>
+              <a:t>All not resolved requests should go upper not ASAP</a:t>
+            </a:r>
+          </a:p>
+        </p:txBody>
+      </p:sp>
+      <p:pic>
+        <p:nvPicPr>
+          <p:cNvPr id="3" name="Picture 2"/>
+          <p:cNvPicPr>
+            <a:picLocks noChangeAspect="1"/>
+          </p:cNvPicPr>
+          <p:nvPr/>
+        </p:nvPicPr>
+        <p:blipFill>
+          <a:blip r:embed="rId3"/>
+          <a:stretch>
+            <a:fillRect/>
+          </a:stretch>
+        </p:blipFill>
+        <p:spPr>
+          <a:xfrm>
+            <a:off x="2963635" y="1228725"/>
+            <a:ext cx="5676900" cy="2724150"/>
+          </a:xfrm>
+          <a:prstGeom prst="rect">
+            <a:avLst/>
+          </a:prstGeom>
+        </p:spPr>
+      </p:pic>
     </p:spTree>
     <p:extLst>
       <p:ext uri="{BB962C8B-B14F-4D97-AF65-F5344CB8AC3E}">
-        <p14:creationId xmlns:p14="http://schemas.microsoft.com/office/powerpoint/2010/main" val="2370102275"/>
+        <p14:creationId xmlns:p14="http://schemas.microsoft.com/office/powerpoint/2010/main" val="3313016908"/>
       </p:ext>
     </p:extLst>
   </p:cSld>
@@ -20932,226 +21370,72 @@
           <a:p>
             <a:r>
               <a:rPr lang="en-GB" dirty="0"/>
-              <a:t>Moment of resolving</a:t>
-            </a:r>
-          </a:p>
-        </p:txBody>
-      </p:sp>
-      <p:sp>
-        <p:nvSpPr>
-          <p:cNvPr id="3" name="Text Placeholder 2"/>
-          <p:cNvSpPr>
-            <a:spLocks noGrp="1"/>
-          </p:cNvSpPr>
-          <p:nvPr>
-            <p:ph type="body" sz="quarter" idx="34"/>
-          </p:nvPr>
-        </p:nvSpPr>
-        <p:spPr/>
-        <p:txBody>
-          <a:bodyPr/>
+              <a:t>Default injection</a:t>
+            </a:r>
+          </a:p>
+        </p:txBody>
+      </p:sp>
+      <p:pic>
+        <p:nvPicPr>
+          <p:cNvPr id="3" name="Picture 2"/>
+          <p:cNvPicPr>
+            <a:picLocks noChangeAspect="1"/>
+          </p:cNvPicPr>
+          <p:nvPr/>
+        </p:nvPicPr>
+        <p:blipFill>
+          <a:blip r:embed="rId3"/>
+          <a:stretch>
+            <a:fillRect/>
+          </a:stretch>
+        </p:blipFill>
+        <p:spPr>
+          <a:xfrm>
+            <a:off x="2328862" y="1198790"/>
+            <a:ext cx="7534275" cy="2762250"/>
+          </a:xfrm>
+          <a:prstGeom prst="rect">
+            <a:avLst/>
+          </a:prstGeom>
+        </p:spPr>
+      </p:pic>
+      <p:sp>
+        <p:nvSpPr>
+          <p:cNvPr id="4" name="TextBox 3"/>
+          <p:cNvSpPr txBox="1"/>
+          <p:nvPr/>
+        </p:nvSpPr>
+        <p:spPr>
+          <a:xfrm>
+            <a:off x="2252784" y="4521427"/>
+            <a:ext cx="7610353" cy="369332"/>
+          </a:xfrm>
+          <a:prstGeom prst="rect">
+            <a:avLst/>
+          </a:prstGeom>
+          <a:noFill/>
+          <a:ln>
+            <a:solidFill>
+              <a:schemeClr val="accent1"/>
+            </a:solidFill>
+          </a:ln>
+          <a:effectLst>
+            <a:outerShdw blurRad="63500" sx="102000" sy="102000" algn="ctr" rotWithShape="0">
+              <a:prstClr val="black">
+                <a:alpha val="40000"/>
+              </a:prstClr>
+            </a:outerShdw>
+          </a:effectLst>
+        </p:spPr>
+        <p:txBody>
+          <a:bodyPr wrap="none" rtlCol="0">
+            <a:spAutoFit/>
+          </a:bodyPr>
           <a:lstStyle/>
           <a:p>
             <a:r>
               <a:rPr lang="en-GB" dirty="0"/>
-              <a:t>ASAP</a:t>
-            </a:r>
-          </a:p>
-        </p:txBody>
-      </p:sp>
-      <p:sp>
-        <p:nvSpPr>
-          <p:cNvPr id="4" name="Text Placeholder 3"/>
-          <p:cNvSpPr>
-            <a:spLocks noGrp="1"/>
-          </p:cNvSpPr>
-          <p:nvPr>
-            <p:ph type="body" sz="quarter" idx="35"/>
-          </p:nvPr>
-        </p:nvSpPr>
-        <p:spPr/>
-        <p:txBody>
-          <a:bodyPr/>
-          <a:lstStyle/>
-          <a:p>
-            <a:pPr marL="285750" indent="-285750">
-              <a:buFont typeface="Arial" panose="020B0604020202020204" pitchFamily="34" charset="0"/>
-              <a:buChar char="•"/>
-            </a:pPr>
-            <a:r>
-              <a:rPr lang="en-GB" dirty="0"/>
-              <a:t>Easy to implement</a:t>
-            </a:r>
-          </a:p>
-          <a:p>
-            <a:pPr marL="285750" indent="-285750">
-              <a:buFont typeface="Arial" panose="020B0604020202020204" pitchFamily="34" charset="0"/>
-              <a:buChar char="•"/>
-            </a:pPr>
-            <a:r>
-              <a:rPr lang="en-GB" dirty="0"/>
-              <a:t>Dynamic objects</a:t>
-            </a:r>
-          </a:p>
-          <a:p>
-            <a:pPr marL="285750" indent="-285750">
-              <a:buFont typeface="Arial" panose="020B0604020202020204" pitchFamily="34" charset="0"/>
-              <a:buChar char="•"/>
-            </a:pPr>
-            <a:endParaRPr lang="en-GB" dirty="0"/>
-          </a:p>
-          <a:p>
-            <a:pPr marL="285750" indent="-285750">
-              <a:buFont typeface="Arial" panose="020B0604020202020204" pitchFamily="34" charset="0"/>
-              <a:buChar char="•"/>
-            </a:pPr>
-            <a:endParaRPr lang="en-GB" dirty="0"/>
-          </a:p>
-          <a:p>
-            <a:pPr marL="285750" indent="-285750">
-              <a:buFont typeface="Arial" panose="020B0604020202020204" pitchFamily="34" charset="0"/>
-              <a:buChar char="•"/>
-            </a:pPr>
-            <a:endParaRPr lang="en-GB" dirty="0"/>
-          </a:p>
-          <a:p>
-            <a:pPr marL="285750" indent="-285750">
-              <a:buFont typeface="Arial" panose="020B0604020202020204" pitchFamily="34" charset="0"/>
-              <a:buChar char="•"/>
-            </a:pPr>
-            <a:endParaRPr lang="en-GB" dirty="0"/>
-          </a:p>
-          <a:p>
-            <a:pPr marL="285750" indent="-285750">
-              <a:buFont typeface="Arial" panose="020B0604020202020204" pitchFamily="34" charset="0"/>
-              <a:buChar char="•"/>
-            </a:pPr>
-            <a:r>
-              <a:rPr lang="en-GB" dirty="0"/>
-              <a:t>No default</a:t>
-            </a:r>
-          </a:p>
-          <a:p>
-            <a:pPr marL="285750" indent="-285750">
-              <a:buFont typeface="Arial" panose="020B0604020202020204" pitchFamily="34" charset="0"/>
-              <a:buChar char="•"/>
-            </a:pPr>
-            <a:r>
-              <a:rPr lang="en-GB" dirty="0"/>
-              <a:t>No hierarchy</a:t>
-            </a:r>
-          </a:p>
-        </p:txBody>
-      </p:sp>
-      <p:sp>
-        <p:nvSpPr>
-          <p:cNvPr id="5" name="Text Placeholder 4"/>
-          <p:cNvSpPr>
-            <a:spLocks noGrp="1"/>
-          </p:cNvSpPr>
-          <p:nvPr>
-            <p:ph type="body" sz="quarter" idx="36"/>
-          </p:nvPr>
-        </p:nvSpPr>
-        <p:spPr/>
-        <p:txBody>
-          <a:bodyPr/>
-          <a:lstStyle/>
-          <a:p>
-            <a:pPr marL="285750" indent="-285750">
-              <a:buFont typeface="Arial" panose="020B0604020202020204" pitchFamily="34" charset="0"/>
-              <a:buChar char="•"/>
-            </a:pPr>
-            <a:r>
-              <a:rPr lang="en-GB" dirty="0"/>
-              <a:t>Complicated logic</a:t>
-            </a:r>
-          </a:p>
-          <a:p>
-            <a:pPr marL="285750" indent="-285750">
-              <a:buFont typeface="Arial" panose="020B0604020202020204" pitchFamily="34" charset="0"/>
-              <a:buChar char="•"/>
-            </a:pPr>
-            <a:r>
-              <a:rPr lang="en-GB" dirty="0"/>
-              <a:t>Static objects</a:t>
-            </a:r>
-          </a:p>
-          <a:p>
-            <a:pPr marL="285750" indent="-285750">
-              <a:buFont typeface="Arial" panose="020B0604020202020204" pitchFamily="34" charset="0"/>
-              <a:buChar char="•"/>
-            </a:pPr>
-            <a:endParaRPr lang="en-GB" dirty="0"/>
-          </a:p>
-          <a:p>
-            <a:pPr marL="285750" indent="-285750">
-              <a:buFont typeface="Arial" panose="020B0604020202020204" pitchFamily="34" charset="0"/>
-              <a:buChar char="•"/>
-            </a:pPr>
-            <a:endParaRPr lang="en-GB" dirty="0"/>
-          </a:p>
-          <a:p>
-            <a:pPr marL="285750" indent="-285750">
-              <a:buFont typeface="Arial" panose="020B0604020202020204" pitchFamily="34" charset="0"/>
-              <a:buChar char="•"/>
-            </a:pPr>
-            <a:endParaRPr lang="en-GB" dirty="0"/>
-          </a:p>
-          <a:p>
-            <a:pPr marL="285750" indent="-285750">
-              <a:buFont typeface="Arial" panose="020B0604020202020204" pitchFamily="34" charset="0"/>
-              <a:buChar char="•"/>
-            </a:pPr>
-            <a:endParaRPr lang="en-GB" dirty="0"/>
-          </a:p>
-          <a:p>
-            <a:pPr marL="285750" indent="-285750">
-              <a:buFont typeface="Arial" panose="020B0604020202020204" pitchFamily="34" charset="0"/>
-              <a:buChar char="•"/>
-            </a:pPr>
-            <a:r>
-              <a:rPr lang="en-GB" dirty="0"/>
-              <a:t>Hierarchy</a:t>
-            </a:r>
-          </a:p>
-          <a:p>
-            <a:pPr marL="285750" indent="-285750">
-              <a:buFont typeface="Arial" panose="020B0604020202020204" pitchFamily="34" charset="0"/>
-              <a:buChar char="•"/>
-            </a:pPr>
-            <a:r>
-              <a:rPr lang="en-GB" dirty="0"/>
-              <a:t>Default injections</a:t>
-            </a:r>
-          </a:p>
-          <a:p>
-            <a:pPr marL="285750" indent="-285750">
-              <a:buFont typeface="Arial" panose="020B0604020202020204" pitchFamily="34" charset="0"/>
-              <a:buChar char="•"/>
-            </a:pPr>
-            <a:endParaRPr lang="en-GB" dirty="0"/>
-          </a:p>
-        </p:txBody>
-      </p:sp>
-      <p:sp>
-        <p:nvSpPr>
-          <p:cNvPr id="6" name="Text Placeholder 5"/>
-          <p:cNvSpPr>
-            <a:spLocks noGrp="1"/>
-          </p:cNvSpPr>
-          <p:nvPr>
-            <p:ph type="body" sz="quarter" idx="37"/>
-          </p:nvPr>
-        </p:nvSpPr>
-        <p:spPr/>
-        <p:txBody>
-          <a:bodyPr/>
-          <a:lstStyle/>
-          <a:p>
-            <a:r>
-              <a:rPr lang="en-GB" dirty="0"/>
-              <a:t>WFA</a:t>
+              <a:t>All not resolved or with lowPriority resolver requests should go upper not ASAP</a:t>
             </a:r>
           </a:p>
         </p:txBody>
@@ -21159,7 +21443,7 @@
     </p:spTree>
     <p:extLst>
       <p:ext uri="{BB962C8B-B14F-4D97-AF65-F5344CB8AC3E}">
-        <p14:creationId xmlns:p14="http://schemas.microsoft.com/office/powerpoint/2010/main" val="830397527"/>
+        <p14:creationId xmlns:p14="http://schemas.microsoft.com/office/powerpoint/2010/main" val="2370102275"/>
       </p:ext>
     </p:extLst>
   </p:cSld>
@@ -21188,6 +21472,277 @@
       </p:grpSpPr>
       <p:sp>
         <p:nvSpPr>
+          <p:cNvPr id="2" name="Text Placeholder 1"/>
+          <p:cNvSpPr>
+            <a:spLocks noGrp="1"/>
+          </p:cNvSpPr>
+          <p:nvPr>
+            <p:ph type="body" sz="quarter" idx="33"/>
+          </p:nvPr>
+        </p:nvSpPr>
+        <p:spPr/>
+        <p:txBody>
+          <a:bodyPr/>
+          <a:lstStyle/>
+          <a:p>
+            <a:r>
+              <a:rPr lang="en-GB" dirty="0"/>
+              <a:t>Moment of resolving</a:t>
+            </a:r>
+          </a:p>
+        </p:txBody>
+      </p:sp>
+      <p:sp>
+        <p:nvSpPr>
+          <p:cNvPr id="3" name="Text Placeholder 2"/>
+          <p:cNvSpPr>
+            <a:spLocks noGrp="1"/>
+          </p:cNvSpPr>
+          <p:nvPr>
+            <p:ph type="body" sz="quarter" idx="34"/>
+          </p:nvPr>
+        </p:nvSpPr>
+        <p:spPr/>
+        <p:txBody>
+          <a:bodyPr/>
+          <a:lstStyle/>
+          <a:p>
+            <a:r>
+              <a:rPr lang="en-GB" dirty="0"/>
+              <a:t>ASAP</a:t>
+            </a:r>
+          </a:p>
+        </p:txBody>
+      </p:sp>
+      <p:sp>
+        <p:nvSpPr>
+          <p:cNvPr id="4" name="Text Placeholder 3"/>
+          <p:cNvSpPr>
+            <a:spLocks noGrp="1"/>
+          </p:cNvSpPr>
+          <p:nvPr>
+            <p:ph type="body" sz="quarter" idx="35"/>
+          </p:nvPr>
+        </p:nvSpPr>
+        <p:spPr/>
+        <p:txBody>
+          <a:bodyPr/>
+          <a:lstStyle/>
+          <a:p>
+            <a:pPr marL="285750" indent="-285750">
+              <a:buFont typeface="Arial" panose="020B0604020202020204" pitchFamily="34" charset="0"/>
+              <a:buChar char="•"/>
+            </a:pPr>
+            <a:r>
+              <a:rPr lang="en-GB" dirty="0"/>
+              <a:t>Easy to implement</a:t>
+            </a:r>
+          </a:p>
+          <a:p>
+            <a:pPr marL="285750" indent="-285750">
+              <a:buFont typeface="Arial" panose="020B0604020202020204" pitchFamily="34" charset="0"/>
+              <a:buChar char="•"/>
+            </a:pPr>
+            <a:r>
+              <a:rPr lang="en-GB" dirty="0"/>
+              <a:t>Dynamic objects</a:t>
+            </a:r>
+          </a:p>
+          <a:p>
+            <a:pPr marL="285750" indent="-285750">
+              <a:buFont typeface="Arial" panose="020B0604020202020204" pitchFamily="34" charset="0"/>
+              <a:buChar char="•"/>
+            </a:pPr>
+            <a:endParaRPr lang="en-GB" dirty="0"/>
+          </a:p>
+          <a:p>
+            <a:pPr marL="285750" indent="-285750">
+              <a:buFont typeface="Arial" panose="020B0604020202020204" pitchFamily="34" charset="0"/>
+              <a:buChar char="•"/>
+            </a:pPr>
+            <a:endParaRPr lang="en-GB" dirty="0"/>
+          </a:p>
+          <a:p>
+            <a:pPr marL="285750" indent="-285750">
+              <a:buFont typeface="Arial" panose="020B0604020202020204" pitchFamily="34" charset="0"/>
+              <a:buChar char="•"/>
+            </a:pPr>
+            <a:endParaRPr lang="en-GB" dirty="0"/>
+          </a:p>
+          <a:p>
+            <a:pPr marL="285750" indent="-285750">
+              <a:buFont typeface="Arial" panose="020B0604020202020204" pitchFamily="34" charset="0"/>
+              <a:buChar char="•"/>
+            </a:pPr>
+            <a:endParaRPr lang="en-GB" dirty="0"/>
+          </a:p>
+          <a:p>
+            <a:pPr marL="285750" indent="-285750">
+              <a:buFont typeface="Arial" panose="020B0604020202020204" pitchFamily="34" charset="0"/>
+              <a:buChar char="•"/>
+            </a:pPr>
+            <a:r>
+              <a:rPr lang="en-GB" dirty="0"/>
+              <a:t>No default</a:t>
+            </a:r>
+          </a:p>
+          <a:p>
+            <a:pPr marL="285750" indent="-285750">
+              <a:buFont typeface="Arial" panose="020B0604020202020204" pitchFamily="34" charset="0"/>
+              <a:buChar char="•"/>
+            </a:pPr>
+            <a:r>
+              <a:rPr lang="en-GB" dirty="0"/>
+              <a:t>No hierarchy</a:t>
+            </a:r>
+          </a:p>
+        </p:txBody>
+      </p:sp>
+      <p:sp>
+        <p:nvSpPr>
+          <p:cNvPr id="5" name="Text Placeholder 4"/>
+          <p:cNvSpPr>
+            <a:spLocks noGrp="1"/>
+          </p:cNvSpPr>
+          <p:nvPr>
+            <p:ph type="body" sz="quarter" idx="36"/>
+          </p:nvPr>
+        </p:nvSpPr>
+        <p:spPr/>
+        <p:txBody>
+          <a:bodyPr/>
+          <a:lstStyle/>
+          <a:p>
+            <a:pPr marL="285750" indent="-285750">
+              <a:buFont typeface="Arial" panose="020B0604020202020204" pitchFamily="34" charset="0"/>
+              <a:buChar char="•"/>
+            </a:pPr>
+            <a:r>
+              <a:rPr lang="en-GB" dirty="0"/>
+              <a:t>Complicated logic</a:t>
+            </a:r>
+          </a:p>
+          <a:p>
+            <a:pPr marL="285750" indent="-285750">
+              <a:buFont typeface="Arial" panose="020B0604020202020204" pitchFamily="34" charset="0"/>
+              <a:buChar char="•"/>
+            </a:pPr>
+            <a:r>
+              <a:rPr lang="en-GB" dirty="0"/>
+              <a:t>Static objects</a:t>
+            </a:r>
+          </a:p>
+          <a:p>
+            <a:pPr marL="285750" indent="-285750">
+              <a:buFont typeface="Arial" panose="020B0604020202020204" pitchFamily="34" charset="0"/>
+              <a:buChar char="•"/>
+            </a:pPr>
+            <a:endParaRPr lang="en-GB" dirty="0"/>
+          </a:p>
+          <a:p>
+            <a:pPr marL="285750" indent="-285750">
+              <a:buFont typeface="Arial" panose="020B0604020202020204" pitchFamily="34" charset="0"/>
+              <a:buChar char="•"/>
+            </a:pPr>
+            <a:endParaRPr lang="en-GB" dirty="0"/>
+          </a:p>
+          <a:p>
+            <a:pPr marL="285750" indent="-285750">
+              <a:buFont typeface="Arial" panose="020B0604020202020204" pitchFamily="34" charset="0"/>
+              <a:buChar char="•"/>
+            </a:pPr>
+            <a:endParaRPr lang="en-GB" dirty="0"/>
+          </a:p>
+          <a:p>
+            <a:pPr marL="285750" indent="-285750">
+              <a:buFont typeface="Arial" panose="020B0604020202020204" pitchFamily="34" charset="0"/>
+              <a:buChar char="•"/>
+            </a:pPr>
+            <a:endParaRPr lang="en-GB" dirty="0"/>
+          </a:p>
+          <a:p>
+            <a:pPr marL="285750" indent="-285750">
+              <a:buFont typeface="Arial" panose="020B0604020202020204" pitchFamily="34" charset="0"/>
+              <a:buChar char="•"/>
+            </a:pPr>
+            <a:r>
+              <a:rPr lang="en-GB" dirty="0"/>
+              <a:t>Hierarchy</a:t>
+            </a:r>
+          </a:p>
+          <a:p>
+            <a:pPr marL="285750" indent="-285750">
+              <a:buFont typeface="Arial" panose="020B0604020202020204" pitchFamily="34" charset="0"/>
+              <a:buChar char="•"/>
+            </a:pPr>
+            <a:r>
+              <a:rPr lang="en-GB" dirty="0"/>
+              <a:t>Default injections</a:t>
+            </a:r>
+          </a:p>
+          <a:p>
+            <a:pPr marL="285750" indent="-285750">
+              <a:buFont typeface="Arial" panose="020B0604020202020204" pitchFamily="34" charset="0"/>
+              <a:buChar char="•"/>
+            </a:pPr>
+            <a:endParaRPr lang="en-GB" dirty="0"/>
+          </a:p>
+        </p:txBody>
+      </p:sp>
+      <p:sp>
+        <p:nvSpPr>
+          <p:cNvPr id="6" name="Text Placeholder 5"/>
+          <p:cNvSpPr>
+            <a:spLocks noGrp="1"/>
+          </p:cNvSpPr>
+          <p:nvPr>
+            <p:ph type="body" sz="quarter" idx="37"/>
+          </p:nvPr>
+        </p:nvSpPr>
+        <p:spPr/>
+        <p:txBody>
+          <a:bodyPr/>
+          <a:lstStyle/>
+          <a:p>
+            <a:r>
+              <a:rPr lang="en-GB" dirty="0"/>
+              <a:t>WFA</a:t>
+            </a:r>
+          </a:p>
+        </p:txBody>
+      </p:sp>
+    </p:spTree>
+    <p:extLst>
+      <p:ext uri="{BB962C8B-B14F-4D97-AF65-F5344CB8AC3E}">
+        <p14:creationId xmlns:p14="http://schemas.microsoft.com/office/powerpoint/2010/main" val="830397527"/>
+      </p:ext>
+    </p:extLst>
+  </p:cSld>
+  <p:clrMapOvr>
+    <a:masterClrMapping/>
+  </p:clrMapOvr>
+</p:sld>
+</file>
+
+<file path=ppt/slides/slide26.xml><?xml version="1.0" encoding="utf-8"?>
+<p:sld xmlns:a="http://schemas.openxmlformats.org/drawingml/2006/main" xmlns:r="http://schemas.openxmlformats.org/officeDocument/2006/relationships" xmlns:p="http://schemas.openxmlformats.org/presentationml/2006/main">
+  <p:cSld>
+    <p:spTree>
+      <p:nvGrpSpPr>
+        <p:cNvPr id="1" name=""/>
+        <p:cNvGrpSpPr/>
+        <p:nvPr/>
+      </p:nvGrpSpPr>
+      <p:grpSpPr>
+        <a:xfrm>
+          <a:off x="0" y="0"/>
+          <a:ext cx="0" cy="0"/>
+          <a:chOff x="0" y="0"/>
+          <a:chExt cx="0" cy="0"/>
+        </a:xfrm>
+      </p:grpSpPr>
+      <p:sp>
+        <p:nvSpPr>
           <p:cNvPr id="7" name="Text Placeholder 6"/>
           <p:cNvSpPr>
             <a:spLocks noGrp="1"/>
@@ -21286,7 +21841,7 @@
 </p:sld>
 </file>
 
-<file path=ppt/slides/slide26.xml><?xml version="1.0" encoding="utf-8"?>
+<file path=ppt/slides/slide27.xml><?xml version="1.0" encoding="utf-8"?>
 <p:sld xmlns:a="http://schemas.openxmlformats.org/drawingml/2006/main" xmlns:r="http://schemas.openxmlformats.org/officeDocument/2006/relationships" xmlns:p="http://schemas.openxmlformats.org/presentationml/2006/main">
   <p:cSld>
     <p:spTree>
@@ -21689,7 +22244,7 @@
       </p:sp>
       <p:pic>
         <p:nvPicPr>
-          <p:cNvPr id="5" name="Picture 4"/>
+          <p:cNvPr id="3" name="Picture 2"/>
           <p:cNvPicPr>
             <a:picLocks noChangeAspect="1"/>
           </p:cNvPicPr>
@@ -21703,8 +22258,8 @@
         </p:blipFill>
         <p:spPr>
           <a:xfrm>
-            <a:off x="1935619" y="2075089"/>
-            <a:ext cx="8296373" cy="3139168"/>
+            <a:off x="3182710" y="1378404"/>
+            <a:ext cx="5184871" cy="983796"/>
           </a:xfrm>
           <a:prstGeom prst="rect">
             <a:avLst/>
@@ -21713,32 +22268,68 @@
       </p:pic>
       <p:sp>
         <p:nvSpPr>
-          <p:cNvPr id="7" name="Rectangle 6"/>
+          <p:cNvPr id="8" name="Arrow: Right 7"/>
           <p:cNvSpPr/>
           <p:nvPr/>
         </p:nvSpPr>
         <p:spPr>
-          <a:xfrm>
-            <a:off x="4409758" y="1246257"/>
-            <a:ext cx="3061031" cy="584775"/>
+          <a:xfrm rot="5400000">
+            <a:off x="5408312" y="2778919"/>
+            <a:ext cx="729343" cy="381000"/>
+          </a:xfrm>
+          <a:prstGeom prst="rightArrow">
+            <a:avLst/>
+          </a:prstGeom>
+        </p:spPr>
+        <p:style>
+          <a:lnRef idx="2">
+            <a:schemeClr val="accent1">
+              <a:shade val="50000"/>
+            </a:schemeClr>
+          </a:lnRef>
+          <a:fillRef idx="1">
+            <a:schemeClr val="accent1"/>
+          </a:fillRef>
+          <a:effectRef idx="0">
+            <a:schemeClr val="accent1"/>
+          </a:effectRef>
+          <a:fontRef idx="minor">
+            <a:schemeClr val="lt1"/>
+          </a:fontRef>
+        </p:style>
+        <p:txBody>
+          <a:bodyPr rtlCol="0" anchor="ctr"/>
+          <a:lstStyle/>
+          <a:p>
+            <a:pPr algn="ctr"/>
+            <a:endParaRPr lang="en-GB"/>
+          </a:p>
+        </p:txBody>
+      </p:sp>
+      <p:pic>
+        <p:nvPicPr>
+          <p:cNvPr id="9" name="Picture 8"/>
+          <p:cNvPicPr>
+            <a:picLocks noChangeAspect="1"/>
+          </p:cNvPicPr>
+          <p:nvPr/>
+        </p:nvPicPr>
+        <p:blipFill>
+          <a:blip r:embed="rId4"/>
+          <a:stretch>
+            <a:fillRect/>
+          </a:stretch>
+        </p:blipFill>
+        <p:spPr>
+          <a:xfrm>
+            <a:off x="1708719" y="3658961"/>
+            <a:ext cx="8837146" cy="1783896"/>
           </a:xfrm>
           <a:prstGeom prst="rect">
             <a:avLst/>
           </a:prstGeom>
         </p:spPr>
-        <p:txBody>
-          <a:bodyPr wrap="none">
-            <a:spAutoFit/>
-          </a:bodyPr>
-          <a:lstStyle/>
-          <a:p>
-            <a:r>
-              <a:rPr lang="en-GB" sz="3200" dirty="0"/>
-              <a:t>Polymer example</a:t>
-            </a:r>
-          </a:p>
-        </p:txBody>
-      </p:sp>
+      </p:pic>
     </p:spTree>
     <p:extLst>
       <p:ext uri="{BB962C8B-B14F-4D97-AF65-F5344CB8AC3E}">
@@ -21786,100 +22377,9 @@
           <a:p>
             <a:r>
               <a:rPr lang="en-GB" dirty="0"/>
-              <a:t>Receiving Web component</a:t>
+              <a:t>Services as Web components </a:t>
             </a:r>
             <a:endParaRPr lang="ru-RU" dirty="0"/>
-          </a:p>
-        </p:txBody>
-      </p:sp>
-      <p:sp>
-        <p:nvSpPr>
-          <p:cNvPr id="3" name="TextBox 2"/>
-          <p:cNvSpPr txBox="1"/>
-          <p:nvPr/>
-        </p:nvSpPr>
-        <p:spPr>
-          <a:xfrm>
-            <a:off x="738191" y="1338943"/>
-            <a:ext cx="3018006" cy="4031873"/>
-          </a:xfrm>
-          <a:prstGeom prst="rect">
-            <a:avLst/>
-          </a:prstGeom>
-          <a:noFill/>
-        </p:spPr>
-        <p:txBody>
-          <a:bodyPr wrap="none" rtlCol="0">
-            <a:spAutoFit/>
-          </a:bodyPr>
-          <a:lstStyle/>
-          <a:p>
-            <a:pPr marL="285750" indent="-285750">
-              <a:buFont typeface="Arial" panose="020B0604020202020204" pitchFamily="34" charset="0"/>
-              <a:buChar char="•"/>
-            </a:pPr>
-            <a:r>
-              <a:rPr lang="en-GB" sz="3200" dirty="0"/>
-              <a:t>Global objects</a:t>
-            </a:r>
-          </a:p>
-          <a:p>
-            <a:pPr marL="285750" indent="-285750">
-              <a:buFont typeface="Arial" panose="020B0604020202020204" pitchFamily="34" charset="0"/>
-              <a:buChar char="•"/>
-            </a:pPr>
-            <a:endParaRPr lang="en-GB" sz="3200" dirty="0"/>
-          </a:p>
-          <a:p>
-            <a:pPr marL="285750" indent="-285750">
-              <a:buFont typeface="Arial" panose="020B0604020202020204" pitchFamily="34" charset="0"/>
-              <a:buChar char="•"/>
-            </a:pPr>
-            <a:r>
-              <a:rPr lang="en-GB" sz="3200" dirty="0"/>
-              <a:t>DOM</a:t>
-            </a:r>
-          </a:p>
-          <a:p>
-            <a:pPr marL="742950" lvl="1" indent="-285750">
-              <a:buFont typeface="Arial" panose="020B0604020202020204" pitchFamily="34" charset="0"/>
-              <a:buChar char="•"/>
-            </a:pPr>
-            <a:r>
-              <a:rPr lang="en-GB" sz="3200" dirty="0"/>
-              <a:t>Tree request</a:t>
-            </a:r>
-          </a:p>
-          <a:p>
-            <a:pPr marL="742950" lvl="1" indent="-285750">
-              <a:buFont typeface="Arial" panose="020B0604020202020204" pitchFamily="34" charset="0"/>
-              <a:buChar char="•"/>
-            </a:pPr>
-            <a:endParaRPr lang="en-GB" sz="3200" dirty="0"/>
-          </a:p>
-          <a:p>
-            <a:pPr marL="742950" lvl="1" indent="-285750">
-              <a:buFont typeface="Arial" panose="020B0604020202020204" pitchFamily="34" charset="0"/>
-              <a:buChar char="•"/>
-            </a:pPr>
-            <a:r>
-              <a:rPr lang="en-GB" sz="3200" dirty="0"/>
-              <a:t>Events</a:t>
-            </a:r>
-          </a:p>
-          <a:p>
-            <a:pPr marL="285750" indent="-285750">
-              <a:buFont typeface="Arial" panose="020B0604020202020204" pitchFamily="34" charset="0"/>
-              <a:buChar char="•"/>
-            </a:pPr>
-            <a:endParaRPr lang="en-GB" sz="3200" dirty="0"/>
-          </a:p>
-          <a:p>
-            <a:pPr marL="285750" indent="-285750">
-              <a:buFont typeface="Arial" panose="020B0604020202020204" pitchFamily="34" charset="0"/>
-              <a:buChar char="•"/>
-            </a:pPr>
-            <a:endParaRPr lang="en-GB" sz="3200" dirty="0"/>
           </a:p>
         </p:txBody>
       </p:sp>
@@ -21899,42 +22399,46 @@
         </p:blipFill>
         <p:spPr>
           <a:xfrm>
-            <a:off x="1927451" y="3354879"/>
-            <a:ext cx="7029450" cy="323850"/>
+            <a:off x="1935619" y="2075089"/>
+            <a:ext cx="8296373" cy="3139168"/>
           </a:xfrm>
           <a:prstGeom prst="rect">
             <a:avLst/>
           </a:prstGeom>
         </p:spPr>
       </p:pic>
-      <p:pic>
-        <p:nvPicPr>
-          <p:cNvPr id="6" name="Picture 5"/>
-          <p:cNvPicPr>
-            <a:picLocks noChangeAspect="1"/>
-          </p:cNvPicPr>
+      <p:sp>
+        <p:nvSpPr>
+          <p:cNvPr id="7" name="Rectangle 6"/>
+          <p:cNvSpPr/>
           <p:nvPr/>
-        </p:nvPicPr>
-        <p:blipFill>
-          <a:blip r:embed="rId4"/>
-          <a:stretch>
-            <a:fillRect/>
-          </a:stretch>
-        </p:blipFill>
-        <p:spPr>
-          <a:xfrm>
-            <a:off x="1394051" y="1978910"/>
-            <a:ext cx="4048125" cy="266700"/>
+        </p:nvSpPr>
+        <p:spPr>
+          <a:xfrm>
+            <a:off x="4409758" y="1246257"/>
+            <a:ext cx="3061031" cy="584775"/>
           </a:xfrm>
           <a:prstGeom prst="rect">
             <a:avLst/>
           </a:prstGeom>
         </p:spPr>
-      </p:pic>
+        <p:txBody>
+          <a:bodyPr wrap="none">
+            <a:spAutoFit/>
+          </a:bodyPr>
+          <a:lstStyle/>
+          <a:p>
+            <a:r>
+              <a:rPr lang="en-GB" sz="3200" dirty="0"/>
+              <a:t>Polymer example</a:t>
+            </a:r>
+          </a:p>
+        </p:txBody>
+      </p:sp>
     </p:spTree>
     <p:extLst>
       <p:ext uri="{BB962C8B-B14F-4D97-AF65-F5344CB8AC3E}">
-        <p14:creationId xmlns:p14="http://schemas.microsoft.com/office/powerpoint/2010/main" val="3814173028"/>
+        <p14:creationId xmlns:p14="http://schemas.microsoft.com/office/powerpoint/2010/main" val="1748614671"/>
       </p:ext>
     </p:extLst>
   </p:cSld>
@@ -21978,58 +22482,130 @@
           <a:p>
             <a:r>
               <a:rPr lang="en-GB" dirty="0"/>
-              <a:t>Bubbling events</a:t>
-            </a:r>
-          </a:p>
-          <a:p>
+              <a:t>Receiving Web component</a:t>
+            </a:r>
             <a:endParaRPr lang="ru-RU" dirty="0"/>
+          </a:p>
+        </p:txBody>
+      </p:sp>
+      <p:sp>
+        <p:nvSpPr>
+          <p:cNvPr id="3" name="TextBox 2"/>
+          <p:cNvSpPr txBox="1"/>
+          <p:nvPr/>
+        </p:nvSpPr>
+        <p:spPr>
+          <a:xfrm>
+            <a:off x="738191" y="1338943"/>
+            <a:ext cx="3018006" cy="4031873"/>
+          </a:xfrm>
+          <a:prstGeom prst="rect">
+            <a:avLst/>
+          </a:prstGeom>
+          <a:noFill/>
+        </p:spPr>
+        <p:txBody>
+          <a:bodyPr wrap="none" rtlCol="0">
+            <a:spAutoFit/>
+          </a:bodyPr>
+          <a:lstStyle/>
+          <a:p>
+            <a:pPr marL="285750" indent="-285750">
+              <a:buFont typeface="Arial" panose="020B0604020202020204" pitchFamily="34" charset="0"/>
+              <a:buChar char="•"/>
+            </a:pPr>
+            <a:r>
+              <a:rPr lang="en-GB" sz="3200" dirty="0"/>
+              <a:t>Global objects</a:t>
+            </a:r>
+          </a:p>
+          <a:p>
+            <a:pPr marL="285750" indent="-285750">
+              <a:buFont typeface="Arial" panose="020B0604020202020204" pitchFamily="34" charset="0"/>
+              <a:buChar char="•"/>
+            </a:pPr>
+            <a:endParaRPr lang="en-GB" sz="3200" dirty="0"/>
+          </a:p>
+          <a:p>
+            <a:pPr marL="285750" indent="-285750">
+              <a:buFont typeface="Arial" panose="020B0604020202020204" pitchFamily="34" charset="0"/>
+              <a:buChar char="•"/>
+            </a:pPr>
+            <a:r>
+              <a:rPr lang="en-GB" sz="3200" dirty="0"/>
+              <a:t>DOM</a:t>
+            </a:r>
+          </a:p>
+          <a:p>
+            <a:pPr marL="742950" lvl="1" indent="-285750">
+              <a:buFont typeface="Arial" panose="020B0604020202020204" pitchFamily="34" charset="0"/>
+              <a:buChar char="•"/>
+            </a:pPr>
+            <a:r>
+              <a:rPr lang="en-GB" sz="3200" dirty="0"/>
+              <a:t>Tree request</a:t>
+            </a:r>
+          </a:p>
+          <a:p>
+            <a:pPr marL="742950" lvl="1" indent="-285750">
+              <a:buFont typeface="Arial" panose="020B0604020202020204" pitchFamily="34" charset="0"/>
+              <a:buChar char="•"/>
+            </a:pPr>
+            <a:endParaRPr lang="en-GB" sz="3200" dirty="0"/>
+          </a:p>
+          <a:p>
+            <a:pPr marL="742950" lvl="1" indent="-285750">
+              <a:buFont typeface="Arial" panose="020B0604020202020204" pitchFamily="34" charset="0"/>
+              <a:buChar char="•"/>
+            </a:pPr>
+            <a:r>
+              <a:rPr lang="en-GB" sz="3200" dirty="0"/>
+              <a:t>Events</a:t>
+            </a:r>
+          </a:p>
+          <a:p>
+            <a:pPr marL="285750" indent="-285750">
+              <a:buFont typeface="Arial" panose="020B0604020202020204" pitchFamily="34" charset="0"/>
+              <a:buChar char="•"/>
+            </a:pPr>
+            <a:endParaRPr lang="en-GB" sz="3200" dirty="0"/>
+          </a:p>
+          <a:p>
+            <a:pPr marL="285750" indent="-285750">
+              <a:buFont typeface="Arial" panose="020B0604020202020204" pitchFamily="34" charset="0"/>
+              <a:buChar char="•"/>
+            </a:pPr>
+            <a:endParaRPr lang="en-GB" sz="3200" dirty="0"/>
           </a:p>
         </p:txBody>
       </p:sp>
       <p:pic>
         <p:nvPicPr>
-          <p:cNvPr id="1026" name="Picture 2" descr="https://learn.javascript.ru/article/event-bubbling/eventflow@2x.png"/>
+          <p:cNvPr id="5" name="Picture 4"/>
           <p:cNvPicPr>
-            <a:picLocks noChangeAspect="1" noChangeArrowheads="1"/>
+            <a:picLocks noChangeAspect="1"/>
           </p:cNvPicPr>
           <p:nvPr/>
         </p:nvPicPr>
         <p:blipFill>
-          <a:blip r:embed="rId3" cstate="print">
-            <a:extLst>
-              <a:ext uri="{28A0092B-C50C-407E-A947-70E740481C1C}">
-                <a14:useLocalDpi xmlns:a14="http://schemas.microsoft.com/office/drawing/2010/main" val="0"/>
-              </a:ext>
-            </a:extLst>
-          </a:blip>
-          <a:srcRect/>
+          <a:blip r:embed="rId3"/>
           <a:stretch>
             <a:fillRect/>
           </a:stretch>
         </p:blipFill>
-        <p:spPr bwMode="auto">
-          <a:xfrm>
-            <a:off x="738191" y="1208313"/>
-            <a:ext cx="4685331" cy="4626429"/>
+        <p:spPr>
+          <a:xfrm>
+            <a:off x="1927451" y="3354879"/>
+            <a:ext cx="7029450" cy="323850"/>
           </a:xfrm>
           <a:prstGeom prst="rect">
             <a:avLst/>
           </a:prstGeom>
-          <a:noFill/>
-          <a:extLst>
-            <a:ext uri="{909E8E84-426E-40DD-AFC4-6F175D3DCCD1}">
-              <a14:hiddenFill xmlns:a14="http://schemas.microsoft.com/office/drawing/2010/main">
-                <a:solidFill>
-                  <a:srgbClr val="FFFFFF"/>
-                </a:solidFill>
-              </a14:hiddenFill>
-            </a:ext>
-          </a:extLst>
         </p:spPr>
       </p:pic>
       <p:pic>
         <p:nvPicPr>
-          <p:cNvPr id="3" name="Picture 2"/>
+          <p:cNvPr id="6" name="Picture 5"/>
           <p:cNvPicPr>
             <a:picLocks noChangeAspect="1"/>
           </p:cNvPicPr>
@@ -22043,100 +22619,18 @@
         </p:blipFill>
         <p:spPr>
           <a:xfrm>
-            <a:off x="6368142" y="1763940"/>
-            <a:ext cx="4552950" cy="1581150"/>
+            <a:off x="1394051" y="1978910"/>
+            <a:ext cx="4048125" cy="266700"/>
           </a:xfrm>
           <a:prstGeom prst="rect">
             <a:avLst/>
           </a:prstGeom>
         </p:spPr>
       </p:pic>
-      <p:pic>
-        <p:nvPicPr>
-          <p:cNvPr id="4" name="Picture 3"/>
-          <p:cNvPicPr>
-            <a:picLocks noChangeAspect="1"/>
-          </p:cNvPicPr>
-          <p:nvPr/>
-        </p:nvPicPr>
-        <p:blipFill>
-          <a:blip r:embed="rId5"/>
-          <a:stretch>
-            <a:fillRect/>
-          </a:stretch>
-        </p:blipFill>
-        <p:spPr>
-          <a:xfrm>
-            <a:off x="6368142" y="4383542"/>
-            <a:ext cx="4772025" cy="1143000"/>
-          </a:xfrm>
-          <a:prstGeom prst="rect">
-            <a:avLst/>
-          </a:prstGeom>
-        </p:spPr>
-      </p:pic>
-      <p:sp>
-        <p:nvSpPr>
-          <p:cNvPr id="5" name="TextBox 4"/>
-          <p:cNvSpPr txBox="1"/>
-          <p:nvPr/>
-        </p:nvSpPr>
-        <p:spPr>
-          <a:xfrm>
-            <a:off x="6368142" y="3586385"/>
-            <a:ext cx="1003095" cy="461665"/>
-          </a:xfrm>
-          <a:prstGeom prst="rect">
-            <a:avLst/>
-          </a:prstGeom>
-          <a:noFill/>
-        </p:spPr>
-        <p:txBody>
-          <a:bodyPr wrap="none" rtlCol="0">
-            <a:spAutoFit/>
-          </a:bodyPr>
-          <a:lstStyle/>
-          <a:p>
-            <a:r>
-              <a:rPr lang="en-GB" sz="2400" dirty="0"/>
-              <a:t>Parent</a:t>
-            </a:r>
-          </a:p>
-        </p:txBody>
-      </p:sp>
-      <p:sp>
-        <p:nvSpPr>
-          <p:cNvPr id="6" name="TextBox 5"/>
-          <p:cNvSpPr txBox="1"/>
-          <p:nvPr/>
-        </p:nvSpPr>
-        <p:spPr>
-          <a:xfrm>
-            <a:off x="6258605" y="1086595"/>
-            <a:ext cx="813043" cy="461665"/>
-          </a:xfrm>
-          <a:prstGeom prst="rect">
-            <a:avLst/>
-          </a:prstGeom>
-          <a:noFill/>
-        </p:spPr>
-        <p:txBody>
-          <a:bodyPr wrap="none" rtlCol="0">
-            <a:spAutoFit/>
-          </a:bodyPr>
-          <a:lstStyle/>
-          <a:p>
-            <a:r>
-              <a:rPr lang="en-GB" sz="2400" dirty="0"/>
-              <a:t>Child</a:t>
-            </a:r>
-          </a:p>
-        </p:txBody>
-      </p:sp>
     </p:spTree>
     <p:extLst>
       <p:ext uri="{BB962C8B-B14F-4D97-AF65-F5344CB8AC3E}">
-        <p14:creationId xmlns:p14="http://schemas.microsoft.com/office/powerpoint/2010/main" val="138205805"/>
+        <p14:creationId xmlns:p14="http://schemas.microsoft.com/office/powerpoint/2010/main" val="3814173028"/>
       </p:ext>
     </p:extLst>
   </p:cSld>
@@ -22165,7 +22659,7 @@
       </p:grpSpPr>
       <p:sp>
         <p:nvSpPr>
-          <p:cNvPr id="2" name="Text Placeholder 1"/>
+          <p:cNvPr id="2" name="Текст 1"/>
           <p:cNvSpPr>
             <a:spLocks noGrp="1"/>
           </p:cNvSpPr>
@@ -22180,38 +22674,58 @@
           <a:p>
             <a:r>
               <a:rPr lang="en-GB" dirty="0"/>
-              <a:t>Service – Consumer links</a:t>
-            </a:r>
+              <a:t>Bubbling events</a:t>
+            </a:r>
+          </a:p>
+          <a:p>
+            <a:endParaRPr lang="ru-RU" dirty="0"/>
           </a:p>
         </p:txBody>
       </p:sp>
       <p:pic>
         <p:nvPicPr>
-          <p:cNvPr id="3" name="Picture 2"/>
+          <p:cNvPr id="1026" name="Picture 2" descr="https://learn.javascript.ru/article/event-bubbling/eventflow@2x.png"/>
           <p:cNvPicPr>
-            <a:picLocks noChangeAspect="1"/>
+            <a:picLocks noChangeAspect="1" noChangeArrowheads="1"/>
           </p:cNvPicPr>
           <p:nvPr/>
         </p:nvPicPr>
         <p:blipFill>
-          <a:blip r:embed="rId3"/>
+          <a:blip r:embed="rId3" cstate="print">
+            <a:extLst>
+              <a:ext uri="{28A0092B-C50C-407E-A947-70E740481C1C}">
+                <a14:useLocalDpi xmlns:a14="http://schemas.microsoft.com/office/drawing/2010/main" val="0"/>
+              </a:ext>
+            </a:extLst>
+          </a:blip>
+          <a:srcRect/>
           <a:stretch>
             <a:fillRect/>
           </a:stretch>
         </p:blipFill>
-        <p:spPr>
-          <a:xfrm>
-            <a:off x="864053" y="1339396"/>
-            <a:ext cx="3228975" cy="514350"/>
+        <p:spPr bwMode="auto">
+          <a:xfrm>
+            <a:off x="738191" y="1208313"/>
+            <a:ext cx="4685331" cy="4626429"/>
           </a:xfrm>
           <a:prstGeom prst="rect">
             <a:avLst/>
           </a:prstGeom>
+          <a:noFill/>
+          <a:extLst>
+            <a:ext uri="{909E8E84-426E-40DD-AFC4-6F175D3DCCD1}">
+              <a14:hiddenFill xmlns:a14="http://schemas.microsoft.com/office/drawing/2010/main">
+                <a:solidFill>
+                  <a:srgbClr val="FFFFFF"/>
+                </a:solidFill>
+              </a14:hiddenFill>
+            </a:ext>
+          </a:extLst>
         </p:spPr>
       </p:pic>
       <p:pic>
         <p:nvPicPr>
-          <p:cNvPr id="4" name="Picture 3"/>
+          <p:cNvPr id="3" name="Picture 2"/>
           <p:cNvPicPr>
             <a:picLocks noChangeAspect="1"/>
           </p:cNvPicPr>
@@ -22225,17 +22739,75 @@
         </p:blipFill>
         <p:spPr>
           <a:xfrm>
-            <a:off x="6408284" y="1339396"/>
-            <a:ext cx="3048000" cy="523875"/>
+            <a:off x="6368142" y="1763940"/>
+            <a:ext cx="4552950" cy="1581150"/>
           </a:xfrm>
           <a:prstGeom prst="rect">
             <a:avLst/>
           </a:prstGeom>
         </p:spPr>
       </p:pic>
+      <p:sp>
+        <p:nvSpPr>
+          <p:cNvPr id="5" name="TextBox 4"/>
+          <p:cNvSpPr txBox="1"/>
+          <p:nvPr/>
+        </p:nvSpPr>
+        <p:spPr>
+          <a:xfrm>
+            <a:off x="6368142" y="3586385"/>
+            <a:ext cx="1003095" cy="461665"/>
+          </a:xfrm>
+          <a:prstGeom prst="rect">
+            <a:avLst/>
+          </a:prstGeom>
+          <a:noFill/>
+        </p:spPr>
+        <p:txBody>
+          <a:bodyPr wrap="none" rtlCol="0">
+            <a:spAutoFit/>
+          </a:bodyPr>
+          <a:lstStyle/>
+          <a:p>
+            <a:r>
+              <a:rPr lang="en-GB" sz="2400" dirty="0"/>
+              <a:t>Parent</a:t>
+            </a:r>
+          </a:p>
+        </p:txBody>
+      </p:sp>
+      <p:sp>
+        <p:nvSpPr>
+          <p:cNvPr id="6" name="TextBox 5"/>
+          <p:cNvSpPr txBox="1"/>
+          <p:nvPr/>
+        </p:nvSpPr>
+        <p:spPr>
+          <a:xfrm>
+            <a:off x="6258605" y="1086595"/>
+            <a:ext cx="813043" cy="461665"/>
+          </a:xfrm>
+          <a:prstGeom prst="rect">
+            <a:avLst/>
+          </a:prstGeom>
+          <a:noFill/>
+        </p:spPr>
+        <p:txBody>
+          <a:bodyPr wrap="none" rtlCol="0">
+            <a:spAutoFit/>
+          </a:bodyPr>
+          <a:lstStyle/>
+          <a:p>
+            <a:r>
+              <a:rPr lang="en-GB" sz="2400" dirty="0"/>
+              <a:t>Child</a:t>
+            </a:r>
+          </a:p>
+        </p:txBody>
+      </p:sp>
       <p:pic>
         <p:nvPicPr>
-          <p:cNvPr id="5" name="Picture 4"/>
+          <p:cNvPr id="7" name="Picture 6"/>
           <p:cNvPicPr>
             <a:picLocks noChangeAspect="1"/>
           </p:cNvPicPr>
@@ -22249,191 +22821,18 @@
         </p:blipFill>
         <p:spPr>
           <a:xfrm>
-            <a:off x="6303509" y="2476274"/>
-            <a:ext cx="3257550" cy="876300"/>
+            <a:off x="6368142" y="4289345"/>
+            <a:ext cx="4762500" cy="962025"/>
           </a:xfrm>
           <a:prstGeom prst="rect">
             <a:avLst/>
           </a:prstGeom>
         </p:spPr>
       </p:pic>
-      <p:pic>
-        <p:nvPicPr>
-          <p:cNvPr id="6" name="Picture 5"/>
-          <p:cNvPicPr>
-            <a:picLocks noChangeAspect="1"/>
-          </p:cNvPicPr>
-          <p:nvPr/>
-        </p:nvPicPr>
-        <p:blipFill>
-          <a:blip r:embed="rId6"/>
-          <a:stretch>
-            <a:fillRect/>
-          </a:stretch>
-        </p:blipFill>
-        <p:spPr>
-          <a:xfrm>
-            <a:off x="6127296" y="3965577"/>
-            <a:ext cx="3609975" cy="1676400"/>
-          </a:xfrm>
-          <a:prstGeom prst="rect">
-            <a:avLst/>
-          </a:prstGeom>
-        </p:spPr>
-      </p:pic>
-      <p:sp>
-        <p:nvSpPr>
-          <p:cNvPr id="8" name="Arrow: Down 7"/>
-          <p:cNvSpPr/>
-          <p:nvPr/>
-        </p:nvSpPr>
-        <p:spPr>
-          <a:xfrm>
-            <a:off x="7759813" y="2000929"/>
-            <a:ext cx="344940" cy="324758"/>
-          </a:xfrm>
-          <a:prstGeom prst="downArrow">
-            <a:avLst/>
-          </a:prstGeom>
-        </p:spPr>
-        <p:style>
-          <a:lnRef idx="2">
-            <a:schemeClr val="accent1">
-              <a:shade val="50000"/>
-            </a:schemeClr>
-          </a:lnRef>
-          <a:fillRef idx="1">
-            <a:schemeClr val="accent1"/>
-          </a:fillRef>
-          <a:effectRef idx="0">
-            <a:schemeClr val="accent1"/>
-          </a:effectRef>
-          <a:fontRef idx="minor">
-            <a:schemeClr val="lt1"/>
-          </a:fontRef>
-        </p:style>
-        <p:txBody>
-          <a:bodyPr rtlCol="0" anchor="ctr"/>
-          <a:lstStyle/>
-          <a:p>
-            <a:pPr algn="ctr"/>
-            <a:endParaRPr lang="en-GB"/>
-          </a:p>
-        </p:txBody>
-      </p:sp>
-      <p:sp>
-        <p:nvSpPr>
-          <p:cNvPr id="9" name="Arrow: Down 8"/>
-          <p:cNvSpPr/>
-          <p:nvPr/>
-        </p:nvSpPr>
-        <p:spPr>
-          <a:xfrm>
-            <a:off x="7765595" y="3503161"/>
-            <a:ext cx="344940" cy="324758"/>
-          </a:xfrm>
-          <a:prstGeom prst="downArrow">
-            <a:avLst/>
-          </a:prstGeom>
-        </p:spPr>
-        <p:style>
-          <a:lnRef idx="2">
-            <a:schemeClr val="accent1">
-              <a:shade val="50000"/>
-            </a:schemeClr>
-          </a:lnRef>
-          <a:fillRef idx="1">
-            <a:schemeClr val="accent1"/>
-          </a:fillRef>
-          <a:effectRef idx="0">
-            <a:schemeClr val="accent1"/>
-          </a:effectRef>
-          <a:fontRef idx="minor">
-            <a:schemeClr val="lt1"/>
-          </a:fontRef>
-        </p:style>
-        <p:txBody>
-          <a:bodyPr rtlCol="0" anchor="ctr"/>
-          <a:lstStyle/>
-          <a:p>
-            <a:pPr algn="ctr"/>
-            <a:endParaRPr lang="en-GB"/>
-          </a:p>
-        </p:txBody>
-      </p:sp>
-      <p:sp>
-        <p:nvSpPr>
-          <p:cNvPr id="10" name="Arrow: Down 9"/>
-          <p:cNvSpPr/>
-          <p:nvPr/>
-        </p:nvSpPr>
-        <p:spPr>
-          <a:xfrm>
-            <a:off x="2306070" y="2000929"/>
-            <a:ext cx="344940" cy="324758"/>
-          </a:xfrm>
-          <a:prstGeom prst="downArrow">
-            <a:avLst/>
-          </a:prstGeom>
-        </p:spPr>
-        <p:style>
-          <a:lnRef idx="2">
-            <a:schemeClr val="accent1">
-              <a:shade val="50000"/>
-            </a:schemeClr>
-          </a:lnRef>
-          <a:fillRef idx="1">
-            <a:schemeClr val="accent1"/>
-          </a:fillRef>
-          <a:effectRef idx="0">
-            <a:schemeClr val="accent1"/>
-          </a:effectRef>
-          <a:fontRef idx="minor">
-            <a:schemeClr val="lt1"/>
-          </a:fontRef>
-        </p:style>
-        <p:txBody>
-          <a:bodyPr rtlCol="0" anchor="ctr"/>
-          <a:lstStyle/>
-          <a:p>
-            <a:pPr algn="ctr"/>
-            <a:endParaRPr lang="en-GB"/>
-          </a:p>
-        </p:txBody>
-      </p:sp>
-      <p:sp>
-        <p:nvSpPr>
-          <p:cNvPr id="11" name="TextBox 10"/>
-          <p:cNvSpPr txBox="1"/>
-          <p:nvPr/>
-        </p:nvSpPr>
-        <p:spPr>
-          <a:xfrm>
-            <a:off x="2267585" y="2560481"/>
-            <a:ext cx="421910" cy="707886"/>
-          </a:xfrm>
-          <a:prstGeom prst="rect">
-            <a:avLst/>
-          </a:prstGeom>
-          <a:noFill/>
-        </p:spPr>
-        <p:txBody>
-          <a:bodyPr wrap="none" rtlCol="0">
-            <a:spAutoFit/>
-          </a:bodyPr>
-          <a:lstStyle/>
-          <a:p>
-            <a:r>
-              <a:rPr lang="en-GB" sz="4000" dirty="0"/>
-              <a:t>?</a:t>
-            </a:r>
-          </a:p>
-        </p:txBody>
-      </p:sp>
     </p:spTree>
     <p:extLst>
       <p:ext uri="{BB962C8B-B14F-4D97-AF65-F5344CB8AC3E}">
-        <p14:creationId xmlns:p14="http://schemas.microsoft.com/office/powerpoint/2010/main" val="3815666953"/>
+        <p14:creationId xmlns:p14="http://schemas.microsoft.com/office/powerpoint/2010/main" val="138205805"/>
       </p:ext>
     </p:extLst>
   </p:cSld>
@@ -22477,14 +22876,14 @@
           <a:p>
             <a:r>
               <a:rPr lang="en-GB" dirty="0"/>
-              <a:t>Container</a:t>
+              <a:t>Service – Consumer links</a:t>
             </a:r>
           </a:p>
         </p:txBody>
       </p:sp>
       <p:pic>
         <p:nvPicPr>
-          <p:cNvPr id="4" name="Picture 3"/>
+          <p:cNvPr id="3" name="Picture 2"/>
           <p:cNvPicPr>
             <a:picLocks noChangeAspect="1"/>
           </p:cNvPicPr>
@@ -22498,8 +22897,8 @@
         </p:blipFill>
         <p:spPr>
           <a:xfrm>
-            <a:off x="3350420" y="2615973"/>
-            <a:ext cx="3590925" cy="1495425"/>
+            <a:off x="864053" y="1339396"/>
+            <a:ext cx="3228975" cy="514350"/>
           </a:xfrm>
           <a:prstGeom prst="rect">
             <a:avLst/>
@@ -22508,7 +22907,7 @@
       </p:pic>
       <p:pic>
         <p:nvPicPr>
-          <p:cNvPr id="5" name="Picture 4"/>
+          <p:cNvPr id="4" name="Picture 3"/>
           <p:cNvPicPr>
             <a:picLocks noChangeAspect="1"/>
           </p:cNvPicPr>
@@ -22522,8 +22921,8 @@
         </p:blipFill>
         <p:spPr>
           <a:xfrm>
-            <a:off x="864053" y="1339396"/>
-            <a:ext cx="3228975" cy="514350"/>
+            <a:off x="6408284" y="1339396"/>
+            <a:ext cx="3048000" cy="523875"/>
           </a:xfrm>
           <a:prstGeom prst="rect">
             <a:avLst/>
@@ -22532,7 +22931,7 @@
       </p:pic>
       <p:pic>
         <p:nvPicPr>
-          <p:cNvPr id="6" name="Picture 5"/>
+          <p:cNvPr id="5" name="Picture 4"/>
           <p:cNvPicPr>
             <a:picLocks noChangeAspect="1"/>
           </p:cNvPicPr>
@@ -22546,23 +22945,47 @@
         </p:blipFill>
         <p:spPr>
           <a:xfrm>
-            <a:off x="6092598" y="1329871"/>
-            <a:ext cx="3048000" cy="523875"/>
+            <a:off x="6303509" y="2476274"/>
+            <a:ext cx="3257550" cy="876300"/>
           </a:xfrm>
           <a:prstGeom prst="rect">
             <a:avLst/>
           </a:prstGeom>
         </p:spPr>
       </p:pic>
-      <p:sp>
-        <p:nvSpPr>
-          <p:cNvPr id="7" name="Arrow: Down 6"/>
+      <p:pic>
+        <p:nvPicPr>
+          <p:cNvPr id="6" name="Picture 5"/>
+          <p:cNvPicPr>
+            <a:picLocks noChangeAspect="1"/>
+          </p:cNvPicPr>
+          <p:nvPr/>
+        </p:nvPicPr>
+        <p:blipFill>
+          <a:blip r:embed="rId6"/>
+          <a:stretch>
+            <a:fillRect/>
+          </a:stretch>
+        </p:blipFill>
+        <p:spPr>
+          <a:xfrm>
+            <a:off x="6127296" y="3965577"/>
+            <a:ext cx="3609975" cy="1676400"/>
+          </a:xfrm>
+          <a:prstGeom prst="rect">
+            <a:avLst/>
+          </a:prstGeom>
+        </p:spPr>
+      </p:pic>
+      <p:sp>
+        <p:nvSpPr>
+          <p:cNvPr id="8" name="Arrow: Down 7"/>
           <p:cNvSpPr/>
           <p:nvPr/>
         </p:nvSpPr>
         <p:spPr>
-          <a:xfrm rot="19659441">
-            <a:off x="3177950" y="2072480"/>
+          <a:xfrm>
+            <a:off x="7759813" y="2000929"/>
             <a:ext cx="344940" cy="324758"/>
           </a:xfrm>
           <a:prstGeom prst="downArrow">
@@ -22596,13 +23019,13 @@
       </p:sp>
       <p:sp>
         <p:nvSpPr>
-          <p:cNvPr id="8" name="Arrow: Down 7"/>
+          <p:cNvPr id="9" name="Arrow: Down 8"/>
           <p:cNvSpPr/>
           <p:nvPr/>
         </p:nvSpPr>
         <p:spPr>
-          <a:xfrm rot="1668275">
-            <a:off x="6768875" y="2072480"/>
+          <a:xfrm>
+            <a:off x="7765595" y="3503161"/>
             <a:ext cx="344940" cy="324758"/>
           </a:xfrm>
           <a:prstGeom prst="downArrow">
@@ -22634,58 +23057,79 @@
           </a:p>
         </p:txBody>
       </p:sp>
-      <p:pic>
-        <p:nvPicPr>
-          <p:cNvPr id="9" name="Picture 8"/>
-          <p:cNvPicPr>
-            <a:picLocks noChangeAspect="1"/>
-          </p:cNvPicPr>
+      <p:sp>
+        <p:nvSpPr>
+          <p:cNvPr id="10" name="Arrow: Down 9"/>
+          <p:cNvSpPr/>
           <p:nvPr/>
-        </p:nvPicPr>
-        <p:blipFill>
-          <a:blip r:embed="rId6"/>
-          <a:stretch>
-            <a:fillRect/>
-          </a:stretch>
-        </p:blipFill>
-        <p:spPr>
-          <a:xfrm>
-            <a:off x="2521744" y="4349426"/>
-            <a:ext cx="5248275" cy="695325"/>
+        </p:nvSpPr>
+        <p:spPr>
+          <a:xfrm>
+            <a:off x="2306070" y="2000929"/>
+            <a:ext cx="344940" cy="324758"/>
+          </a:xfrm>
+          <a:prstGeom prst="downArrow">
+            <a:avLst/>
+          </a:prstGeom>
+        </p:spPr>
+        <p:style>
+          <a:lnRef idx="2">
+            <a:schemeClr val="accent1">
+              <a:shade val="50000"/>
+            </a:schemeClr>
+          </a:lnRef>
+          <a:fillRef idx="1">
+            <a:schemeClr val="accent1"/>
+          </a:fillRef>
+          <a:effectRef idx="0">
+            <a:schemeClr val="accent1"/>
+          </a:effectRef>
+          <a:fontRef idx="minor">
+            <a:schemeClr val="lt1"/>
+          </a:fontRef>
+        </p:style>
+        <p:txBody>
+          <a:bodyPr rtlCol="0" anchor="ctr"/>
+          <a:lstStyle/>
+          <a:p>
+            <a:pPr algn="ctr"/>
+            <a:endParaRPr lang="en-GB"/>
+          </a:p>
+        </p:txBody>
+      </p:sp>
+      <p:sp>
+        <p:nvSpPr>
+          <p:cNvPr id="11" name="TextBox 10"/>
+          <p:cNvSpPr txBox="1"/>
+          <p:nvPr/>
+        </p:nvSpPr>
+        <p:spPr>
+          <a:xfrm>
+            <a:off x="2267585" y="2560481"/>
+            <a:ext cx="421910" cy="707886"/>
           </a:xfrm>
           <a:prstGeom prst="rect">
             <a:avLst/>
           </a:prstGeom>
-        </p:spPr>
-      </p:pic>
-      <p:pic>
-        <p:nvPicPr>
-          <p:cNvPr id="11" name="Picture 10"/>
-          <p:cNvPicPr>
-            <a:picLocks noChangeAspect="1"/>
-          </p:cNvPicPr>
-          <p:nvPr/>
-        </p:nvPicPr>
-        <p:blipFill>
-          <a:blip r:embed="rId7"/>
-          <a:stretch>
-            <a:fillRect/>
-          </a:stretch>
-        </p:blipFill>
-        <p:spPr>
-          <a:xfrm>
-            <a:off x="2478540" y="5282779"/>
-            <a:ext cx="5991225" cy="714375"/>
-          </a:xfrm>
-          <a:prstGeom prst="rect">
-            <a:avLst/>
-          </a:prstGeom>
-        </p:spPr>
-      </p:pic>
+          <a:noFill/>
+        </p:spPr>
+        <p:txBody>
+          <a:bodyPr wrap="none" rtlCol="0">
+            <a:spAutoFit/>
+          </a:bodyPr>
+          <a:lstStyle/>
+          <a:p>
+            <a:r>
+              <a:rPr lang="en-GB" sz="4000" dirty="0"/>
+              <a:t>?</a:t>
+            </a:r>
+          </a:p>
+        </p:txBody>
+      </p:sp>
     </p:spTree>
     <p:extLst>
       <p:ext uri="{BB962C8B-B14F-4D97-AF65-F5344CB8AC3E}">
-        <p14:creationId xmlns:p14="http://schemas.microsoft.com/office/powerpoint/2010/main" val="3509235657"/>
+        <p14:creationId xmlns:p14="http://schemas.microsoft.com/office/powerpoint/2010/main" val="3815666953"/>
       </p:ext>
     </p:extLst>
   </p:cSld>

--- a/DOM-DI_short.pptx
+++ b/DOM-DI_short.pptx
@@ -229,7 +229,7 @@
           <a:p>
             <a:fld id="{3369A499-AB0E-41E7-8F43-0B644843E13C}" type="datetimeFigureOut">
               <a:rPr lang="ru-RU" smtClean="0"/>
-              <a:t>13.11.2018</a:t>
+              <a:t>02.03.2019</a:t>
             </a:fld>
             <a:endParaRPr lang="ru-RU"/>
           </a:p>
@@ -394,7 +394,7 @@
           <a:p>
             <a:fld id="{65DF805E-4D42-4930-AF02-3208323ECEC0}" type="datetimeFigureOut">
               <a:rPr lang="ru-RU" smtClean="0"/>
-              <a:t>13.11.2018</a:t>
+              <a:t>02.03.2019</a:t>
             </a:fld>
             <a:endParaRPr lang="ru-RU"/>
           </a:p>
@@ -18160,7 +18160,7 @@
           <a:p>
             <a:fld id="{ABEEAFE4-1161-498B-8894-A81D750AFA3C}" type="datetimeFigureOut">
               <a:rPr lang="ru-RU" smtClean="0"/>
-              <a:t>13.11.2018</a:t>
+              <a:t>02.03.2019</a:t>
             </a:fld>
             <a:endParaRPr lang="ru-RU"/>
           </a:p>
@@ -20706,8 +20706,8 @@
         </p:blipFill>
         <p:spPr>
           <a:xfrm>
-            <a:off x="738191" y="2963294"/>
-            <a:ext cx="3228975" cy="1114425"/>
+            <a:off x="378962" y="2549410"/>
+            <a:ext cx="4220211" cy="1456533"/>
           </a:xfrm>
           <a:prstGeom prst="rect">
             <a:avLst/>
@@ -20746,7 +20746,7 @@
         </p:nvSpPr>
         <p:spPr>
           <a:xfrm>
-            <a:off x="4303262" y="3073966"/>
+            <a:off x="4499205" y="3073966"/>
             <a:ext cx="729343" cy="381000"/>
           </a:xfrm>
           <a:prstGeom prst="rightArrow">
@@ -20876,7 +20876,7 @@
           <a:graphicData uri="http://schemas.openxmlformats.org/presentationml/2006/ole">
             <mc:AlternateContent xmlns:mc="http://schemas.openxmlformats.org/markup-compatibility/2006">
               <mc:Choice xmlns:v="urn:schemas-microsoft-com:vml" Requires="v">
-                <p:oleObj spid="_x0000_s1047" name="Bitmap Image" r:id="rId4" imgW="4823640" imgH="2011680" progId="Paint.Picture">
+                <p:oleObj spid="_x0000_s1048" name="Bitmap Image" r:id="rId4" imgW="4823640" imgH="2011680" progId="Paint.Picture">
                   <p:embed/>
                 </p:oleObj>
               </mc:Choice>
@@ -21973,8 +21973,8 @@
         </p:blipFill>
         <p:spPr>
           <a:xfrm>
-            <a:off x="1171575" y="4807403"/>
-            <a:ext cx="2686050" cy="247650"/>
+            <a:off x="888241" y="4629498"/>
+            <a:ext cx="3829659" cy="353089"/>
           </a:xfrm>
           <a:prstGeom prst="rect">
             <a:avLst/>
@@ -21997,8 +21997,8 @@
         </p:blipFill>
         <p:spPr>
           <a:xfrm>
-            <a:off x="5530623" y="3833131"/>
-            <a:ext cx="2953967" cy="2443844"/>
+            <a:off x="6673623" y="3259546"/>
+            <a:ext cx="3580720" cy="2962363"/>
           </a:xfrm>
           <a:prstGeom prst="rect">
             <a:avLst/>
@@ -22013,7 +22013,7 @@
         </p:nvSpPr>
         <p:spPr>
           <a:xfrm>
-            <a:off x="4465183" y="4740728"/>
+            <a:off x="5331090" y="4544786"/>
             <a:ext cx="729343" cy="381000"/>
           </a:xfrm>
           <a:prstGeom prst="rightArrow">
